--- a/docs/img/pyspark-components.pptx
+++ b/docs/img/pyspark-components.pptx
@@ -258,8 +258,8 @@
     </a:lvl9pPr>
   </p:defaultTextStyle>
   <p:extLst>
-    <p:ext uri="http://customooxmlschemas.google.com/">
-      <go:slidesCustomData xmlns:go="http://customooxmlschemas.google.com/" r:id="rId14" roundtripDataSignature="AMtx7miTjmXFJR3YrqxoYxoiVEkBKy0waQ=="/>
+    <p:ext uri="GoogleSlidesCustomDataVersion2">
+      <go:slidesCustomData xmlns:go="http://customooxmlschemas.google.com/" r:id="rId14" roundtripDataSignature="AMtx7misx489PUHlwMBnSrzJg6Br6nO3FQ=="/>
     </p:ext>
   </p:extLst>
 </p:presentation>
@@ -357,9 +357,16 @@
               <a:spcAft>
                 <a:spcPts val="0"/>
               </a:spcAft>
+              <a:buClr>
+                <a:srgbClr val="000000"/>
+              </a:buClr>
               <a:buSzPts val="1400"/>
+              <a:buFont typeface="Arial"/>
               <a:buNone/>
               <a:defRPr b="0" i="0" sz="2200" u="none" cap="none" strike="noStrike">
+                <a:solidFill>
+                  <a:srgbClr val="000000"/>
+                </a:solidFill>
                 <a:latin typeface="Helvetica Neue"/>
                 <a:ea typeface="Helvetica Neue"/>
                 <a:cs typeface="Helvetica Neue"/>
@@ -376,9 +383,16 @@
               <a:spcAft>
                 <a:spcPts val="0"/>
               </a:spcAft>
+              <a:buClr>
+                <a:srgbClr val="000000"/>
+              </a:buClr>
               <a:buSzPts val="1400"/>
+              <a:buFont typeface="Arial"/>
               <a:buNone/>
               <a:defRPr b="0" i="0" sz="2200" u="none" cap="none" strike="noStrike">
+                <a:solidFill>
+                  <a:srgbClr val="000000"/>
+                </a:solidFill>
                 <a:latin typeface="Helvetica Neue"/>
                 <a:ea typeface="Helvetica Neue"/>
                 <a:cs typeface="Helvetica Neue"/>
@@ -395,9 +409,16 @@
               <a:spcAft>
                 <a:spcPts val="0"/>
               </a:spcAft>
+              <a:buClr>
+                <a:srgbClr val="000000"/>
+              </a:buClr>
               <a:buSzPts val="1400"/>
+              <a:buFont typeface="Arial"/>
               <a:buNone/>
               <a:defRPr b="0" i="0" sz="2200" u="none" cap="none" strike="noStrike">
+                <a:solidFill>
+                  <a:srgbClr val="000000"/>
+                </a:solidFill>
                 <a:latin typeface="Helvetica Neue"/>
                 <a:ea typeface="Helvetica Neue"/>
                 <a:cs typeface="Helvetica Neue"/>
@@ -414,9 +435,16 @@
               <a:spcAft>
                 <a:spcPts val="0"/>
               </a:spcAft>
+              <a:buClr>
+                <a:srgbClr val="000000"/>
+              </a:buClr>
               <a:buSzPts val="1400"/>
+              <a:buFont typeface="Arial"/>
               <a:buNone/>
               <a:defRPr b="0" i="0" sz="2200" u="none" cap="none" strike="noStrike">
+                <a:solidFill>
+                  <a:srgbClr val="000000"/>
+                </a:solidFill>
                 <a:latin typeface="Helvetica Neue"/>
                 <a:ea typeface="Helvetica Neue"/>
                 <a:cs typeface="Helvetica Neue"/>
@@ -433,9 +461,16 @@
               <a:spcAft>
                 <a:spcPts val="0"/>
               </a:spcAft>
+              <a:buClr>
+                <a:srgbClr val="000000"/>
+              </a:buClr>
               <a:buSzPts val="1400"/>
+              <a:buFont typeface="Arial"/>
               <a:buNone/>
               <a:defRPr b="0" i="0" sz="2200" u="none" cap="none" strike="noStrike">
+                <a:solidFill>
+                  <a:srgbClr val="000000"/>
+                </a:solidFill>
                 <a:latin typeface="Helvetica Neue"/>
                 <a:ea typeface="Helvetica Neue"/>
                 <a:cs typeface="Helvetica Neue"/>
@@ -452,9 +487,16 @@
               <a:spcAft>
                 <a:spcPts val="0"/>
               </a:spcAft>
+              <a:buClr>
+                <a:srgbClr val="000000"/>
+              </a:buClr>
               <a:buSzPts val="1400"/>
+              <a:buFont typeface="Arial"/>
               <a:buNone/>
               <a:defRPr b="0" i="0" sz="2200" u="none" cap="none" strike="noStrike">
+                <a:solidFill>
+                  <a:srgbClr val="000000"/>
+                </a:solidFill>
                 <a:latin typeface="Helvetica Neue"/>
                 <a:ea typeface="Helvetica Neue"/>
                 <a:cs typeface="Helvetica Neue"/>
@@ -471,9 +513,16 @@
               <a:spcAft>
                 <a:spcPts val="0"/>
               </a:spcAft>
+              <a:buClr>
+                <a:srgbClr val="000000"/>
+              </a:buClr>
               <a:buSzPts val="1400"/>
+              <a:buFont typeface="Arial"/>
               <a:buNone/>
               <a:defRPr b="0" i="0" sz="2200" u="none" cap="none" strike="noStrike">
+                <a:solidFill>
+                  <a:srgbClr val="000000"/>
+                </a:solidFill>
                 <a:latin typeface="Helvetica Neue"/>
                 <a:ea typeface="Helvetica Neue"/>
                 <a:cs typeface="Helvetica Neue"/>
@@ -490,9 +539,16 @@
               <a:spcAft>
                 <a:spcPts val="0"/>
               </a:spcAft>
+              <a:buClr>
+                <a:srgbClr val="000000"/>
+              </a:buClr>
               <a:buSzPts val="1400"/>
+              <a:buFont typeface="Arial"/>
               <a:buNone/>
               <a:defRPr b="0" i="0" sz="2200" u="none" cap="none" strike="noStrike">
+                <a:solidFill>
+                  <a:srgbClr val="000000"/>
+                </a:solidFill>
                 <a:latin typeface="Helvetica Neue"/>
                 <a:ea typeface="Helvetica Neue"/>
                 <a:cs typeface="Helvetica Neue"/>
@@ -509,9 +565,16 @@
               <a:spcAft>
                 <a:spcPts val="0"/>
               </a:spcAft>
+              <a:buClr>
+                <a:srgbClr val="000000"/>
+              </a:buClr>
               <a:buSzPts val="1400"/>
+              <a:buFont typeface="Arial"/>
               <a:buNone/>
               <a:defRPr b="0" i="0" sz="2200" u="none" cap="none" strike="noStrike">
+                <a:solidFill>
+                  <a:srgbClr val="000000"/>
+                </a:solidFill>
                 <a:latin typeface="Helvetica Neue"/>
                 <a:ea typeface="Helvetica Neue"/>
                 <a:cs typeface="Helvetica Neue"/>
@@ -790,6 +853,10 @@
           <a:prstGeom prst="rect">
             <a:avLst/>
           </a:prstGeom>
+          <a:noFill/>
+          <a:ln>
+            <a:noFill/>
+          </a:ln>
         </p:spPr>
         <p:txBody>
           <a:bodyPr anchorCtr="0" anchor="t" bIns="45700" lIns="91425" spcFirstLastPara="1" rIns="91425" wrap="square" tIns="45700">
@@ -798,12 +865,16 @@
           <a:lstStyle/>
           <a:p>
             <a:pPr indent="0" lvl="0" marL="0" rtl="0" algn="l">
-              <a:spcBef>
-                <a:spcPts val="0"/>
-              </a:spcBef>
-              <a:spcAft>
-                <a:spcPts val="0"/>
-              </a:spcAft>
+              <a:lnSpc>
+                <a:spcPct val="117999"/>
+              </a:lnSpc>
+              <a:spcBef>
+                <a:spcPts val="0"/>
+              </a:spcBef>
+              <a:spcAft>
+                <a:spcPts val="0"/>
+              </a:spcAft>
+              <a:buSzPts val="1400"/>
               <a:buNone/>
             </a:pPr>
             <a:r>
@@ -846,6 +917,10 @@
               </a:path>
             </a:pathLst>
           </a:custGeom>
+          <a:noFill/>
+          <a:ln>
+            <a:noFill/>
+          </a:ln>
         </p:spPr>
       </p:sp>
     </p:spTree>
@@ -1258,207 +1333,234 @@
             <a:spAutoFit/>
           </a:bodyPr>
           <a:lstStyle>
-            <a:lvl1pPr indent="0" lvl="0" marL="0" algn="ctr">
-              <a:lnSpc>
-                <a:spcPct val="100000"/>
-              </a:lnSpc>
-              <a:spcBef>
-                <a:spcPts val="0"/>
-              </a:spcBef>
-              <a:spcAft>
-                <a:spcPts val="0"/>
-              </a:spcAft>
-              <a:buClr>
-                <a:srgbClr val="FFFFFF"/>
-              </a:buClr>
-              <a:buSzPts val="1600"/>
-              <a:buFont typeface="Helvetica Neue Light"/>
-              <a:buNone/>
-              <a:defRPr b="0" sz="1600">
+            <a:lvl1pPr indent="0" lvl="0" marL="0" marR="0" algn="ctr">
+              <a:lnSpc>
+                <a:spcPct val="100000"/>
+              </a:lnSpc>
+              <a:spcBef>
+                <a:spcPts val="0"/>
+              </a:spcBef>
+              <a:spcAft>
+                <a:spcPts val="0"/>
+              </a:spcAft>
+              <a:buClr>
+                <a:srgbClr val="FFFFFF"/>
+              </a:buClr>
+              <a:buSzPts val="1600"/>
+              <a:buFont typeface="Helvetica Neue Light"/>
+              <a:buNone/>
+              <a:defRPr b="0" i="0" sz="1600" u="none" cap="none" strike="noStrike">
+                <a:solidFill>
+                  <a:srgbClr val="FFFFFF"/>
+                </a:solidFill>
                 <a:latin typeface="Helvetica Neue Light"/>
                 <a:ea typeface="Helvetica Neue Light"/>
                 <a:cs typeface="Helvetica Neue Light"/>
                 <a:sym typeface="Helvetica Neue Light"/>
               </a:defRPr>
             </a:lvl1pPr>
-            <a:lvl2pPr indent="0" lvl="1" marL="0" algn="ctr">
-              <a:lnSpc>
-                <a:spcPct val="100000"/>
-              </a:lnSpc>
-              <a:spcBef>
-                <a:spcPts val="0"/>
-              </a:spcBef>
-              <a:spcAft>
-                <a:spcPts val="0"/>
-              </a:spcAft>
-              <a:buClr>
-                <a:srgbClr val="FFFFFF"/>
-              </a:buClr>
-              <a:buSzPts val="1600"/>
-              <a:buFont typeface="Helvetica Neue Light"/>
-              <a:buNone/>
-              <a:defRPr b="0" sz="1600">
+            <a:lvl2pPr indent="0" lvl="1" marL="0" marR="0" algn="ctr">
+              <a:lnSpc>
+                <a:spcPct val="100000"/>
+              </a:lnSpc>
+              <a:spcBef>
+                <a:spcPts val="0"/>
+              </a:spcBef>
+              <a:spcAft>
+                <a:spcPts val="0"/>
+              </a:spcAft>
+              <a:buClr>
+                <a:srgbClr val="FFFFFF"/>
+              </a:buClr>
+              <a:buSzPts val="1600"/>
+              <a:buFont typeface="Helvetica Neue Light"/>
+              <a:buNone/>
+              <a:defRPr b="0" i="0" sz="1600" u="none" cap="none" strike="noStrike">
+                <a:solidFill>
+                  <a:srgbClr val="FFFFFF"/>
+                </a:solidFill>
                 <a:latin typeface="Helvetica Neue Light"/>
                 <a:ea typeface="Helvetica Neue Light"/>
                 <a:cs typeface="Helvetica Neue Light"/>
                 <a:sym typeface="Helvetica Neue Light"/>
               </a:defRPr>
             </a:lvl2pPr>
-            <a:lvl3pPr indent="0" lvl="2" marL="0" algn="ctr">
-              <a:lnSpc>
-                <a:spcPct val="100000"/>
-              </a:lnSpc>
-              <a:spcBef>
-                <a:spcPts val="0"/>
-              </a:spcBef>
-              <a:spcAft>
-                <a:spcPts val="0"/>
-              </a:spcAft>
-              <a:buClr>
-                <a:srgbClr val="FFFFFF"/>
-              </a:buClr>
-              <a:buSzPts val="1600"/>
-              <a:buFont typeface="Helvetica Neue Light"/>
-              <a:buNone/>
-              <a:defRPr b="0" sz="1600">
+            <a:lvl3pPr indent="0" lvl="2" marL="0" marR="0" algn="ctr">
+              <a:lnSpc>
+                <a:spcPct val="100000"/>
+              </a:lnSpc>
+              <a:spcBef>
+                <a:spcPts val="0"/>
+              </a:spcBef>
+              <a:spcAft>
+                <a:spcPts val="0"/>
+              </a:spcAft>
+              <a:buClr>
+                <a:srgbClr val="FFFFFF"/>
+              </a:buClr>
+              <a:buSzPts val="1600"/>
+              <a:buFont typeface="Helvetica Neue Light"/>
+              <a:buNone/>
+              <a:defRPr b="0" i="0" sz="1600" u="none" cap="none" strike="noStrike">
+                <a:solidFill>
+                  <a:srgbClr val="FFFFFF"/>
+                </a:solidFill>
                 <a:latin typeface="Helvetica Neue Light"/>
                 <a:ea typeface="Helvetica Neue Light"/>
                 <a:cs typeface="Helvetica Neue Light"/>
                 <a:sym typeface="Helvetica Neue Light"/>
               </a:defRPr>
             </a:lvl3pPr>
-            <a:lvl4pPr indent="0" lvl="3" marL="0" algn="ctr">
-              <a:lnSpc>
-                <a:spcPct val="100000"/>
-              </a:lnSpc>
-              <a:spcBef>
-                <a:spcPts val="0"/>
-              </a:spcBef>
-              <a:spcAft>
-                <a:spcPts val="0"/>
-              </a:spcAft>
-              <a:buClr>
-                <a:srgbClr val="FFFFFF"/>
-              </a:buClr>
-              <a:buSzPts val="1600"/>
-              <a:buFont typeface="Helvetica Neue Light"/>
-              <a:buNone/>
-              <a:defRPr b="0" sz="1600">
+            <a:lvl4pPr indent="0" lvl="3" marL="0" marR="0" algn="ctr">
+              <a:lnSpc>
+                <a:spcPct val="100000"/>
+              </a:lnSpc>
+              <a:spcBef>
+                <a:spcPts val="0"/>
+              </a:spcBef>
+              <a:spcAft>
+                <a:spcPts val="0"/>
+              </a:spcAft>
+              <a:buClr>
+                <a:srgbClr val="FFFFFF"/>
+              </a:buClr>
+              <a:buSzPts val="1600"/>
+              <a:buFont typeface="Helvetica Neue Light"/>
+              <a:buNone/>
+              <a:defRPr b="0" i="0" sz="1600" u="none" cap="none" strike="noStrike">
+                <a:solidFill>
+                  <a:srgbClr val="FFFFFF"/>
+                </a:solidFill>
                 <a:latin typeface="Helvetica Neue Light"/>
                 <a:ea typeface="Helvetica Neue Light"/>
                 <a:cs typeface="Helvetica Neue Light"/>
                 <a:sym typeface="Helvetica Neue Light"/>
               </a:defRPr>
             </a:lvl4pPr>
-            <a:lvl5pPr indent="0" lvl="4" marL="0" algn="ctr">
-              <a:lnSpc>
-                <a:spcPct val="100000"/>
-              </a:lnSpc>
-              <a:spcBef>
-                <a:spcPts val="0"/>
-              </a:spcBef>
-              <a:spcAft>
-                <a:spcPts val="0"/>
-              </a:spcAft>
-              <a:buClr>
-                <a:srgbClr val="FFFFFF"/>
-              </a:buClr>
-              <a:buSzPts val="1600"/>
-              <a:buFont typeface="Helvetica Neue Light"/>
-              <a:buNone/>
-              <a:defRPr b="0" sz="1600">
+            <a:lvl5pPr indent="0" lvl="4" marL="0" marR="0" algn="ctr">
+              <a:lnSpc>
+                <a:spcPct val="100000"/>
+              </a:lnSpc>
+              <a:spcBef>
+                <a:spcPts val="0"/>
+              </a:spcBef>
+              <a:spcAft>
+                <a:spcPts val="0"/>
+              </a:spcAft>
+              <a:buClr>
+                <a:srgbClr val="FFFFFF"/>
+              </a:buClr>
+              <a:buSzPts val="1600"/>
+              <a:buFont typeface="Helvetica Neue Light"/>
+              <a:buNone/>
+              <a:defRPr b="0" i="0" sz="1600" u="none" cap="none" strike="noStrike">
+                <a:solidFill>
+                  <a:srgbClr val="FFFFFF"/>
+                </a:solidFill>
                 <a:latin typeface="Helvetica Neue Light"/>
                 <a:ea typeface="Helvetica Neue Light"/>
                 <a:cs typeface="Helvetica Neue Light"/>
                 <a:sym typeface="Helvetica Neue Light"/>
               </a:defRPr>
             </a:lvl5pPr>
-            <a:lvl6pPr indent="0" lvl="5" marL="0" algn="ctr">
-              <a:lnSpc>
-                <a:spcPct val="100000"/>
-              </a:lnSpc>
-              <a:spcBef>
-                <a:spcPts val="0"/>
-              </a:spcBef>
-              <a:spcAft>
-                <a:spcPts val="0"/>
-              </a:spcAft>
-              <a:buClr>
-                <a:srgbClr val="FFFFFF"/>
-              </a:buClr>
-              <a:buSzPts val="1600"/>
-              <a:buFont typeface="Helvetica Neue Light"/>
-              <a:buNone/>
-              <a:defRPr b="0" sz="1600">
+            <a:lvl6pPr indent="0" lvl="5" marL="0" marR="0" algn="ctr">
+              <a:lnSpc>
+                <a:spcPct val="100000"/>
+              </a:lnSpc>
+              <a:spcBef>
+                <a:spcPts val="0"/>
+              </a:spcBef>
+              <a:spcAft>
+                <a:spcPts val="0"/>
+              </a:spcAft>
+              <a:buClr>
+                <a:srgbClr val="FFFFFF"/>
+              </a:buClr>
+              <a:buSzPts val="1600"/>
+              <a:buFont typeface="Helvetica Neue Light"/>
+              <a:buNone/>
+              <a:defRPr b="0" i="0" sz="1600" u="none" cap="none" strike="noStrike">
+                <a:solidFill>
+                  <a:srgbClr val="FFFFFF"/>
+                </a:solidFill>
                 <a:latin typeface="Helvetica Neue Light"/>
                 <a:ea typeface="Helvetica Neue Light"/>
                 <a:cs typeface="Helvetica Neue Light"/>
                 <a:sym typeface="Helvetica Neue Light"/>
               </a:defRPr>
             </a:lvl6pPr>
-            <a:lvl7pPr indent="0" lvl="6" marL="0" algn="ctr">
-              <a:lnSpc>
-                <a:spcPct val="100000"/>
-              </a:lnSpc>
-              <a:spcBef>
-                <a:spcPts val="0"/>
-              </a:spcBef>
-              <a:spcAft>
-                <a:spcPts val="0"/>
-              </a:spcAft>
-              <a:buClr>
-                <a:srgbClr val="FFFFFF"/>
-              </a:buClr>
-              <a:buSzPts val="1600"/>
-              <a:buFont typeface="Helvetica Neue Light"/>
-              <a:buNone/>
-              <a:defRPr b="0" sz="1600">
+            <a:lvl7pPr indent="0" lvl="6" marL="0" marR="0" algn="ctr">
+              <a:lnSpc>
+                <a:spcPct val="100000"/>
+              </a:lnSpc>
+              <a:spcBef>
+                <a:spcPts val="0"/>
+              </a:spcBef>
+              <a:spcAft>
+                <a:spcPts val="0"/>
+              </a:spcAft>
+              <a:buClr>
+                <a:srgbClr val="FFFFFF"/>
+              </a:buClr>
+              <a:buSzPts val="1600"/>
+              <a:buFont typeface="Helvetica Neue Light"/>
+              <a:buNone/>
+              <a:defRPr b="0" i="0" sz="1600" u="none" cap="none" strike="noStrike">
+                <a:solidFill>
+                  <a:srgbClr val="FFFFFF"/>
+                </a:solidFill>
                 <a:latin typeface="Helvetica Neue Light"/>
                 <a:ea typeface="Helvetica Neue Light"/>
                 <a:cs typeface="Helvetica Neue Light"/>
                 <a:sym typeface="Helvetica Neue Light"/>
               </a:defRPr>
             </a:lvl7pPr>
-            <a:lvl8pPr indent="0" lvl="7" marL="0" algn="ctr">
-              <a:lnSpc>
-                <a:spcPct val="100000"/>
-              </a:lnSpc>
-              <a:spcBef>
-                <a:spcPts val="0"/>
-              </a:spcBef>
-              <a:spcAft>
-                <a:spcPts val="0"/>
-              </a:spcAft>
-              <a:buClr>
-                <a:srgbClr val="FFFFFF"/>
-              </a:buClr>
-              <a:buSzPts val="1600"/>
-              <a:buFont typeface="Helvetica Neue Light"/>
-              <a:buNone/>
-              <a:defRPr b="0" sz="1600">
+            <a:lvl8pPr indent="0" lvl="7" marL="0" marR="0" algn="ctr">
+              <a:lnSpc>
+                <a:spcPct val="100000"/>
+              </a:lnSpc>
+              <a:spcBef>
+                <a:spcPts val="0"/>
+              </a:spcBef>
+              <a:spcAft>
+                <a:spcPts val="0"/>
+              </a:spcAft>
+              <a:buClr>
+                <a:srgbClr val="FFFFFF"/>
+              </a:buClr>
+              <a:buSzPts val="1600"/>
+              <a:buFont typeface="Helvetica Neue Light"/>
+              <a:buNone/>
+              <a:defRPr b="0" i="0" sz="1600" u="none" cap="none" strike="noStrike">
+                <a:solidFill>
+                  <a:srgbClr val="FFFFFF"/>
+                </a:solidFill>
                 <a:latin typeface="Helvetica Neue Light"/>
                 <a:ea typeface="Helvetica Neue Light"/>
                 <a:cs typeface="Helvetica Neue Light"/>
                 <a:sym typeface="Helvetica Neue Light"/>
               </a:defRPr>
             </a:lvl8pPr>
-            <a:lvl9pPr indent="0" lvl="8" marL="0" algn="ctr">
-              <a:lnSpc>
-                <a:spcPct val="100000"/>
-              </a:lnSpc>
-              <a:spcBef>
-                <a:spcPts val="0"/>
-              </a:spcBef>
-              <a:spcAft>
-                <a:spcPts val="0"/>
-              </a:spcAft>
-              <a:buClr>
-                <a:srgbClr val="FFFFFF"/>
-              </a:buClr>
-              <a:buSzPts val="1600"/>
-              <a:buFont typeface="Helvetica Neue Light"/>
-              <a:buNone/>
-              <a:defRPr b="0" sz="1600">
+            <a:lvl9pPr indent="0" lvl="8" marL="0" marR="0" algn="ctr">
+              <a:lnSpc>
+                <a:spcPct val="100000"/>
+              </a:lnSpc>
+              <a:spcBef>
+                <a:spcPts val="0"/>
+              </a:spcBef>
+              <a:spcAft>
+                <a:spcPts val="0"/>
+              </a:spcAft>
+              <a:buClr>
+                <a:srgbClr val="FFFFFF"/>
+              </a:buClr>
+              <a:buSzPts val="1600"/>
+              <a:buFont typeface="Helvetica Neue Light"/>
+              <a:buNone/>
+              <a:defRPr b="0" i="0" sz="1600" u="none" cap="none" strike="noStrike">
+                <a:solidFill>
+                  <a:srgbClr val="FFFFFF"/>
+                </a:solidFill>
                 <a:latin typeface="Helvetica Neue Light"/>
                 <a:ea typeface="Helvetica Neue Light"/>
                 <a:cs typeface="Helvetica Neue Light"/>
@@ -1860,207 +1962,234 @@
             <a:spAutoFit/>
           </a:bodyPr>
           <a:lstStyle>
-            <a:lvl1pPr indent="0" lvl="0" marL="0" algn="ctr">
-              <a:lnSpc>
-                <a:spcPct val="100000"/>
-              </a:lnSpc>
-              <a:spcBef>
-                <a:spcPts val="0"/>
-              </a:spcBef>
-              <a:spcAft>
-                <a:spcPts val="0"/>
-              </a:spcAft>
-              <a:buClr>
-                <a:srgbClr val="FFFFFF"/>
-              </a:buClr>
-              <a:buSzPts val="1600"/>
-              <a:buFont typeface="Helvetica Neue Light"/>
-              <a:buNone/>
-              <a:defRPr b="0" sz="1600">
+            <a:lvl1pPr indent="0" lvl="0" marL="0" marR="0" algn="ctr">
+              <a:lnSpc>
+                <a:spcPct val="100000"/>
+              </a:lnSpc>
+              <a:spcBef>
+                <a:spcPts val="0"/>
+              </a:spcBef>
+              <a:spcAft>
+                <a:spcPts val="0"/>
+              </a:spcAft>
+              <a:buClr>
+                <a:srgbClr val="FFFFFF"/>
+              </a:buClr>
+              <a:buSzPts val="1600"/>
+              <a:buFont typeface="Helvetica Neue Light"/>
+              <a:buNone/>
+              <a:defRPr b="0" i="0" sz="1600" u="none" cap="none" strike="noStrike">
+                <a:solidFill>
+                  <a:srgbClr val="FFFFFF"/>
+                </a:solidFill>
                 <a:latin typeface="Helvetica Neue Light"/>
                 <a:ea typeface="Helvetica Neue Light"/>
                 <a:cs typeface="Helvetica Neue Light"/>
                 <a:sym typeface="Helvetica Neue Light"/>
               </a:defRPr>
             </a:lvl1pPr>
-            <a:lvl2pPr indent="0" lvl="1" marL="0" algn="ctr">
-              <a:lnSpc>
-                <a:spcPct val="100000"/>
-              </a:lnSpc>
-              <a:spcBef>
-                <a:spcPts val="0"/>
-              </a:spcBef>
-              <a:spcAft>
-                <a:spcPts val="0"/>
-              </a:spcAft>
-              <a:buClr>
-                <a:srgbClr val="FFFFFF"/>
-              </a:buClr>
-              <a:buSzPts val="1600"/>
-              <a:buFont typeface="Helvetica Neue Light"/>
-              <a:buNone/>
-              <a:defRPr b="0" sz="1600">
+            <a:lvl2pPr indent="0" lvl="1" marL="0" marR="0" algn="ctr">
+              <a:lnSpc>
+                <a:spcPct val="100000"/>
+              </a:lnSpc>
+              <a:spcBef>
+                <a:spcPts val="0"/>
+              </a:spcBef>
+              <a:spcAft>
+                <a:spcPts val="0"/>
+              </a:spcAft>
+              <a:buClr>
+                <a:srgbClr val="FFFFFF"/>
+              </a:buClr>
+              <a:buSzPts val="1600"/>
+              <a:buFont typeface="Helvetica Neue Light"/>
+              <a:buNone/>
+              <a:defRPr b="0" i="0" sz="1600" u="none" cap="none" strike="noStrike">
+                <a:solidFill>
+                  <a:srgbClr val="FFFFFF"/>
+                </a:solidFill>
                 <a:latin typeface="Helvetica Neue Light"/>
                 <a:ea typeface="Helvetica Neue Light"/>
                 <a:cs typeface="Helvetica Neue Light"/>
                 <a:sym typeface="Helvetica Neue Light"/>
               </a:defRPr>
             </a:lvl2pPr>
-            <a:lvl3pPr indent="0" lvl="2" marL="0" algn="ctr">
-              <a:lnSpc>
-                <a:spcPct val="100000"/>
-              </a:lnSpc>
-              <a:spcBef>
-                <a:spcPts val="0"/>
-              </a:spcBef>
-              <a:spcAft>
-                <a:spcPts val="0"/>
-              </a:spcAft>
-              <a:buClr>
-                <a:srgbClr val="FFFFFF"/>
-              </a:buClr>
-              <a:buSzPts val="1600"/>
-              <a:buFont typeface="Helvetica Neue Light"/>
-              <a:buNone/>
-              <a:defRPr b="0" sz="1600">
+            <a:lvl3pPr indent="0" lvl="2" marL="0" marR="0" algn="ctr">
+              <a:lnSpc>
+                <a:spcPct val="100000"/>
+              </a:lnSpc>
+              <a:spcBef>
+                <a:spcPts val="0"/>
+              </a:spcBef>
+              <a:spcAft>
+                <a:spcPts val="0"/>
+              </a:spcAft>
+              <a:buClr>
+                <a:srgbClr val="FFFFFF"/>
+              </a:buClr>
+              <a:buSzPts val="1600"/>
+              <a:buFont typeface="Helvetica Neue Light"/>
+              <a:buNone/>
+              <a:defRPr b="0" i="0" sz="1600" u="none" cap="none" strike="noStrike">
+                <a:solidFill>
+                  <a:srgbClr val="FFFFFF"/>
+                </a:solidFill>
                 <a:latin typeface="Helvetica Neue Light"/>
                 <a:ea typeface="Helvetica Neue Light"/>
                 <a:cs typeface="Helvetica Neue Light"/>
                 <a:sym typeface="Helvetica Neue Light"/>
               </a:defRPr>
             </a:lvl3pPr>
-            <a:lvl4pPr indent="0" lvl="3" marL="0" algn="ctr">
-              <a:lnSpc>
-                <a:spcPct val="100000"/>
-              </a:lnSpc>
-              <a:spcBef>
-                <a:spcPts val="0"/>
-              </a:spcBef>
-              <a:spcAft>
-                <a:spcPts val="0"/>
-              </a:spcAft>
-              <a:buClr>
-                <a:srgbClr val="FFFFFF"/>
-              </a:buClr>
-              <a:buSzPts val="1600"/>
-              <a:buFont typeface="Helvetica Neue Light"/>
-              <a:buNone/>
-              <a:defRPr b="0" sz="1600">
+            <a:lvl4pPr indent="0" lvl="3" marL="0" marR="0" algn="ctr">
+              <a:lnSpc>
+                <a:spcPct val="100000"/>
+              </a:lnSpc>
+              <a:spcBef>
+                <a:spcPts val="0"/>
+              </a:spcBef>
+              <a:spcAft>
+                <a:spcPts val="0"/>
+              </a:spcAft>
+              <a:buClr>
+                <a:srgbClr val="FFFFFF"/>
+              </a:buClr>
+              <a:buSzPts val="1600"/>
+              <a:buFont typeface="Helvetica Neue Light"/>
+              <a:buNone/>
+              <a:defRPr b="0" i="0" sz="1600" u="none" cap="none" strike="noStrike">
+                <a:solidFill>
+                  <a:srgbClr val="FFFFFF"/>
+                </a:solidFill>
                 <a:latin typeface="Helvetica Neue Light"/>
                 <a:ea typeface="Helvetica Neue Light"/>
                 <a:cs typeface="Helvetica Neue Light"/>
                 <a:sym typeface="Helvetica Neue Light"/>
               </a:defRPr>
             </a:lvl4pPr>
-            <a:lvl5pPr indent="0" lvl="4" marL="0" algn="ctr">
-              <a:lnSpc>
-                <a:spcPct val="100000"/>
-              </a:lnSpc>
-              <a:spcBef>
-                <a:spcPts val="0"/>
-              </a:spcBef>
-              <a:spcAft>
-                <a:spcPts val="0"/>
-              </a:spcAft>
-              <a:buClr>
-                <a:srgbClr val="FFFFFF"/>
-              </a:buClr>
-              <a:buSzPts val="1600"/>
-              <a:buFont typeface="Helvetica Neue Light"/>
-              <a:buNone/>
-              <a:defRPr b="0" sz="1600">
+            <a:lvl5pPr indent="0" lvl="4" marL="0" marR="0" algn="ctr">
+              <a:lnSpc>
+                <a:spcPct val="100000"/>
+              </a:lnSpc>
+              <a:spcBef>
+                <a:spcPts val="0"/>
+              </a:spcBef>
+              <a:spcAft>
+                <a:spcPts val="0"/>
+              </a:spcAft>
+              <a:buClr>
+                <a:srgbClr val="FFFFFF"/>
+              </a:buClr>
+              <a:buSzPts val="1600"/>
+              <a:buFont typeface="Helvetica Neue Light"/>
+              <a:buNone/>
+              <a:defRPr b="0" i="0" sz="1600" u="none" cap="none" strike="noStrike">
+                <a:solidFill>
+                  <a:srgbClr val="FFFFFF"/>
+                </a:solidFill>
                 <a:latin typeface="Helvetica Neue Light"/>
                 <a:ea typeface="Helvetica Neue Light"/>
                 <a:cs typeface="Helvetica Neue Light"/>
                 <a:sym typeface="Helvetica Neue Light"/>
               </a:defRPr>
             </a:lvl5pPr>
-            <a:lvl6pPr indent="0" lvl="5" marL="0" algn="ctr">
-              <a:lnSpc>
-                <a:spcPct val="100000"/>
-              </a:lnSpc>
-              <a:spcBef>
-                <a:spcPts val="0"/>
-              </a:spcBef>
-              <a:spcAft>
-                <a:spcPts val="0"/>
-              </a:spcAft>
-              <a:buClr>
-                <a:srgbClr val="FFFFFF"/>
-              </a:buClr>
-              <a:buSzPts val="1600"/>
-              <a:buFont typeface="Helvetica Neue Light"/>
-              <a:buNone/>
-              <a:defRPr b="0" sz="1600">
+            <a:lvl6pPr indent="0" lvl="5" marL="0" marR="0" algn="ctr">
+              <a:lnSpc>
+                <a:spcPct val="100000"/>
+              </a:lnSpc>
+              <a:spcBef>
+                <a:spcPts val="0"/>
+              </a:spcBef>
+              <a:spcAft>
+                <a:spcPts val="0"/>
+              </a:spcAft>
+              <a:buClr>
+                <a:srgbClr val="FFFFFF"/>
+              </a:buClr>
+              <a:buSzPts val="1600"/>
+              <a:buFont typeface="Helvetica Neue Light"/>
+              <a:buNone/>
+              <a:defRPr b="0" i="0" sz="1600" u="none" cap="none" strike="noStrike">
+                <a:solidFill>
+                  <a:srgbClr val="FFFFFF"/>
+                </a:solidFill>
                 <a:latin typeface="Helvetica Neue Light"/>
                 <a:ea typeface="Helvetica Neue Light"/>
                 <a:cs typeface="Helvetica Neue Light"/>
                 <a:sym typeface="Helvetica Neue Light"/>
               </a:defRPr>
             </a:lvl6pPr>
-            <a:lvl7pPr indent="0" lvl="6" marL="0" algn="ctr">
-              <a:lnSpc>
-                <a:spcPct val="100000"/>
-              </a:lnSpc>
-              <a:spcBef>
-                <a:spcPts val="0"/>
-              </a:spcBef>
-              <a:spcAft>
-                <a:spcPts val="0"/>
-              </a:spcAft>
-              <a:buClr>
-                <a:srgbClr val="FFFFFF"/>
-              </a:buClr>
-              <a:buSzPts val="1600"/>
-              <a:buFont typeface="Helvetica Neue Light"/>
-              <a:buNone/>
-              <a:defRPr b="0" sz="1600">
+            <a:lvl7pPr indent="0" lvl="6" marL="0" marR="0" algn="ctr">
+              <a:lnSpc>
+                <a:spcPct val="100000"/>
+              </a:lnSpc>
+              <a:spcBef>
+                <a:spcPts val="0"/>
+              </a:spcBef>
+              <a:spcAft>
+                <a:spcPts val="0"/>
+              </a:spcAft>
+              <a:buClr>
+                <a:srgbClr val="FFFFFF"/>
+              </a:buClr>
+              <a:buSzPts val="1600"/>
+              <a:buFont typeface="Helvetica Neue Light"/>
+              <a:buNone/>
+              <a:defRPr b="0" i="0" sz="1600" u="none" cap="none" strike="noStrike">
+                <a:solidFill>
+                  <a:srgbClr val="FFFFFF"/>
+                </a:solidFill>
                 <a:latin typeface="Helvetica Neue Light"/>
                 <a:ea typeface="Helvetica Neue Light"/>
                 <a:cs typeface="Helvetica Neue Light"/>
                 <a:sym typeface="Helvetica Neue Light"/>
               </a:defRPr>
             </a:lvl7pPr>
-            <a:lvl8pPr indent="0" lvl="7" marL="0" algn="ctr">
-              <a:lnSpc>
-                <a:spcPct val="100000"/>
-              </a:lnSpc>
-              <a:spcBef>
-                <a:spcPts val="0"/>
-              </a:spcBef>
-              <a:spcAft>
-                <a:spcPts val="0"/>
-              </a:spcAft>
-              <a:buClr>
-                <a:srgbClr val="FFFFFF"/>
-              </a:buClr>
-              <a:buSzPts val="1600"/>
-              <a:buFont typeface="Helvetica Neue Light"/>
-              <a:buNone/>
-              <a:defRPr b="0" sz="1600">
+            <a:lvl8pPr indent="0" lvl="7" marL="0" marR="0" algn="ctr">
+              <a:lnSpc>
+                <a:spcPct val="100000"/>
+              </a:lnSpc>
+              <a:spcBef>
+                <a:spcPts val="0"/>
+              </a:spcBef>
+              <a:spcAft>
+                <a:spcPts val="0"/>
+              </a:spcAft>
+              <a:buClr>
+                <a:srgbClr val="FFFFFF"/>
+              </a:buClr>
+              <a:buSzPts val="1600"/>
+              <a:buFont typeface="Helvetica Neue Light"/>
+              <a:buNone/>
+              <a:defRPr b="0" i="0" sz="1600" u="none" cap="none" strike="noStrike">
+                <a:solidFill>
+                  <a:srgbClr val="FFFFFF"/>
+                </a:solidFill>
                 <a:latin typeface="Helvetica Neue Light"/>
                 <a:ea typeface="Helvetica Neue Light"/>
                 <a:cs typeface="Helvetica Neue Light"/>
                 <a:sym typeface="Helvetica Neue Light"/>
               </a:defRPr>
             </a:lvl8pPr>
-            <a:lvl9pPr indent="0" lvl="8" marL="0" algn="ctr">
-              <a:lnSpc>
-                <a:spcPct val="100000"/>
-              </a:lnSpc>
-              <a:spcBef>
-                <a:spcPts val="0"/>
-              </a:spcBef>
-              <a:spcAft>
-                <a:spcPts val="0"/>
-              </a:spcAft>
-              <a:buClr>
-                <a:srgbClr val="FFFFFF"/>
-              </a:buClr>
-              <a:buSzPts val="1600"/>
-              <a:buFont typeface="Helvetica Neue Light"/>
-              <a:buNone/>
-              <a:defRPr b="0" sz="1600">
+            <a:lvl9pPr indent="0" lvl="8" marL="0" marR="0" algn="ctr">
+              <a:lnSpc>
+                <a:spcPct val="100000"/>
+              </a:lnSpc>
+              <a:spcBef>
+                <a:spcPts val="0"/>
+              </a:spcBef>
+              <a:spcAft>
+                <a:spcPts val="0"/>
+              </a:spcAft>
+              <a:buClr>
+                <a:srgbClr val="FFFFFF"/>
+              </a:buClr>
+              <a:buSzPts val="1600"/>
+              <a:buFont typeface="Helvetica Neue Light"/>
+              <a:buNone/>
+              <a:defRPr b="0" i="0" sz="1600" u="none" cap="none" strike="noStrike">
+                <a:solidFill>
+                  <a:srgbClr val="FFFFFF"/>
+                </a:solidFill>
                 <a:latin typeface="Helvetica Neue Light"/>
                 <a:ea typeface="Helvetica Neue Light"/>
                 <a:cs typeface="Helvetica Neue Light"/>
@@ -2132,248 +2261,6 @@
             <a:noFill/>
           </a:ln>
         </p:spPr>
-        <p:txBody>
-          <a:bodyPr anchorCtr="0" anchor="t" bIns="45700" lIns="91425" spcFirstLastPara="1" rIns="91425" wrap="square" tIns="45700">
-            <a:noAutofit/>
-          </a:bodyPr>
-          <a:lstStyle>
-            <a:lvl1pPr lvl="0" marR="0" rtl="0" algn="l">
-              <a:lnSpc>
-                <a:spcPct val="100000"/>
-              </a:lnSpc>
-              <a:spcBef>
-                <a:spcPts val="4200"/>
-              </a:spcBef>
-              <a:spcAft>
-                <a:spcPts val="0"/>
-              </a:spcAft>
-              <a:buClr>
-                <a:srgbClr val="FFFFFF"/>
-              </a:buClr>
-              <a:buSzPts val="4640"/>
-              <a:buFont typeface="Helvetica Neue"/>
-              <a:buChar char="•"/>
-              <a:defRPr b="0" i="0" sz="3200" u="none" cap="none" strike="noStrike">
-                <a:solidFill>
-                  <a:srgbClr val="FFFFFF"/>
-                </a:solidFill>
-                <a:latin typeface="Helvetica Neue"/>
-                <a:ea typeface="Helvetica Neue"/>
-                <a:cs typeface="Helvetica Neue"/>
-                <a:sym typeface="Helvetica Neue"/>
-              </a:defRPr>
-            </a:lvl1pPr>
-            <a:lvl2pPr lvl="1" marR="0" rtl="0" algn="l">
-              <a:lnSpc>
-                <a:spcPct val="100000"/>
-              </a:lnSpc>
-              <a:spcBef>
-                <a:spcPts val="4200"/>
-              </a:spcBef>
-              <a:spcAft>
-                <a:spcPts val="0"/>
-              </a:spcAft>
-              <a:buClr>
-                <a:srgbClr val="FFFFFF"/>
-              </a:buClr>
-              <a:buSzPts val="4640"/>
-              <a:buFont typeface="Helvetica Neue"/>
-              <a:buChar char="•"/>
-              <a:defRPr b="0" i="0" sz="3200" u="none" cap="none" strike="noStrike">
-                <a:solidFill>
-                  <a:srgbClr val="FFFFFF"/>
-                </a:solidFill>
-                <a:latin typeface="Helvetica Neue"/>
-                <a:ea typeface="Helvetica Neue"/>
-                <a:cs typeface="Helvetica Neue"/>
-                <a:sym typeface="Helvetica Neue"/>
-              </a:defRPr>
-            </a:lvl2pPr>
-            <a:lvl3pPr lvl="2" marR="0" rtl="0" algn="l">
-              <a:lnSpc>
-                <a:spcPct val="100000"/>
-              </a:lnSpc>
-              <a:spcBef>
-                <a:spcPts val="4200"/>
-              </a:spcBef>
-              <a:spcAft>
-                <a:spcPts val="0"/>
-              </a:spcAft>
-              <a:buClr>
-                <a:srgbClr val="FFFFFF"/>
-              </a:buClr>
-              <a:buSzPts val="4640"/>
-              <a:buFont typeface="Helvetica Neue"/>
-              <a:buChar char="•"/>
-              <a:defRPr b="0" i="0" sz="3200" u="none" cap="none" strike="noStrike">
-                <a:solidFill>
-                  <a:srgbClr val="FFFFFF"/>
-                </a:solidFill>
-                <a:latin typeface="Helvetica Neue"/>
-                <a:ea typeface="Helvetica Neue"/>
-                <a:cs typeface="Helvetica Neue"/>
-                <a:sym typeface="Helvetica Neue"/>
-              </a:defRPr>
-            </a:lvl3pPr>
-            <a:lvl4pPr lvl="3" marR="0" rtl="0" algn="l">
-              <a:lnSpc>
-                <a:spcPct val="100000"/>
-              </a:lnSpc>
-              <a:spcBef>
-                <a:spcPts val="4200"/>
-              </a:spcBef>
-              <a:spcAft>
-                <a:spcPts val="0"/>
-              </a:spcAft>
-              <a:buClr>
-                <a:srgbClr val="FFFFFF"/>
-              </a:buClr>
-              <a:buSzPts val="4640"/>
-              <a:buFont typeface="Helvetica Neue"/>
-              <a:buChar char="•"/>
-              <a:defRPr b="0" i="0" sz="3200" u="none" cap="none" strike="noStrike">
-                <a:solidFill>
-                  <a:srgbClr val="FFFFFF"/>
-                </a:solidFill>
-                <a:latin typeface="Helvetica Neue"/>
-                <a:ea typeface="Helvetica Neue"/>
-                <a:cs typeface="Helvetica Neue"/>
-                <a:sym typeface="Helvetica Neue"/>
-              </a:defRPr>
-            </a:lvl4pPr>
-            <a:lvl5pPr lvl="4" marR="0" rtl="0" algn="l">
-              <a:lnSpc>
-                <a:spcPct val="100000"/>
-              </a:lnSpc>
-              <a:spcBef>
-                <a:spcPts val="4200"/>
-              </a:spcBef>
-              <a:spcAft>
-                <a:spcPts val="0"/>
-              </a:spcAft>
-              <a:buClr>
-                <a:srgbClr val="FFFFFF"/>
-              </a:buClr>
-              <a:buSzPts val="4640"/>
-              <a:buFont typeface="Helvetica Neue"/>
-              <a:buChar char="•"/>
-              <a:defRPr b="0" i="0" sz="3200" u="none" cap="none" strike="noStrike">
-                <a:solidFill>
-                  <a:srgbClr val="FFFFFF"/>
-                </a:solidFill>
-                <a:latin typeface="Helvetica Neue"/>
-                <a:ea typeface="Helvetica Neue"/>
-                <a:cs typeface="Helvetica Neue"/>
-                <a:sym typeface="Helvetica Neue"/>
-              </a:defRPr>
-            </a:lvl5pPr>
-            <a:lvl6pPr lvl="5" marR="0" rtl="0" algn="l">
-              <a:lnSpc>
-                <a:spcPct val="100000"/>
-              </a:lnSpc>
-              <a:spcBef>
-                <a:spcPts val="4200"/>
-              </a:spcBef>
-              <a:spcAft>
-                <a:spcPts val="0"/>
-              </a:spcAft>
-              <a:buClr>
-                <a:srgbClr val="FFFFFF"/>
-              </a:buClr>
-              <a:buSzPts val="4640"/>
-              <a:buFont typeface="Helvetica Neue"/>
-              <a:buChar char="•"/>
-              <a:defRPr b="0" i="0" sz="3200" u="none" cap="none" strike="noStrike">
-                <a:solidFill>
-                  <a:srgbClr val="FFFFFF"/>
-                </a:solidFill>
-                <a:latin typeface="Helvetica Neue"/>
-                <a:ea typeface="Helvetica Neue"/>
-                <a:cs typeface="Helvetica Neue"/>
-                <a:sym typeface="Helvetica Neue"/>
-              </a:defRPr>
-            </a:lvl6pPr>
-            <a:lvl7pPr lvl="6" marR="0" rtl="0" algn="l">
-              <a:lnSpc>
-                <a:spcPct val="100000"/>
-              </a:lnSpc>
-              <a:spcBef>
-                <a:spcPts val="4200"/>
-              </a:spcBef>
-              <a:spcAft>
-                <a:spcPts val="0"/>
-              </a:spcAft>
-              <a:buClr>
-                <a:srgbClr val="FFFFFF"/>
-              </a:buClr>
-              <a:buSzPts val="4640"/>
-              <a:buFont typeface="Helvetica Neue"/>
-              <a:buChar char="•"/>
-              <a:defRPr b="0" i="0" sz="3200" u="none" cap="none" strike="noStrike">
-                <a:solidFill>
-                  <a:srgbClr val="FFFFFF"/>
-                </a:solidFill>
-                <a:latin typeface="Helvetica Neue"/>
-                <a:ea typeface="Helvetica Neue"/>
-                <a:cs typeface="Helvetica Neue"/>
-                <a:sym typeface="Helvetica Neue"/>
-              </a:defRPr>
-            </a:lvl7pPr>
-            <a:lvl8pPr lvl="7" marR="0" rtl="0" algn="l">
-              <a:lnSpc>
-                <a:spcPct val="100000"/>
-              </a:lnSpc>
-              <a:spcBef>
-                <a:spcPts val="4200"/>
-              </a:spcBef>
-              <a:spcAft>
-                <a:spcPts val="0"/>
-              </a:spcAft>
-              <a:buClr>
-                <a:srgbClr val="FFFFFF"/>
-              </a:buClr>
-              <a:buSzPts val="4640"/>
-              <a:buFont typeface="Helvetica Neue"/>
-              <a:buChar char="•"/>
-              <a:defRPr b="0" i="0" sz="3200" u="none" cap="none" strike="noStrike">
-                <a:solidFill>
-                  <a:srgbClr val="FFFFFF"/>
-                </a:solidFill>
-                <a:latin typeface="Helvetica Neue"/>
-                <a:ea typeface="Helvetica Neue"/>
-                <a:cs typeface="Helvetica Neue"/>
-                <a:sym typeface="Helvetica Neue"/>
-              </a:defRPr>
-            </a:lvl8pPr>
-            <a:lvl9pPr lvl="8" marR="0" rtl="0" algn="l">
-              <a:lnSpc>
-                <a:spcPct val="100000"/>
-              </a:lnSpc>
-              <a:spcBef>
-                <a:spcPts val="4200"/>
-              </a:spcBef>
-              <a:spcAft>
-                <a:spcPts val="0"/>
-              </a:spcAft>
-              <a:buClr>
-                <a:srgbClr val="FFFFFF"/>
-              </a:buClr>
-              <a:buSzPts val="4640"/>
-              <a:buFont typeface="Helvetica Neue"/>
-              <a:buChar char="•"/>
-              <a:defRPr b="0" i="0" sz="3200" u="none" cap="none" strike="noStrike">
-                <a:solidFill>
-                  <a:srgbClr val="FFFFFF"/>
-                </a:solidFill>
-                <a:latin typeface="Helvetica Neue"/>
-                <a:ea typeface="Helvetica Neue"/>
-                <a:cs typeface="Helvetica Neue"/>
-                <a:sym typeface="Helvetica Neue"/>
-              </a:defRPr>
-            </a:lvl9pPr>
-          </a:lstStyle>
-          <a:p/>
-        </p:txBody>
       </p:sp>
       <p:sp>
         <p:nvSpPr>
@@ -2401,207 +2288,234 @@
             <a:spAutoFit/>
           </a:bodyPr>
           <a:lstStyle>
-            <a:lvl1pPr indent="0" lvl="0" marL="0" algn="ctr">
-              <a:lnSpc>
-                <a:spcPct val="100000"/>
-              </a:lnSpc>
-              <a:spcBef>
-                <a:spcPts val="0"/>
-              </a:spcBef>
-              <a:spcAft>
-                <a:spcPts val="0"/>
-              </a:spcAft>
-              <a:buClr>
-                <a:srgbClr val="FFFFFF"/>
-              </a:buClr>
-              <a:buSzPts val="1600"/>
-              <a:buFont typeface="Helvetica Neue Light"/>
-              <a:buNone/>
-              <a:defRPr b="0" sz="1600">
+            <a:lvl1pPr indent="0" lvl="0" marL="0" marR="0" algn="ctr">
+              <a:lnSpc>
+                <a:spcPct val="100000"/>
+              </a:lnSpc>
+              <a:spcBef>
+                <a:spcPts val="0"/>
+              </a:spcBef>
+              <a:spcAft>
+                <a:spcPts val="0"/>
+              </a:spcAft>
+              <a:buClr>
+                <a:srgbClr val="FFFFFF"/>
+              </a:buClr>
+              <a:buSzPts val="1600"/>
+              <a:buFont typeface="Helvetica Neue Light"/>
+              <a:buNone/>
+              <a:defRPr b="0" i="0" sz="1600" u="none" cap="none" strike="noStrike">
+                <a:solidFill>
+                  <a:srgbClr val="FFFFFF"/>
+                </a:solidFill>
                 <a:latin typeface="Helvetica Neue Light"/>
                 <a:ea typeface="Helvetica Neue Light"/>
                 <a:cs typeface="Helvetica Neue Light"/>
                 <a:sym typeface="Helvetica Neue Light"/>
               </a:defRPr>
             </a:lvl1pPr>
-            <a:lvl2pPr indent="0" lvl="1" marL="0" algn="ctr">
-              <a:lnSpc>
-                <a:spcPct val="100000"/>
-              </a:lnSpc>
-              <a:spcBef>
-                <a:spcPts val="0"/>
-              </a:spcBef>
-              <a:spcAft>
-                <a:spcPts val="0"/>
-              </a:spcAft>
-              <a:buClr>
-                <a:srgbClr val="FFFFFF"/>
-              </a:buClr>
-              <a:buSzPts val="1600"/>
-              <a:buFont typeface="Helvetica Neue Light"/>
-              <a:buNone/>
-              <a:defRPr b="0" sz="1600">
+            <a:lvl2pPr indent="0" lvl="1" marL="0" marR="0" algn="ctr">
+              <a:lnSpc>
+                <a:spcPct val="100000"/>
+              </a:lnSpc>
+              <a:spcBef>
+                <a:spcPts val="0"/>
+              </a:spcBef>
+              <a:spcAft>
+                <a:spcPts val="0"/>
+              </a:spcAft>
+              <a:buClr>
+                <a:srgbClr val="FFFFFF"/>
+              </a:buClr>
+              <a:buSzPts val="1600"/>
+              <a:buFont typeface="Helvetica Neue Light"/>
+              <a:buNone/>
+              <a:defRPr b="0" i="0" sz="1600" u="none" cap="none" strike="noStrike">
+                <a:solidFill>
+                  <a:srgbClr val="FFFFFF"/>
+                </a:solidFill>
                 <a:latin typeface="Helvetica Neue Light"/>
                 <a:ea typeface="Helvetica Neue Light"/>
                 <a:cs typeface="Helvetica Neue Light"/>
                 <a:sym typeface="Helvetica Neue Light"/>
               </a:defRPr>
             </a:lvl2pPr>
-            <a:lvl3pPr indent="0" lvl="2" marL="0" algn="ctr">
-              <a:lnSpc>
-                <a:spcPct val="100000"/>
-              </a:lnSpc>
-              <a:spcBef>
-                <a:spcPts val="0"/>
-              </a:spcBef>
-              <a:spcAft>
-                <a:spcPts val="0"/>
-              </a:spcAft>
-              <a:buClr>
-                <a:srgbClr val="FFFFFF"/>
-              </a:buClr>
-              <a:buSzPts val="1600"/>
-              <a:buFont typeface="Helvetica Neue Light"/>
-              <a:buNone/>
-              <a:defRPr b="0" sz="1600">
+            <a:lvl3pPr indent="0" lvl="2" marL="0" marR="0" algn="ctr">
+              <a:lnSpc>
+                <a:spcPct val="100000"/>
+              </a:lnSpc>
+              <a:spcBef>
+                <a:spcPts val="0"/>
+              </a:spcBef>
+              <a:spcAft>
+                <a:spcPts val="0"/>
+              </a:spcAft>
+              <a:buClr>
+                <a:srgbClr val="FFFFFF"/>
+              </a:buClr>
+              <a:buSzPts val="1600"/>
+              <a:buFont typeface="Helvetica Neue Light"/>
+              <a:buNone/>
+              <a:defRPr b="0" i="0" sz="1600" u="none" cap="none" strike="noStrike">
+                <a:solidFill>
+                  <a:srgbClr val="FFFFFF"/>
+                </a:solidFill>
                 <a:latin typeface="Helvetica Neue Light"/>
                 <a:ea typeface="Helvetica Neue Light"/>
                 <a:cs typeface="Helvetica Neue Light"/>
                 <a:sym typeface="Helvetica Neue Light"/>
               </a:defRPr>
             </a:lvl3pPr>
-            <a:lvl4pPr indent="0" lvl="3" marL="0" algn="ctr">
-              <a:lnSpc>
-                <a:spcPct val="100000"/>
-              </a:lnSpc>
-              <a:spcBef>
-                <a:spcPts val="0"/>
-              </a:spcBef>
-              <a:spcAft>
-                <a:spcPts val="0"/>
-              </a:spcAft>
-              <a:buClr>
-                <a:srgbClr val="FFFFFF"/>
-              </a:buClr>
-              <a:buSzPts val="1600"/>
-              <a:buFont typeface="Helvetica Neue Light"/>
-              <a:buNone/>
-              <a:defRPr b="0" sz="1600">
+            <a:lvl4pPr indent="0" lvl="3" marL="0" marR="0" algn="ctr">
+              <a:lnSpc>
+                <a:spcPct val="100000"/>
+              </a:lnSpc>
+              <a:spcBef>
+                <a:spcPts val="0"/>
+              </a:spcBef>
+              <a:spcAft>
+                <a:spcPts val="0"/>
+              </a:spcAft>
+              <a:buClr>
+                <a:srgbClr val="FFFFFF"/>
+              </a:buClr>
+              <a:buSzPts val="1600"/>
+              <a:buFont typeface="Helvetica Neue Light"/>
+              <a:buNone/>
+              <a:defRPr b="0" i="0" sz="1600" u="none" cap="none" strike="noStrike">
+                <a:solidFill>
+                  <a:srgbClr val="FFFFFF"/>
+                </a:solidFill>
                 <a:latin typeface="Helvetica Neue Light"/>
                 <a:ea typeface="Helvetica Neue Light"/>
                 <a:cs typeface="Helvetica Neue Light"/>
                 <a:sym typeface="Helvetica Neue Light"/>
               </a:defRPr>
             </a:lvl4pPr>
-            <a:lvl5pPr indent="0" lvl="4" marL="0" algn="ctr">
-              <a:lnSpc>
-                <a:spcPct val="100000"/>
-              </a:lnSpc>
-              <a:spcBef>
-                <a:spcPts val="0"/>
-              </a:spcBef>
-              <a:spcAft>
-                <a:spcPts val="0"/>
-              </a:spcAft>
-              <a:buClr>
-                <a:srgbClr val="FFFFFF"/>
-              </a:buClr>
-              <a:buSzPts val="1600"/>
-              <a:buFont typeface="Helvetica Neue Light"/>
-              <a:buNone/>
-              <a:defRPr b="0" sz="1600">
+            <a:lvl5pPr indent="0" lvl="4" marL="0" marR="0" algn="ctr">
+              <a:lnSpc>
+                <a:spcPct val="100000"/>
+              </a:lnSpc>
+              <a:spcBef>
+                <a:spcPts val="0"/>
+              </a:spcBef>
+              <a:spcAft>
+                <a:spcPts val="0"/>
+              </a:spcAft>
+              <a:buClr>
+                <a:srgbClr val="FFFFFF"/>
+              </a:buClr>
+              <a:buSzPts val="1600"/>
+              <a:buFont typeface="Helvetica Neue Light"/>
+              <a:buNone/>
+              <a:defRPr b="0" i="0" sz="1600" u="none" cap="none" strike="noStrike">
+                <a:solidFill>
+                  <a:srgbClr val="FFFFFF"/>
+                </a:solidFill>
                 <a:latin typeface="Helvetica Neue Light"/>
                 <a:ea typeface="Helvetica Neue Light"/>
                 <a:cs typeface="Helvetica Neue Light"/>
                 <a:sym typeface="Helvetica Neue Light"/>
               </a:defRPr>
             </a:lvl5pPr>
-            <a:lvl6pPr indent="0" lvl="5" marL="0" algn="ctr">
-              <a:lnSpc>
-                <a:spcPct val="100000"/>
-              </a:lnSpc>
-              <a:spcBef>
-                <a:spcPts val="0"/>
-              </a:spcBef>
-              <a:spcAft>
-                <a:spcPts val="0"/>
-              </a:spcAft>
-              <a:buClr>
-                <a:srgbClr val="FFFFFF"/>
-              </a:buClr>
-              <a:buSzPts val="1600"/>
-              <a:buFont typeface="Helvetica Neue Light"/>
-              <a:buNone/>
-              <a:defRPr b="0" sz="1600">
+            <a:lvl6pPr indent="0" lvl="5" marL="0" marR="0" algn="ctr">
+              <a:lnSpc>
+                <a:spcPct val="100000"/>
+              </a:lnSpc>
+              <a:spcBef>
+                <a:spcPts val="0"/>
+              </a:spcBef>
+              <a:spcAft>
+                <a:spcPts val="0"/>
+              </a:spcAft>
+              <a:buClr>
+                <a:srgbClr val="FFFFFF"/>
+              </a:buClr>
+              <a:buSzPts val="1600"/>
+              <a:buFont typeface="Helvetica Neue Light"/>
+              <a:buNone/>
+              <a:defRPr b="0" i="0" sz="1600" u="none" cap="none" strike="noStrike">
+                <a:solidFill>
+                  <a:srgbClr val="FFFFFF"/>
+                </a:solidFill>
                 <a:latin typeface="Helvetica Neue Light"/>
                 <a:ea typeface="Helvetica Neue Light"/>
                 <a:cs typeface="Helvetica Neue Light"/>
                 <a:sym typeface="Helvetica Neue Light"/>
               </a:defRPr>
             </a:lvl6pPr>
-            <a:lvl7pPr indent="0" lvl="6" marL="0" algn="ctr">
-              <a:lnSpc>
-                <a:spcPct val="100000"/>
-              </a:lnSpc>
-              <a:spcBef>
-                <a:spcPts val="0"/>
-              </a:spcBef>
-              <a:spcAft>
-                <a:spcPts val="0"/>
-              </a:spcAft>
-              <a:buClr>
-                <a:srgbClr val="FFFFFF"/>
-              </a:buClr>
-              <a:buSzPts val="1600"/>
-              <a:buFont typeface="Helvetica Neue Light"/>
-              <a:buNone/>
-              <a:defRPr b="0" sz="1600">
+            <a:lvl7pPr indent="0" lvl="6" marL="0" marR="0" algn="ctr">
+              <a:lnSpc>
+                <a:spcPct val="100000"/>
+              </a:lnSpc>
+              <a:spcBef>
+                <a:spcPts val="0"/>
+              </a:spcBef>
+              <a:spcAft>
+                <a:spcPts val="0"/>
+              </a:spcAft>
+              <a:buClr>
+                <a:srgbClr val="FFFFFF"/>
+              </a:buClr>
+              <a:buSzPts val="1600"/>
+              <a:buFont typeface="Helvetica Neue Light"/>
+              <a:buNone/>
+              <a:defRPr b="0" i="0" sz="1600" u="none" cap="none" strike="noStrike">
+                <a:solidFill>
+                  <a:srgbClr val="FFFFFF"/>
+                </a:solidFill>
                 <a:latin typeface="Helvetica Neue Light"/>
                 <a:ea typeface="Helvetica Neue Light"/>
                 <a:cs typeface="Helvetica Neue Light"/>
                 <a:sym typeface="Helvetica Neue Light"/>
               </a:defRPr>
             </a:lvl7pPr>
-            <a:lvl8pPr indent="0" lvl="7" marL="0" algn="ctr">
-              <a:lnSpc>
-                <a:spcPct val="100000"/>
-              </a:lnSpc>
-              <a:spcBef>
-                <a:spcPts val="0"/>
-              </a:spcBef>
-              <a:spcAft>
-                <a:spcPts val="0"/>
-              </a:spcAft>
-              <a:buClr>
-                <a:srgbClr val="FFFFFF"/>
-              </a:buClr>
-              <a:buSzPts val="1600"/>
-              <a:buFont typeface="Helvetica Neue Light"/>
-              <a:buNone/>
-              <a:defRPr b="0" sz="1600">
+            <a:lvl8pPr indent="0" lvl="7" marL="0" marR="0" algn="ctr">
+              <a:lnSpc>
+                <a:spcPct val="100000"/>
+              </a:lnSpc>
+              <a:spcBef>
+                <a:spcPts val="0"/>
+              </a:spcBef>
+              <a:spcAft>
+                <a:spcPts val="0"/>
+              </a:spcAft>
+              <a:buClr>
+                <a:srgbClr val="FFFFFF"/>
+              </a:buClr>
+              <a:buSzPts val="1600"/>
+              <a:buFont typeface="Helvetica Neue Light"/>
+              <a:buNone/>
+              <a:defRPr b="0" i="0" sz="1600" u="none" cap="none" strike="noStrike">
+                <a:solidFill>
+                  <a:srgbClr val="FFFFFF"/>
+                </a:solidFill>
                 <a:latin typeface="Helvetica Neue Light"/>
                 <a:ea typeface="Helvetica Neue Light"/>
                 <a:cs typeface="Helvetica Neue Light"/>
                 <a:sym typeface="Helvetica Neue Light"/>
               </a:defRPr>
             </a:lvl8pPr>
-            <a:lvl9pPr indent="0" lvl="8" marL="0" algn="ctr">
-              <a:lnSpc>
-                <a:spcPct val="100000"/>
-              </a:lnSpc>
-              <a:spcBef>
-                <a:spcPts val="0"/>
-              </a:spcBef>
-              <a:spcAft>
-                <a:spcPts val="0"/>
-              </a:spcAft>
-              <a:buClr>
-                <a:srgbClr val="FFFFFF"/>
-              </a:buClr>
-              <a:buSzPts val="1600"/>
-              <a:buFont typeface="Helvetica Neue Light"/>
-              <a:buNone/>
-              <a:defRPr b="0" sz="1600">
+            <a:lvl9pPr indent="0" lvl="8" marL="0" marR="0" algn="ctr">
+              <a:lnSpc>
+                <a:spcPct val="100000"/>
+              </a:lnSpc>
+              <a:spcBef>
+                <a:spcPts val="0"/>
+              </a:spcBef>
+              <a:spcAft>
+                <a:spcPts val="0"/>
+              </a:spcAft>
+              <a:buClr>
+                <a:srgbClr val="FFFFFF"/>
+              </a:buClr>
+              <a:buSzPts val="1600"/>
+              <a:buFont typeface="Helvetica Neue Light"/>
+              <a:buNone/>
+              <a:defRPr b="0" i="0" sz="1600" u="none" cap="none" strike="noStrike">
+                <a:solidFill>
+                  <a:srgbClr val="FFFFFF"/>
+                </a:solidFill>
                 <a:latin typeface="Helvetica Neue Light"/>
                 <a:ea typeface="Helvetica Neue Light"/>
                 <a:cs typeface="Helvetica Neue Light"/>
@@ -2678,207 +2592,234 @@
             <a:spAutoFit/>
           </a:bodyPr>
           <a:lstStyle>
-            <a:lvl1pPr indent="0" lvl="0" marL="0" algn="ctr">
-              <a:lnSpc>
-                <a:spcPct val="100000"/>
-              </a:lnSpc>
-              <a:spcBef>
-                <a:spcPts val="0"/>
-              </a:spcBef>
-              <a:spcAft>
-                <a:spcPts val="0"/>
-              </a:spcAft>
-              <a:buClr>
-                <a:srgbClr val="FFFFFF"/>
-              </a:buClr>
-              <a:buSzPts val="1600"/>
-              <a:buFont typeface="Helvetica Neue Light"/>
-              <a:buNone/>
-              <a:defRPr b="0" sz="1600">
+            <a:lvl1pPr indent="0" lvl="0" marL="0" marR="0" algn="ctr">
+              <a:lnSpc>
+                <a:spcPct val="100000"/>
+              </a:lnSpc>
+              <a:spcBef>
+                <a:spcPts val="0"/>
+              </a:spcBef>
+              <a:spcAft>
+                <a:spcPts val="0"/>
+              </a:spcAft>
+              <a:buClr>
+                <a:srgbClr val="FFFFFF"/>
+              </a:buClr>
+              <a:buSzPts val="1600"/>
+              <a:buFont typeface="Helvetica Neue Light"/>
+              <a:buNone/>
+              <a:defRPr b="0" i="0" sz="1600" u="none" cap="none" strike="noStrike">
+                <a:solidFill>
+                  <a:srgbClr val="FFFFFF"/>
+                </a:solidFill>
                 <a:latin typeface="Helvetica Neue Light"/>
                 <a:ea typeface="Helvetica Neue Light"/>
                 <a:cs typeface="Helvetica Neue Light"/>
                 <a:sym typeface="Helvetica Neue Light"/>
               </a:defRPr>
             </a:lvl1pPr>
-            <a:lvl2pPr indent="0" lvl="1" marL="0" algn="ctr">
-              <a:lnSpc>
-                <a:spcPct val="100000"/>
-              </a:lnSpc>
-              <a:spcBef>
-                <a:spcPts val="0"/>
-              </a:spcBef>
-              <a:spcAft>
-                <a:spcPts val="0"/>
-              </a:spcAft>
-              <a:buClr>
-                <a:srgbClr val="FFFFFF"/>
-              </a:buClr>
-              <a:buSzPts val="1600"/>
-              <a:buFont typeface="Helvetica Neue Light"/>
-              <a:buNone/>
-              <a:defRPr b="0" sz="1600">
+            <a:lvl2pPr indent="0" lvl="1" marL="0" marR="0" algn="ctr">
+              <a:lnSpc>
+                <a:spcPct val="100000"/>
+              </a:lnSpc>
+              <a:spcBef>
+                <a:spcPts val="0"/>
+              </a:spcBef>
+              <a:spcAft>
+                <a:spcPts val="0"/>
+              </a:spcAft>
+              <a:buClr>
+                <a:srgbClr val="FFFFFF"/>
+              </a:buClr>
+              <a:buSzPts val="1600"/>
+              <a:buFont typeface="Helvetica Neue Light"/>
+              <a:buNone/>
+              <a:defRPr b="0" i="0" sz="1600" u="none" cap="none" strike="noStrike">
+                <a:solidFill>
+                  <a:srgbClr val="FFFFFF"/>
+                </a:solidFill>
                 <a:latin typeface="Helvetica Neue Light"/>
                 <a:ea typeface="Helvetica Neue Light"/>
                 <a:cs typeface="Helvetica Neue Light"/>
                 <a:sym typeface="Helvetica Neue Light"/>
               </a:defRPr>
             </a:lvl2pPr>
-            <a:lvl3pPr indent="0" lvl="2" marL="0" algn="ctr">
-              <a:lnSpc>
-                <a:spcPct val="100000"/>
-              </a:lnSpc>
-              <a:spcBef>
-                <a:spcPts val="0"/>
-              </a:spcBef>
-              <a:spcAft>
-                <a:spcPts val="0"/>
-              </a:spcAft>
-              <a:buClr>
-                <a:srgbClr val="FFFFFF"/>
-              </a:buClr>
-              <a:buSzPts val="1600"/>
-              <a:buFont typeface="Helvetica Neue Light"/>
-              <a:buNone/>
-              <a:defRPr b="0" sz="1600">
+            <a:lvl3pPr indent="0" lvl="2" marL="0" marR="0" algn="ctr">
+              <a:lnSpc>
+                <a:spcPct val="100000"/>
+              </a:lnSpc>
+              <a:spcBef>
+                <a:spcPts val="0"/>
+              </a:spcBef>
+              <a:spcAft>
+                <a:spcPts val="0"/>
+              </a:spcAft>
+              <a:buClr>
+                <a:srgbClr val="FFFFFF"/>
+              </a:buClr>
+              <a:buSzPts val="1600"/>
+              <a:buFont typeface="Helvetica Neue Light"/>
+              <a:buNone/>
+              <a:defRPr b="0" i="0" sz="1600" u="none" cap="none" strike="noStrike">
+                <a:solidFill>
+                  <a:srgbClr val="FFFFFF"/>
+                </a:solidFill>
                 <a:latin typeface="Helvetica Neue Light"/>
                 <a:ea typeface="Helvetica Neue Light"/>
                 <a:cs typeface="Helvetica Neue Light"/>
                 <a:sym typeface="Helvetica Neue Light"/>
               </a:defRPr>
             </a:lvl3pPr>
-            <a:lvl4pPr indent="0" lvl="3" marL="0" algn="ctr">
-              <a:lnSpc>
-                <a:spcPct val="100000"/>
-              </a:lnSpc>
-              <a:spcBef>
-                <a:spcPts val="0"/>
-              </a:spcBef>
-              <a:spcAft>
-                <a:spcPts val="0"/>
-              </a:spcAft>
-              <a:buClr>
-                <a:srgbClr val="FFFFFF"/>
-              </a:buClr>
-              <a:buSzPts val="1600"/>
-              <a:buFont typeface="Helvetica Neue Light"/>
-              <a:buNone/>
-              <a:defRPr b="0" sz="1600">
+            <a:lvl4pPr indent="0" lvl="3" marL="0" marR="0" algn="ctr">
+              <a:lnSpc>
+                <a:spcPct val="100000"/>
+              </a:lnSpc>
+              <a:spcBef>
+                <a:spcPts val="0"/>
+              </a:spcBef>
+              <a:spcAft>
+                <a:spcPts val="0"/>
+              </a:spcAft>
+              <a:buClr>
+                <a:srgbClr val="FFFFFF"/>
+              </a:buClr>
+              <a:buSzPts val="1600"/>
+              <a:buFont typeface="Helvetica Neue Light"/>
+              <a:buNone/>
+              <a:defRPr b="0" i="0" sz="1600" u="none" cap="none" strike="noStrike">
+                <a:solidFill>
+                  <a:srgbClr val="FFFFFF"/>
+                </a:solidFill>
                 <a:latin typeface="Helvetica Neue Light"/>
                 <a:ea typeface="Helvetica Neue Light"/>
                 <a:cs typeface="Helvetica Neue Light"/>
                 <a:sym typeface="Helvetica Neue Light"/>
               </a:defRPr>
             </a:lvl4pPr>
-            <a:lvl5pPr indent="0" lvl="4" marL="0" algn="ctr">
-              <a:lnSpc>
-                <a:spcPct val="100000"/>
-              </a:lnSpc>
-              <a:spcBef>
-                <a:spcPts val="0"/>
-              </a:spcBef>
-              <a:spcAft>
-                <a:spcPts val="0"/>
-              </a:spcAft>
-              <a:buClr>
-                <a:srgbClr val="FFFFFF"/>
-              </a:buClr>
-              <a:buSzPts val="1600"/>
-              <a:buFont typeface="Helvetica Neue Light"/>
-              <a:buNone/>
-              <a:defRPr b="0" sz="1600">
+            <a:lvl5pPr indent="0" lvl="4" marL="0" marR="0" algn="ctr">
+              <a:lnSpc>
+                <a:spcPct val="100000"/>
+              </a:lnSpc>
+              <a:spcBef>
+                <a:spcPts val="0"/>
+              </a:spcBef>
+              <a:spcAft>
+                <a:spcPts val="0"/>
+              </a:spcAft>
+              <a:buClr>
+                <a:srgbClr val="FFFFFF"/>
+              </a:buClr>
+              <a:buSzPts val="1600"/>
+              <a:buFont typeface="Helvetica Neue Light"/>
+              <a:buNone/>
+              <a:defRPr b="0" i="0" sz="1600" u="none" cap="none" strike="noStrike">
+                <a:solidFill>
+                  <a:srgbClr val="FFFFFF"/>
+                </a:solidFill>
                 <a:latin typeface="Helvetica Neue Light"/>
                 <a:ea typeface="Helvetica Neue Light"/>
                 <a:cs typeface="Helvetica Neue Light"/>
                 <a:sym typeface="Helvetica Neue Light"/>
               </a:defRPr>
             </a:lvl5pPr>
-            <a:lvl6pPr indent="0" lvl="5" marL="0" algn="ctr">
-              <a:lnSpc>
-                <a:spcPct val="100000"/>
-              </a:lnSpc>
-              <a:spcBef>
-                <a:spcPts val="0"/>
-              </a:spcBef>
-              <a:spcAft>
-                <a:spcPts val="0"/>
-              </a:spcAft>
-              <a:buClr>
-                <a:srgbClr val="FFFFFF"/>
-              </a:buClr>
-              <a:buSzPts val="1600"/>
-              <a:buFont typeface="Helvetica Neue Light"/>
-              <a:buNone/>
-              <a:defRPr b="0" sz="1600">
+            <a:lvl6pPr indent="0" lvl="5" marL="0" marR="0" algn="ctr">
+              <a:lnSpc>
+                <a:spcPct val="100000"/>
+              </a:lnSpc>
+              <a:spcBef>
+                <a:spcPts val="0"/>
+              </a:spcBef>
+              <a:spcAft>
+                <a:spcPts val="0"/>
+              </a:spcAft>
+              <a:buClr>
+                <a:srgbClr val="FFFFFF"/>
+              </a:buClr>
+              <a:buSzPts val="1600"/>
+              <a:buFont typeface="Helvetica Neue Light"/>
+              <a:buNone/>
+              <a:defRPr b="0" i="0" sz="1600" u="none" cap="none" strike="noStrike">
+                <a:solidFill>
+                  <a:srgbClr val="FFFFFF"/>
+                </a:solidFill>
                 <a:latin typeface="Helvetica Neue Light"/>
                 <a:ea typeface="Helvetica Neue Light"/>
                 <a:cs typeface="Helvetica Neue Light"/>
                 <a:sym typeface="Helvetica Neue Light"/>
               </a:defRPr>
             </a:lvl6pPr>
-            <a:lvl7pPr indent="0" lvl="6" marL="0" algn="ctr">
-              <a:lnSpc>
-                <a:spcPct val="100000"/>
-              </a:lnSpc>
-              <a:spcBef>
-                <a:spcPts val="0"/>
-              </a:spcBef>
-              <a:spcAft>
-                <a:spcPts val="0"/>
-              </a:spcAft>
-              <a:buClr>
-                <a:srgbClr val="FFFFFF"/>
-              </a:buClr>
-              <a:buSzPts val="1600"/>
-              <a:buFont typeface="Helvetica Neue Light"/>
-              <a:buNone/>
-              <a:defRPr b="0" sz="1600">
+            <a:lvl7pPr indent="0" lvl="6" marL="0" marR="0" algn="ctr">
+              <a:lnSpc>
+                <a:spcPct val="100000"/>
+              </a:lnSpc>
+              <a:spcBef>
+                <a:spcPts val="0"/>
+              </a:spcBef>
+              <a:spcAft>
+                <a:spcPts val="0"/>
+              </a:spcAft>
+              <a:buClr>
+                <a:srgbClr val="FFFFFF"/>
+              </a:buClr>
+              <a:buSzPts val="1600"/>
+              <a:buFont typeface="Helvetica Neue Light"/>
+              <a:buNone/>
+              <a:defRPr b="0" i="0" sz="1600" u="none" cap="none" strike="noStrike">
+                <a:solidFill>
+                  <a:srgbClr val="FFFFFF"/>
+                </a:solidFill>
                 <a:latin typeface="Helvetica Neue Light"/>
                 <a:ea typeface="Helvetica Neue Light"/>
                 <a:cs typeface="Helvetica Neue Light"/>
                 <a:sym typeface="Helvetica Neue Light"/>
               </a:defRPr>
             </a:lvl7pPr>
-            <a:lvl8pPr indent="0" lvl="7" marL="0" algn="ctr">
-              <a:lnSpc>
-                <a:spcPct val="100000"/>
-              </a:lnSpc>
-              <a:spcBef>
-                <a:spcPts val="0"/>
-              </a:spcBef>
-              <a:spcAft>
-                <a:spcPts val="0"/>
-              </a:spcAft>
-              <a:buClr>
-                <a:srgbClr val="FFFFFF"/>
-              </a:buClr>
-              <a:buSzPts val="1600"/>
-              <a:buFont typeface="Helvetica Neue Light"/>
-              <a:buNone/>
-              <a:defRPr b="0" sz="1600">
+            <a:lvl8pPr indent="0" lvl="7" marL="0" marR="0" algn="ctr">
+              <a:lnSpc>
+                <a:spcPct val="100000"/>
+              </a:lnSpc>
+              <a:spcBef>
+                <a:spcPts val="0"/>
+              </a:spcBef>
+              <a:spcAft>
+                <a:spcPts val="0"/>
+              </a:spcAft>
+              <a:buClr>
+                <a:srgbClr val="FFFFFF"/>
+              </a:buClr>
+              <a:buSzPts val="1600"/>
+              <a:buFont typeface="Helvetica Neue Light"/>
+              <a:buNone/>
+              <a:defRPr b="0" i="0" sz="1600" u="none" cap="none" strike="noStrike">
+                <a:solidFill>
+                  <a:srgbClr val="FFFFFF"/>
+                </a:solidFill>
                 <a:latin typeface="Helvetica Neue Light"/>
                 <a:ea typeface="Helvetica Neue Light"/>
                 <a:cs typeface="Helvetica Neue Light"/>
                 <a:sym typeface="Helvetica Neue Light"/>
               </a:defRPr>
             </a:lvl8pPr>
-            <a:lvl9pPr indent="0" lvl="8" marL="0" algn="ctr">
-              <a:lnSpc>
-                <a:spcPct val="100000"/>
-              </a:lnSpc>
-              <a:spcBef>
-                <a:spcPts val="0"/>
-              </a:spcBef>
-              <a:spcAft>
-                <a:spcPts val="0"/>
-              </a:spcAft>
-              <a:buClr>
-                <a:srgbClr val="FFFFFF"/>
-              </a:buClr>
-              <a:buSzPts val="1600"/>
-              <a:buFont typeface="Helvetica Neue Light"/>
-              <a:buNone/>
-              <a:defRPr b="0" sz="1600">
+            <a:lvl9pPr indent="0" lvl="8" marL="0" marR="0" algn="ctr">
+              <a:lnSpc>
+                <a:spcPct val="100000"/>
+              </a:lnSpc>
+              <a:spcBef>
+                <a:spcPts val="0"/>
+              </a:spcBef>
+              <a:spcAft>
+                <a:spcPts val="0"/>
+              </a:spcAft>
+              <a:buClr>
+                <a:srgbClr val="FFFFFF"/>
+              </a:buClr>
+              <a:buSzPts val="1600"/>
+              <a:buFont typeface="Helvetica Neue Light"/>
+              <a:buNone/>
+              <a:defRPr b="0" i="0" sz="1600" u="none" cap="none" strike="noStrike">
+                <a:solidFill>
+                  <a:srgbClr val="FFFFFF"/>
+                </a:solidFill>
                 <a:latin typeface="Helvetica Neue Light"/>
                 <a:ea typeface="Helvetica Neue Light"/>
                 <a:cs typeface="Helvetica Neue Light"/>
@@ -2950,248 +2891,6 @@
             <a:noFill/>
           </a:ln>
         </p:spPr>
-        <p:txBody>
-          <a:bodyPr anchorCtr="0" anchor="t" bIns="45700" lIns="91425" spcFirstLastPara="1" rIns="91425" wrap="square" tIns="45700">
-            <a:noAutofit/>
-          </a:bodyPr>
-          <a:lstStyle>
-            <a:lvl1pPr lvl="0" marR="0" rtl="0" algn="l">
-              <a:lnSpc>
-                <a:spcPct val="100000"/>
-              </a:lnSpc>
-              <a:spcBef>
-                <a:spcPts val="4200"/>
-              </a:spcBef>
-              <a:spcAft>
-                <a:spcPts val="0"/>
-              </a:spcAft>
-              <a:buClr>
-                <a:srgbClr val="FFFFFF"/>
-              </a:buClr>
-              <a:buSzPts val="4640"/>
-              <a:buFont typeface="Helvetica Neue"/>
-              <a:buChar char="•"/>
-              <a:defRPr b="0" i="0" sz="3200" u="none" cap="none" strike="noStrike">
-                <a:solidFill>
-                  <a:srgbClr val="FFFFFF"/>
-                </a:solidFill>
-                <a:latin typeface="Helvetica Neue"/>
-                <a:ea typeface="Helvetica Neue"/>
-                <a:cs typeface="Helvetica Neue"/>
-                <a:sym typeface="Helvetica Neue"/>
-              </a:defRPr>
-            </a:lvl1pPr>
-            <a:lvl2pPr lvl="1" marR="0" rtl="0" algn="l">
-              <a:lnSpc>
-                <a:spcPct val="100000"/>
-              </a:lnSpc>
-              <a:spcBef>
-                <a:spcPts val="4200"/>
-              </a:spcBef>
-              <a:spcAft>
-                <a:spcPts val="0"/>
-              </a:spcAft>
-              <a:buClr>
-                <a:srgbClr val="FFFFFF"/>
-              </a:buClr>
-              <a:buSzPts val="4640"/>
-              <a:buFont typeface="Helvetica Neue"/>
-              <a:buChar char="•"/>
-              <a:defRPr b="0" i="0" sz="3200" u="none" cap="none" strike="noStrike">
-                <a:solidFill>
-                  <a:srgbClr val="FFFFFF"/>
-                </a:solidFill>
-                <a:latin typeface="Helvetica Neue"/>
-                <a:ea typeface="Helvetica Neue"/>
-                <a:cs typeface="Helvetica Neue"/>
-                <a:sym typeface="Helvetica Neue"/>
-              </a:defRPr>
-            </a:lvl2pPr>
-            <a:lvl3pPr lvl="2" marR="0" rtl="0" algn="l">
-              <a:lnSpc>
-                <a:spcPct val="100000"/>
-              </a:lnSpc>
-              <a:spcBef>
-                <a:spcPts val="4200"/>
-              </a:spcBef>
-              <a:spcAft>
-                <a:spcPts val="0"/>
-              </a:spcAft>
-              <a:buClr>
-                <a:srgbClr val="FFFFFF"/>
-              </a:buClr>
-              <a:buSzPts val="4640"/>
-              <a:buFont typeface="Helvetica Neue"/>
-              <a:buChar char="•"/>
-              <a:defRPr b="0" i="0" sz="3200" u="none" cap="none" strike="noStrike">
-                <a:solidFill>
-                  <a:srgbClr val="FFFFFF"/>
-                </a:solidFill>
-                <a:latin typeface="Helvetica Neue"/>
-                <a:ea typeface="Helvetica Neue"/>
-                <a:cs typeface="Helvetica Neue"/>
-                <a:sym typeface="Helvetica Neue"/>
-              </a:defRPr>
-            </a:lvl3pPr>
-            <a:lvl4pPr lvl="3" marR="0" rtl="0" algn="l">
-              <a:lnSpc>
-                <a:spcPct val="100000"/>
-              </a:lnSpc>
-              <a:spcBef>
-                <a:spcPts val="4200"/>
-              </a:spcBef>
-              <a:spcAft>
-                <a:spcPts val="0"/>
-              </a:spcAft>
-              <a:buClr>
-                <a:srgbClr val="FFFFFF"/>
-              </a:buClr>
-              <a:buSzPts val="4640"/>
-              <a:buFont typeface="Helvetica Neue"/>
-              <a:buChar char="•"/>
-              <a:defRPr b="0" i="0" sz="3200" u="none" cap="none" strike="noStrike">
-                <a:solidFill>
-                  <a:srgbClr val="FFFFFF"/>
-                </a:solidFill>
-                <a:latin typeface="Helvetica Neue"/>
-                <a:ea typeface="Helvetica Neue"/>
-                <a:cs typeface="Helvetica Neue"/>
-                <a:sym typeface="Helvetica Neue"/>
-              </a:defRPr>
-            </a:lvl4pPr>
-            <a:lvl5pPr lvl="4" marR="0" rtl="0" algn="l">
-              <a:lnSpc>
-                <a:spcPct val="100000"/>
-              </a:lnSpc>
-              <a:spcBef>
-                <a:spcPts val="4200"/>
-              </a:spcBef>
-              <a:spcAft>
-                <a:spcPts val="0"/>
-              </a:spcAft>
-              <a:buClr>
-                <a:srgbClr val="FFFFFF"/>
-              </a:buClr>
-              <a:buSzPts val="4640"/>
-              <a:buFont typeface="Helvetica Neue"/>
-              <a:buChar char="•"/>
-              <a:defRPr b="0" i="0" sz="3200" u="none" cap="none" strike="noStrike">
-                <a:solidFill>
-                  <a:srgbClr val="FFFFFF"/>
-                </a:solidFill>
-                <a:latin typeface="Helvetica Neue"/>
-                <a:ea typeface="Helvetica Neue"/>
-                <a:cs typeface="Helvetica Neue"/>
-                <a:sym typeface="Helvetica Neue"/>
-              </a:defRPr>
-            </a:lvl5pPr>
-            <a:lvl6pPr lvl="5" marR="0" rtl="0" algn="l">
-              <a:lnSpc>
-                <a:spcPct val="100000"/>
-              </a:lnSpc>
-              <a:spcBef>
-                <a:spcPts val="4200"/>
-              </a:spcBef>
-              <a:spcAft>
-                <a:spcPts val="0"/>
-              </a:spcAft>
-              <a:buClr>
-                <a:srgbClr val="FFFFFF"/>
-              </a:buClr>
-              <a:buSzPts val="4640"/>
-              <a:buFont typeface="Helvetica Neue"/>
-              <a:buChar char="•"/>
-              <a:defRPr b="0" i="0" sz="3200" u="none" cap="none" strike="noStrike">
-                <a:solidFill>
-                  <a:srgbClr val="FFFFFF"/>
-                </a:solidFill>
-                <a:latin typeface="Helvetica Neue"/>
-                <a:ea typeface="Helvetica Neue"/>
-                <a:cs typeface="Helvetica Neue"/>
-                <a:sym typeface="Helvetica Neue"/>
-              </a:defRPr>
-            </a:lvl6pPr>
-            <a:lvl7pPr lvl="6" marR="0" rtl="0" algn="l">
-              <a:lnSpc>
-                <a:spcPct val="100000"/>
-              </a:lnSpc>
-              <a:spcBef>
-                <a:spcPts val="4200"/>
-              </a:spcBef>
-              <a:spcAft>
-                <a:spcPts val="0"/>
-              </a:spcAft>
-              <a:buClr>
-                <a:srgbClr val="FFFFFF"/>
-              </a:buClr>
-              <a:buSzPts val="4640"/>
-              <a:buFont typeface="Helvetica Neue"/>
-              <a:buChar char="•"/>
-              <a:defRPr b="0" i="0" sz="3200" u="none" cap="none" strike="noStrike">
-                <a:solidFill>
-                  <a:srgbClr val="FFFFFF"/>
-                </a:solidFill>
-                <a:latin typeface="Helvetica Neue"/>
-                <a:ea typeface="Helvetica Neue"/>
-                <a:cs typeface="Helvetica Neue"/>
-                <a:sym typeface="Helvetica Neue"/>
-              </a:defRPr>
-            </a:lvl7pPr>
-            <a:lvl8pPr lvl="7" marR="0" rtl="0" algn="l">
-              <a:lnSpc>
-                <a:spcPct val="100000"/>
-              </a:lnSpc>
-              <a:spcBef>
-                <a:spcPts val="4200"/>
-              </a:spcBef>
-              <a:spcAft>
-                <a:spcPts val="0"/>
-              </a:spcAft>
-              <a:buClr>
-                <a:srgbClr val="FFFFFF"/>
-              </a:buClr>
-              <a:buSzPts val="4640"/>
-              <a:buFont typeface="Helvetica Neue"/>
-              <a:buChar char="•"/>
-              <a:defRPr b="0" i="0" sz="3200" u="none" cap="none" strike="noStrike">
-                <a:solidFill>
-                  <a:srgbClr val="FFFFFF"/>
-                </a:solidFill>
-                <a:latin typeface="Helvetica Neue"/>
-                <a:ea typeface="Helvetica Neue"/>
-                <a:cs typeface="Helvetica Neue"/>
-                <a:sym typeface="Helvetica Neue"/>
-              </a:defRPr>
-            </a:lvl8pPr>
-            <a:lvl9pPr lvl="8" marR="0" rtl="0" algn="l">
-              <a:lnSpc>
-                <a:spcPct val="100000"/>
-              </a:lnSpc>
-              <a:spcBef>
-                <a:spcPts val="4200"/>
-              </a:spcBef>
-              <a:spcAft>
-                <a:spcPts val="0"/>
-              </a:spcAft>
-              <a:buClr>
-                <a:srgbClr val="FFFFFF"/>
-              </a:buClr>
-              <a:buSzPts val="4640"/>
-              <a:buFont typeface="Helvetica Neue"/>
-              <a:buChar char="•"/>
-              <a:defRPr b="0" i="0" sz="3200" u="none" cap="none" strike="noStrike">
-                <a:solidFill>
-                  <a:srgbClr val="FFFFFF"/>
-                </a:solidFill>
-                <a:latin typeface="Helvetica Neue"/>
-                <a:ea typeface="Helvetica Neue"/>
-                <a:cs typeface="Helvetica Neue"/>
-                <a:sym typeface="Helvetica Neue"/>
-              </a:defRPr>
-            </a:lvl9pPr>
-          </a:lstStyle>
-          <a:p/>
-        </p:txBody>
       </p:sp>
       <p:sp>
         <p:nvSpPr>
@@ -3578,207 +3277,234 @@
             <a:spAutoFit/>
           </a:bodyPr>
           <a:lstStyle>
-            <a:lvl1pPr indent="0" lvl="0" marL="0" algn="ctr">
-              <a:lnSpc>
-                <a:spcPct val="100000"/>
-              </a:lnSpc>
-              <a:spcBef>
-                <a:spcPts val="0"/>
-              </a:spcBef>
-              <a:spcAft>
-                <a:spcPts val="0"/>
-              </a:spcAft>
-              <a:buClr>
-                <a:srgbClr val="FFFFFF"/>
-              </a:buClr>
-              <a:buSzPts val="1600"/>
-              <a:buFont typeface="Helvetica Neue Light"/>
-              <a:buNone/>
-              <a:defRPr b="0" sz="1600">
+            <a:lvl1pPr indent="0" lvl="0" marL="0" marR="0" algn="ctr">
+              <a:lnSpc>
+                <a:spcPct val="100000"/>
+              </a:lnSpc>
+              <a:spcBef>
+                <a:spcPts val="0"/>
+              </a:spcBef>
+              <a:spcAft>
+                <a:spcPts val="0"/>
+              </a:spcAft>
+              <a:buClr>
+                <a:srgbClr val="FFFFFF"/>
+              </a:buClr>
+              <a:buSzPts val="1600"/>
+              <a:buFont typeface="Helvetica Neue Light"/>
+              <a:buNone/>
+              <a:defRPr b="0" i="0" sz="1600" u="none" cap="none" strike="noStrike">
+                <a:solidFill>
+                  <a:srgbClr val="FFFFFF"/>
+                </a:solidFill>
                 <a:latin typeface="Helvetica Neue Light"/>
                 <a:ea typeface="Helvetica Neue Light"/>
                 <a:cs typeface="Helvetica Neue Light"/>
                 <a:sym typeface="Helvetica Neue Light"/>
               </a:defRPr>
             </a:lvl1pPr>
-            <a:lvl2pPr indent="0" lvl="1" marL="0" algn="ctr">
-              <a:lnSpc>
-                <a:spcPct val="100000"/>
-              </a:lnSpc>
-              <a:spcBef>
-                <a:spcPts val="0"/>
-              </a:spcBef>
-              <a:spcAft>
-                <a:spcPts val="0"/>
-              </a:spcAft>
-              <a:buClr>
-                <a:srgbClr val="FFFFFF"/>
-              </a:buClr>
-              <a:buSzPts val="1600"/>
-              <a:buFont typeface="Helvetica Neue Light"/>
-              <a:buNone/>
-              <a:defRPr b="0" sz="1600">
+            <a:lvl2pPr indent="0" lvl="1" marL="0" marR="0" algn="ctr">
+              <a:lnSpc>
+                <a:spcPct val="100000"/>
+              </a:lnSpc>
+              <a:spcBef>
+                <a:spcPts val="0"/>
+              </a:spcBef>
+              <a:spcAft>
+                <a:spcPts val="0"/>
+              </a:spcAft>
+              <a:buClr>
+                <a:srgbClr val="FFFFFF"/>
+              </a:buClr>
+              <a:buSzPts val="1600"/>
+              <a:buFont typeface="Helvetica Neue Light"/>
+              <a:buNone/>
+              <a:defRPr b="0" i="0" sz="1600" u="none" cap="none" strike="noStrike">
+                <a:solidFill>
+                  <a:srgbClr val="FFFFFF"/>
+                </a:solidFill>
                 <a:latin typeface="Helvetica Neue Light"/>
                 <a:ea typeface="Helvetica Neue Light"/>
                 <a:cs typeface="Helvetica Neue Light"/>
                 <a:sym typeface="Helvetica Neue Light"/>
               </a:defRPr>
             </a:lvl2pPr>
-            <a:lvl3pPr indent="0" lvl="2" marL="0" algn="ctr">
-              <a:lnSpc>
-                <a:spcPct val="100000"/>
-              </a:lnSpc>
-              <a:spcBef>
-                <a:spcPts val="0"/>
-              </a:spcBef>
-              <a:spcAft>
-                <a:spcPts val="0"/>
-              </a:spcAft>
-              <a:buClr>
-                <a:srgbClr val="FFFFFF"/>
-              </a:buClr>
-              <a:buSzPts val="1600"/>
-              <a:buFont typeface="Helvetica Neue Light"/>
-              <a:buNone/>
-              <a:defRPr b="0" sz="1600">
+            <a:lvl3pPr indent="0" lvl="2" marL="0" marR="0" algn="ctr">
+              <a:lnSpc>
+                <a:spcPct val="100000"/>
+              </a:lnSpc>
+              <a:spcBef>
+                <a:spcPts val="0"/>
+              </a:spcBef>
+              <a:spcAft>
+                <a:spcPts val="0"/>
+              </a:spcAft>
+              <a:buClr>
+                <a:srgbClr val="FFFFFF"/>
+              </a:buClr>
+              <a:buSzPts val="1600"/>
+              <a:buFont typeface="Helvetica Neue Light"/>
+              <a:buNone/>
+              <a:defRPr b="0" i="0" sz="1600" u="none" cap="none" strike="noStrike">
+                <a:solidFill>
+                  <a:srgbClr val="FFFFFF"/>
+                </a:solidFill>
                 <a:latin typeface="Helvetica Neue Light"/>
                 <a:ea typeface="Helvetica Neue Light"/>
                 <a:cs typeface="Helvetica Neue Light"/>
                 <a:sym typeface="Helvetica Neue Light"/>
               </a:defRPr>
             </a:lvl3pPr>
-            <a:lvl4pPr indent="0" lvl="3" marL="0" algn="ctr">
-              <a:lnSpc>
-                <a:spcPct val="100000"/>
-              </a:lnSpc>
-              <a:spcBef>
-                <a:spcPts val="0"/>
-              </a:spcBef>
-              <a:spcAft>
-                <a:spcPts val="0"/>
-              </a:spcAft>
-              <a:buClr>
-                <a:srgbClr val="FFFFFF"/>
-              </a:buClr>
-              <a:buSzPts val="1600"/>
-              <a:buFont typeface="Helvetica Neue Light"/>
-              <a:buNone/>
-              <a:defRPr b="0" sz="1600">
+            <a:lvl4pPr indent="0" lvl="3" marL="0" marR="0" algn="ctr">
+              <a:lnSpc>
+                <a:spcPct val="100000"/>
+              </a:lnSpc>
+              <a:spcBef>
+                <a:spcPts val="0"/>
+              </a:spcBef>
+              <a:spcAft>
+                <a:spcPts val="0"/>
+              </a:spcAft>
+              <a:buClr>
+                <a:srgbClr val="FFFFFF"/>
+              </a:buClr>
+              <a:buSzPts val="1600"/>
+              <a:buFont typeface="Helvetica Neue Light"/>
+              <a:buNone/>
+              <a:defRPr b="0" i="0" sz="1600" u="none" cap="none" strike="noStrike">
+                <a:solidFill>
+                  <a:srgbClr val="FFFFFF"/>
+                </a:solidFill>
                 <a:latin typeface="Helvetica Neue Light"/>
                 <a:ea typeface="Helvetica Neue Light"/>
                 <a:cs typeface="Helvetica Neue Light"/>
                 <a:sym typeface="Helvetica Neue Light"/>
               </a:defRPr>
             </a:lvl4pPr>
-            <a:lvl5pPr indent="0" lvl="4" marL="0" algn="ctr">
-              <a:lnSpc>
-                <a:spcPct val="100000"/>
-              </a:lnSpc>
-              <a:spcBef>
-                <a:spcPts val="0"/>
-              </a:spcBef>
-              <a:spcAft>
-                <a:spcPts val="0"/>
-              </a:spcAft>
-              <a:buClr>
-                <a:srgbClr val="FFFFFF"/>
-              </a:buClr>
-              <a:buSzPts val="1600"/>
-              <a:buFont typeface="Helvetica Neue Light"/>
-              <a:buNone/>
-              <a:defRPr b="0" sz="1600">
+            <a:lvl5pPr indent="0" lvl="4" marL="0" marR="0" algn="ctr">
+              <a:lnSpc>
+                <a:spcPct val="100000"/>
+              </a:lnSpc>
+              <a:spcBef>
+                <a:spcPts val="0"/>
+              </a:spcBef>
+              <a:spcAft>
+                <a:spcPts val="0"/>
+              </a:spcAft>
+              <a:buClr>
+                <a:srgbClr val="FFFFFF"/>
+              </a:buClr>
+              <a:buSzPts val="1600"/>
+              <a:buFont typeface="Helvetica Neue Light"/>
+              <a:buNone/>
+              <a:defRPr b="0" i="0" sz="1600" u="none" cap="none" strike="noStrike">
+                <a:solidFill>
+                  <a:srgbClr val="FFFFFF"/>
+                </a:solidFill>
                 <a:latin typeface="Helvetica Neue Light"/>
                 <a:ea typeface="Helvetica Neue Light"/>
                 <a:cs typeface="Helvetica Neue Light"/>
                 <a:sym typeface="Helvetica Neue Light"/>
               </a:defRPr>
             </a:lvl5pPr>
-            <a:lvl6pPr indent="0" lvl="5" marL="0" algn="ctr">
-              <a:lnSpc>
-                <a:spcPct val="100000"/>
-              </a:lnSpc>
-              <a:spcBef>
-                <a:spcPts val="0"/>
-              </a:spcBef>
-              <a:spcAft>
-                <a:spcPts val="0"/>
-              </a:spcAft>
-              <a:buClr>
-                <a:srgbClr val="FFFFFF"/>
-              </a:buClr>
-              <a:buSzPts val="1600"/>
-              <a:buFont typeface="Helvetica Neue Light"/>
-              <a:buNone/>
-              <a:defRPr b="0" sz="1600">
+            <a:lvl6pPr indent="0" lvl="5" marL="0" marR="0" algn="ctr">
+              <a:lnSpc>
+                <a:spcPct val="100000"/>
+              </a:lnSpc>
+              <a:spcBef>
+                <a:spcPts val="0"/>
+              </a:spcBef>
+              <a:spcAft>
+                <a:spcPts val="0"/>
+              </a:spcAft>
+              <a:buClr>
+                <a:srgbClr val="FFFFFF"/>
+              </a:buClr>
+              <a:buSzPts val="1600"/>
+              <a:buFont typeface="Helvetica Neue Light"/>
+              <a:buNone/>
+              <a:defRPr b="0" i="0" sz="1600" u="none" cap="none" strike="noStrike">
+                <a:solidFill>
+                  <a:srgbClr val="FFFFFF"/>
+                </a:solidFill>
                 <a:latin typeface="Helvetica Neue Light"/>
                 <a:ea typeface="Helvetica Neue Light"/>
                 <a:cs typeface="Helvetica Neue Light"/>
                 <a:sym typeface="Helvetica Neue Light"/>
               </a:defRPr>
             </a:lvl6pPr>
-            <a:lvl7pPr indent="0" lvl="6" marL="0" algn="ctr">
-              <a:lnSpc>
-                <a:spcPct val="100000"/>
-              </a:lnSpc>
-              <a:spcBef>
-                <a:spcPts val="0"/>
-              </a:spcBef>
-              <a:spcAft>
-                <a:spcPts val="0"/>
-              </a:spcAft>
-              <a:buClr>
-                <a:srgbClr val="FFFFFF"/>
-              </a:buClr>
-              <a:buSzPts val="1600"/>
-              <a:buFont typeface="Helvetica Neue Light"/>
-              <a:buNone/>
-              <a:defRPr b="0" sz="1600">
+            <a:lvl7pPr indent="0" lvl="6" marL="0" marR="0" algn="ctr">
+              <a:lnSpc>
+                <a:spcPct val="100000"/>
+              </a:lnSpc>
+              <a:spcBef>
+                <a:spcPts val="0"/>
+              </a:spcBef>
+              <a:spcAft>
+                <a:spcPts val="0"/>
+              </a:spcAft>
+              <a:buClr>
+                <a:srgbClr val="FFFFFF"/>
+              </a:buClr>
+              <a:buSzPts val="1600"/>
+              <a:buFont typeface="Helvetica Neue Light"/>
+              <a:buNone/>
+              <a:defRPr b="0" i="0" sz="1600" u="none" cap="none" strike="noStrike">
+                <a:solidFill>
+                  <a:srgbClr val="FFFFFF"/>
+                </a:solidFill>
                 <a:latin typeface="Helvetica Neue Light"/>
                 <a:ea typeface="Helvetica Neue Light"/>
                 <a:cs typeface="Helvetica Neue Light"/>
                 <a:sym typeface="Helvetica Neue Light"/>
               </a:defRPr>
             </a:lvl7pPr>
-            <a:lvl8pPr indent="0" lvl="7" marL="0" algn="ctr">
-              <a:lnSpc>
-                <a:spcPct val="100000"/>
-              </a:lnSpc>
-              <a:spcBef>
-                <a:spcPts val="0"/>
-              </a:spcBef>
-              <a:spcAft>
-                <a:spcPts val="0"/>
-              </a:spcAft>
-              <a:buClr>
-                <a:srgbClr val="FFFFFF"/>
-              </a:buClr>
-              <a:buSzPts val="1600"/>
-              <a:buFont typeface="Helvetica Neue Light"/>
-              <a:buNone/>
-              <a:defRPr b="0" sz="1600">
+            <a:lvl8pPr indent="0" lvl="7" marL="0" marR="0" algn="ctr">
+              <a:lnSpc>
+                <a:spcPct val="100000"/>
+              </a:lnSpc>
+              <a:spcBef>
+                <a:spcPts val="0"/>
+              </a:spcBef>
+              <a:spcAft>
+                <a:spcPts val="0"/>
+              </a:spcAft>
+              <a:buClr>
+                <a:srgbClr val="FFFFFF"/>
+              </a:buClr>
+              <a:buSzPts val="1600"/>
+              <a:buFont typeface="Helvetica Neue Light"/>
+              <a:buNone/>
+              <a:defRPr b="0" i="0" sz="1600" u="none" cap="none" strike="noStrike">
+                <a:solidFill>
+                  <a:srgbClr val="FFFFFF"/>
+                </a:solidFill>
                 <a:latin typeface="Helvetica Neue Light"/>
                 <a:ea typeface="Helvetica Neue Light"/>
                 <a:cs typeface="Helvetica Neue Light"/>
                 <a:sym typeface="Helvetica Neue Light"/>
               </a:defRPr>
             </a:lvl8pPr>
-            <a:lvl9pPr indent="0" lvl="8" marL="0" algn="ctr">
-              <a:lnSpc>
-                <a:spcPct val="100000"/>
-              </a:lnSpc>
-              <a:spcBef>
-                <a:spcPts val="0"/>
-              </a:spcBef>
-              <a:spcAft>
-                <a:spcPts val="0"/>
-              </a:spcAft>
-              <a:buClr>
-                <a:srgbClr val="FFFFFF"/>
-              </a:buClr>
-              <a:buSzPts val="1600"/>
-              <a:buFont typeface="Helvetica Neue Light"/>
-              <a:buNone/>
-              <a:defRPr b="0" sz="1600">
+            <a:lvl9pPr indent="0" lvl="8" marL="0" marR="0" algn="ctr">
+              <a:lnSpc>
+                <a:spcPct val="100000"/>
+              </a:lnSpc>
+              <a:spcBef>
+                <a:spcPts val="0"/>
+              </a:spcBef>
+              <a:spcAft>
+                <a:spcPts val="0"/>
+              </a:spcAft>
+              <a:buClr>
+                <a:srgbClr val="FFFFFF"/>
+              </a:buClr>
+              <a:buSzPts val="1600"/>
+              <a:buFont typeface="Helvetica Neue Light"/>
+              <a:buNone/>
+              <a:defRPr b="0" i="0" sz="1600" u="none" cap="none" strike="noStrike">
+                <a:solidFill>
+                  <a:srgbClr val="FFFFFF"/>
+                </a:solidFill>
                 <a:latin typeface="Helvetica Neue Light"/>
                 <a:ea typeface="Helvetica Neue Light"/>
                 <a:cs typeface="Helvetica Neue Light"/>
@@ -4038,207 +3764,234 @@
             <a:spAutoFit/>
           </a:bodyPr>
           <a:lstStyle>
-            <a:lvl1pPr indent="0" lvl="0" marL="0" algn="ctr">
-              <a:lnSpc>
-                <a:spcPct val="100000"/>
-              </a:lnSpc>
-              <a:spcBef>
-                <a:spcPts val="0"/>
-              </a:spcBef>
-              <a:spcAft>
-                <a:spcPts val="0"/>
-              </a:spcAft>
-              <a:buClr>
-                <a:srgbClr val="FFFFFF"/>
-              </a:buClr>
-              <a:buSzPts val="1600"/>
-              <a:buFont typeface="Helvetica Neue Light"/>
-              <a:buNone/>
-              <a:defRPr b="0" sz="1600">
+            <a:lvl1pPr indent="0" lvl="0" marL="0" marR="0" algn="ctr">
+              <a:lnSpc>
+                <a:spcPct val="100000"/>
+              </a:lnSpc>
+              <a:spcBef>
+                <a:spcPts val="0"/>
+              </a:spcBef>
+              <a:spcAft>
+                <a:spcPts val="0"/>
+              </a:spcAft>
+              <a:buClr>
+                <a:srgbClr val="FFFFFF"/>
+              </a:buClr>
+              <a:buSzPts val="1600"/>
+              <a:buFont typeface="Helvetica Neue Light"/>
+              <a:buNone/>
+              <a:defRPr b="0" i="0" sz="1600" u="none" cap="none" strike="noStrike">
+                <a:solidFill>
+                  <a:srgbClr val="FFFFFF"/>
+                </a:solidFill>
                 <a:latin typeface="Helvetica Neue Light"/>
                 <a:ea typeface="Helvetica Neue Light"/>
                 <a:cs typeface="Helvetica Neue Light"/>
                 <a:sym typeface="Helvetica Neue Light"/>
               </a:defRPr>
             </a:lvl1pPr>
-            <a:lvl2pPr indent="0" lvl="1" marL="0" algn="ctr">
-              <a:lnSpc>
-                <a:spcPct val="100000"/>
-              </a:lnSpc>
-              <a:spcBef>
-                <a:spcPts val="0"/>
-              </a:spcBef>
-              <a:spcAft>
-                <a:spcPts val="0"/>
-              </a:spcAft>
-              <a:buClr>
-                <a:srgbClr val="FFFFFF"/>
-              </a:buClr>
-              <a:buSzPts val="1600"/>
-              <a:buFont typeface="Helvetica Neue Light"/>
-              <a:buNone/>
-              <a:defRPr b="0" sz="1600">
+            <a:lvl2pPr indent="0" lvl="1" marL="0" marR="0" algn="ctr">
+              <a:lnSpc>
+                <a:spcPct val="100000"/>
+              </a:lnSpc>
+              <a:spcBef>
+                <a:spcPts val="0"/>
+              </a:spcBef>
+              <a:spcAft>
+                <a:spcPts val="0"/>
+              </a:spcAft>
+              <a:buClr>
+                <a:srgbClr val="FFFFFF"/>
+              </a:buClr>
+              <a:buSzPts val="1600"/>
+              <a:buFont typeface="Helvetica Neue Light"/>
+              <a:buNone/>
+              <a:defRPr b="0" i="0" sz="1600" u="none" cap="none" strike="noStrike">
+                <a:solidFill>
+                  <a:srgbClr val="FFFFFF"/>
+                </a:solidFill>
                 <a:latin typeface="Helvetica Neue Light"/>
                 <a:ea typeface="Helvetica Neue Light"/>
                 <a:cs typeface="Helvetica Neue Light"/>
                 <a:sym typeface="Helvetica Neue Light"/>
               </a:defRPr>
             </a:lvl2pPr>
-            <a:lvl3pPr indent="0" lvl="2" marL="0" algn="ctr">
-              <a:lnSpc>
-                <a:spcPct val="100000"/>
-              </a:lnSpc>
-              <a:spcBef>
-                <a:spcPts val="0"/>
-              </a:spcBef>
-              <a:spcAft>
-                <a:spcPts val="0"/>
-              </a:spcAft>
-              <a:buClr>
-                <a:srgbClr val="FFFFFF"/>
-              </a:buClr>
-              <a:buSzPts val="1600"/>
-              <a:buFont typeface="Helvetica Neue Light"/>
-              <a:buNone/>
-              <a:defRPr b="0" sz="1600">
+            <a:lvl3pPr indent="0" lvl="2" marL="0" marR="0" algn="ctr">
+              <a:lnSpc>
+                <a:spcPct val="100000"/>
+              </a:lnSpc>
+              <a:spcBef>
+                <a:spcPts val="0"/>
+              </a:spcBef>
+              <a:spcAft>
+                <a:spcPts val="0"/>
+              </a:spcAft>
+              <a:buClr>
+                <a:srgbClr val="FFFFFF"/>
+              </a:buClr>
+              <a:buSzPts val="1600"/>
+              <a:buFont typeface="Helvetica Neue Light"/>
+              <a:buNone/>
+              <a:defRPr b="0" i="0" sz="1600" u="none" cap="none" strike="noStrike">
+                <a:solidFill>
+                  <a:srgbClr val="FFFFFF"/>
+                </a:solidFill>
                 <a:latin typeface="Helvetica Neue Light"/>
                 <a:ea typeface="Helvetica Neue Light"/>
                 <a:cs typeface="Helvetica Neue Light"/>
                 <a:sym typeface="Helvetica Neue Light"/>
               </a:defRPr>
             </a:lvl3pPr>
-            <a:lvl4pPr indent="0" lvl="3" marL="0" algn="ctr">
-              <a:lnSpc>
-                <a:spcPct val="100000"/>
-              </a:lnSpc>
-              <a:spcBef>
-                <a:spcPts val="0"/>
-              </a:spcBef>
-              <a:spcAft>
-                <a:spcPts val="0"/>
-              </a:spcAft>
-              <a:buClr>
-                <a:srgbClr val="FFFFFF"/>
-              </a:buClr>
-              <a:buSzPts val="1600"/>
-              <a:buFont typeface="Helvetica Neue Light"/>
-              <a:buNone/>
-              <a:defRPr b="0" sz="1600">
+            <a:lvl4pPr indent="0" lvl="3" marL="0" marR="0" algn="ctr">
+              <a:lnSpc>
+                <a:spcPct val="100000"/>
+              </a:lnSpc>
+              <a:spcBef>
+                <a:spcPts val="0"/>
+              </a:spcBef>
+              <a:spcAft>
+                <a:spcPts val="0"/>
+              </a:spcAft>
+              <a:buClr>
+                <a:srgbClr val="FFFFFF"/>
+              </a:buClr>
+              <a:buSzPts val="1600"/>
+              <a:buFont typeface="Helvetica Neue Light"/>
+              <a:buNone/>
+              <a:defRPr b="0" i="0" sz="1600" u="none" cap="none" strike="noStrike">
+                <a:solidFill>
+                  <a:srgbClr val="FFFFFF"/>
+                </a:solidFill>
                 <a:latin typeface="Helvetica Neue Light"/>
                 <a:ea typeface="Helvetica Neue Light"/>
                 <a:cs typeface="Helvetica Neue Light"/>
                 <a:sym typeface="Helvetica Neue Light"/>
               </a:defRPr>
             </a:lvl4pPr>
-            <a:lvl5pPr indent="0" lvl="4" marL="0" algn="ctr">
-              <a:lnSpc>
-                <a:spcPct val="100000"/>
-              </a:lnSpc>
-              <a:spcBef>
-                <a:spcPts val="0"/>
-              </a:spcBef>
-              <a:spcAft>
-                <a:spcPts val="0"/>
-              </a:spcAft>
-              <a:buClr>
-                <a:srgbClr val="FFFFFF"/>
-              </a:buClr>
-              <a:buSzPts val="1600"/>
-              <a:buFont typeface="Helvetica Neue Light"/>
-              <a:buNone/>
-              <a:defRPr b="0" sz="1600">
+            <a:lvl5pPr indent="0" lvl="4" marL="0" marR="0" algn="ctr">
+              <a:lnSpc>
+                <a:spcPct val="100000"/>
+              </a:lnSpc>
+              <a:spcBef>
+                <a:spcPts val="0"/>
+              </a:spcBef>
+              <a:spcAft>
+                <a:spcPts val="0"/>
+              </a:spcAft>
+              <a:buClr>
+                <a:srgbClr val="FFFFFF"/>
+              </a:buClr>
+              <a:buSzPts val="1600"/>
+              <a:buFont typeface="Helvetica Neue Light"/>
+              <a:buNone/>
+              <a:defRPr b="0" i="0" sz="1600" u="none" cap="none" strike="noStrike">
+                <a:solidFill>
+                  <a:srgbClr val="FFFFFF"/>
+                </a:solidFill>
                 <a:latin typeface="Helvetica Neue Light"/>
                 <a:ea typeface="Helvetica Neue Light"/>
                 <a:cs typeface="Helvetica Neue Light"/>
                 <a:sym typeface="Helvetica Neue Light"/>
               </a:defRPr>
             </a:lvl5pPr>
-            <a:lvl6pPr indent="0" lvl="5" marL="0" algn="ctr">
-              <a:lnSpc>
-                <a:spcPct val="100000"/>
-              </a:lnSpc>
-              <a:spcBef>
-                <a:spcPts val="0"/>
-              </a:spcBef>
-              <a:spcAft>
-                <a:spcPts val="0"/>
-              </a:spcAft>
-              <a:buClr>
-                <a:srgbClr val="FFFFFF"/>
-              </a:buClr>
-              <a:buSzPts val="1600"/>
-              <a:buFont typeface="Helvetica Neue Light"/>
-              <a:buNone/>
-              <a:defRPr b="0" sz="1600">
+            <a:lvl6pPr indent="0" lvl="5" marL="0" marR="0" algn="ctr">
+              <a:lnSpc>
+                <a:spcPct val="100000"/>
+              </a:lnSpc>
+              <a:spcBef>
+                <a:spcPts val="0"/>
+              </a:spcBef>
+              <a:spcAft>
+                <a:spcPts val="0"/>
+              </a:spcAft>
+              <a:buClr>
+                <a:srgbClr val="FFFFFF"/>
+              </a:buClr>
+              <a:buSzPts val="1600"/>
+              <a:buFont typeface="Helvetica Neue Light"/>
+              <a:buNone/>
+              <a:defRPr b="0" i="0" sz="1600" u="none" cap="none" strike="noStrike">
+                <a:solidFill>
+                  <a:srgbClr val="FFFFFF"/>
+                </a:solidFill>
                 <a:latin typeface="Helvetica Neue Light"/>
                 <a:ea typeface="Helvetica Neue Light"/>
                 <a:cs typeface="Helvetica Neue Light"/>
                 <a:sym typeface="Helvetica Neue Light"/>
               </a:defRPr>
             </a:lvl6pPr>
-            <a:lvl7pPr indent="0" lvl="6" marL="0" algn="ctr">
-              <a:lnSpc>
-                <a:spcPct val="100000"/>
-              </a:lnSpc>
-              <a:spcBef>
-                <a:spcPts val="0"/>
-              </a:spcBef>
-              <a:spcAft>
-                <a:spcPts val="0"/>
-              </a:spcAft>
-              <a:buClr>
-                <a:srgbClr val="FFFFFF"/>
-              </a:buClr>
-              <a:buSzPts val="1600"/>
-              <a:buFont typeface="Helvetica Neue Light"/>
-              <a:buNone/>
-              <a:defRPr b="0" sz="1600">
+            <a:lvl7pPr indent="0" lvl="6" marL="0" marR="0" algn="ctr">
+              <a:lnSpc>
+                <a:spcPct val="100000"/>
+              </a:lnSpc>
+              <a:spcBef>
+                <a:spcPts val="0"/>
+              </a:spcBef>
+              <a:spcAft>
+                <a:spcPts val="0"/>
+              </a:spcAft>
+              <a:buClr>
+                <a:srgbClr val="FFFFFF"/>
+              </a:buClr>
+              <a:buSzPts val="1600"/>
+              <a:buFont typeface="Helvetica Neue Light"/>
+              <a:buNone/>
+              <a:defRPr b="0" i="0" sz="1600" u="none" cap="none" strike="noStrike">
+                <a:solidFill>
+                  <a:srgbClr val="FFFFFF"/>
+                </a:solidFill>
                 <a:latin typeface="Helvetica Neue Light"/>
                 <a:ea typeface="Helvetica Neue Light"/>
                 <a:cs typeface="Helvetica Neue Light"/>
                 <a:sym typeface="Helvetica Neue Light"/>
               </a:defRPr>
             </a:lvl7pPr>
-            <a:lvl8pPr indent="0" lvl="7" marL="0" algn="ctr">
-              <a:lnSpc>
-                <a:spcPct val="100000"/>
-              </a:lnSpc>
-              <a:spcBef>
-                <a:spcPts val="0"/>
-              </a:spcBef>
-              <a:spcAft>
-                <a:spcPts val="0"/>
-              </a:spcAft>
-              <a:buClr>
-                <a:srgbClr val="FFFFFF"/>
-              </a:buClr>
-              <a:buSzPts val="1600"/>
-              <a:buFont typeface="Helvetica Neue Light"/>
-              <a:buNone/>
-              <a:defRPr b="0" sz="1600">
+            <a:lvl8pPr indent="0" lvl="7" marL="0" marR="0" algn="ctr">
+              <a:lnSpc>
+                <a:spcPct val="100000"/>
+              </a:lnSpc>
+              <a:spcBef>
+                <a:spcPts val="0"/>
+              </a:spcBef>
+              <a:spcAft>
+                <a:spcPts val="0"/>
+              </a:spcAft>
+              <a:buClr>
+                <a:srgbClr val="FFFFFF"/>
+              </a:buClr>
+              <a:buSzPts val="1600"/>
+              <a:buFont typeface="Helvetica Neue Light"/>
+              <a:buNone/>
+              <a:defRPr b="0" i="0" sz="1600" u="none" cap="none" strike="noStrike">
+                <a:solidFill>
+                  <a:srgbClr val="FFFFFF"/>
+                </a:solidFill>
                 <a:latin typeface="Helvetica Neue Light"/>
                 <a:ea typeface="Helvetica Neue Light"/>
                 <a:cs typeface="Helvetica Neue Light"/>
                 <a:sym typeface="Helvetica Neue Light"/>
               </a:defRPr>
             </a:lvl8pPr>
-            <a:lvl9pPr indent="0" lvl="8" marL="0" algn="ctr">
-              <a:lnSpc>
-                <a:spcPct val="100000"/>
-              </a:lnSpc>
-              <a:spcBef>
-                <a:spcPts val="0"/>
-              </a:spcBef>
-              <a:spcAft>
-                <a:spcPts val="0"/>
-              </a:spcAft>
-              <a:buClr>
-                <a:srgbClr val="FFFFFF"/>
-              </a:buClr>
-              <a:buSzPts val="1600"/>
-              <a:buFont typeface="Helvetica Neue Light"/>
-              <a:buNone/>
-              <a:defRPr b="0" sz="1600">
+            <a:lvl9pPr indent="0" lvl="8" marL="0" marR="0" algn="ctr">
+              <a:lnSpc>
+                <a:spcPct val="100000"/>
+              </a:lnSpc>
+              <a:spcBef>
+                <a:spcPts val="0"/>
+              </a:spcBef>
+              <a:spcAft>
+                <a:spcPts val="0"/>
+              </a:spcAft>
+              <a:buClr>
+                <a:srgbClr val="FFFFFF"/>
+              </a:buClr>
+              <a:buSzPts val="1600"/>
+              <a:buFont typeface="Helvetica Neue Light"/>
+              <a:buNone/>
+              <a:defRPr b="0" i="0" sz="1600" u="none" cap="none" strike="noStrike">
+                <a:solidFill>
+                  <a:srgbClr val="FFFFFF"/>
+                </a:solidFill>
                 <a:latin typeface="Helvetica Neue Light"/>
                 <a:ea typeface="Helvetica Neue Light"/>
                 <a:cs typeface="Helvetica Neue Light"/>
@@ -4310,248 +4063,6 @@
             <a:noFill/>
           </a:ln>
         </p:spPr>
-        <p:txBody>
-          <a:bodyPr anchorCtr="0" anchor="t" bIns="45700" lIns="91425" spcFirstLastPara="1" rIns="91425" wrap="square" tIns="45700">
-            <a:noAutofit/>
-          </a:bodyPr>
-          <a:lstStyle>
-            <a:lvl1pPr lvl="0" marR="0" rtl="0" algn="l">
-              <a:lnSpc>
-                <a:spcPct val="100000"/>
-              </a:lnSpc>
-              <a:spcBef>
-                <a:spcPts val="4200"/>
-              </a:spcBef>
-              <a:spcAft>
-                <a:spcPts val="0"/>
-              </a:spcAft>
-              <a:buClr>
-                <a:srgbClr val="FFFFFF"/>
-              </a:buClr>
-              <a:buSzPts val="4640"/>
-              <a:buFont typeface="Helvetica Neue"/>
-              <a:buChar char="•"/>
-              <a:defRPr b="0" i="0" sz="3200" u="none" cap="none" strike="noStrike">
-                <a:solidFill>
-                  <a:srgbClr val="FFFFFF"/>
-                </a:solidFill>
-                <a:latin typeface="Helvetica Neue"/>
-                <a:ea typeface="Helvetica Neue"/>
-                <a:cs typeface="Helvetica Neue"/>
-                <a:sym typeface="Helvetica Neue"/>
-              </a:defRPr>
-            </a:lvl1pPr>
-            <a:lvl2pPr lvl="1" marR="0" rtl="0" algn="l">
-              <a:lnSpc>
-                <a:spcPct val="100000"/>
-              </a:lnSpc>
-              <a:spcBef>
-                <a:spcPts val="4200"/>
-              </a:spcBef>
-              <a:spcAft>
-                <a:spcPts val="0"/>
-              </a:spcAft>
-              <a:buClr>
-                <a:srgbClr val="FFFFFF"/>
-              </a:buClr>
-              <a:buSzPts val="4640"/>
-              <a:buFont typeface="Helvetica Neue"/>
-              <a:buChar char="•"/>
-              <a:defRPr b="0" i="0" sz="3200" u="none" cap="none" strike="noStrike">
-                <a:solidFill>
-                  <a:srgbClr val="FFFFFF"/>
-                </a:solidFill>
-                <a:latin typeface="Helvetica Neue"/>
-                <a:ea typeface="Helvetica Neue"/>
-                <a:cs typeface="Helvetica Neue"/>
-                <a:sym typeface="Helvetica Neue"/>
-              </a:defRPr>
-            </a:lvl2pPr>
-            <a:lvl3pPr lvl="2" marR="0" rtl="0" algn="l">
-              <a:lnSpc>
-                <a:spcPct val="100000"/>
-              </a:lnSpc>
-              <a:spcBef>
-                <a:spcPts val="4200"/>
-              </a:spcBef>
-              <a:spcAft>
-                <a:spcPts val="0"/>
-              </a:spcAft>
-              <a:buClr>
-                <a:srgbClr val="FFFFFF"/>
-              </a:buClr>
-              <a:buSzPts val="4640"/>
-              <a:buFont typeface="Helvetica Neue"/>
-              <a:buChar char="•"/>
-              <a:defRPr b="0" i="0" sz="3200" u="none" cap="none" strike="noStrike">
-                <a:solidFill>
-                  <a:srgbClr val="FFFFFF"/>
-                </a:solidFill>
-                <a:latin typeface="Helvetica Neue"/>
-                <a:ea typeface="Helvetica Neue"/>
-                <a:cs typeface="Helvetica Neue"/>
-                <a:sym typeface="Helvetica Neue"/>
-              </a:defRPr>
-            </a:lvl3pPr>
-            <a:lvl4pPr lvl="3" marR="0" rtl="0" algn="l">
-              <a:lnSpc>
-                <a:spcPct val="100000"/>
-              </a:lnSpc>
-              <a:spcBef>
-                <a:spcPts val="4200"/>
-              </a:spcBef>
-              <a:spcAft>
-                <a:spcPts val="0"/>
-              </a:spcAft>
-              <a:buClr>
-                <a:srgbClr val="FFFFFF"/>
-              </a:buClr>
-              <a:buSzPts val="4640"/>
-              <a:buFont typeface="Helvetica Neue"/>
-              <a:buChar char="•"/>
-              <a:defRPr b="0" i="0" sz="3200" u="none" cap="none" strike="noStrike">
-                <a:solidFill>
-                  <a:srgbClr val="FFFFFF"/>
-                </a:solidFill>
-                <a:latin typeface="Helvetica Neue"/>
-                <a:ea typeface="Helvetica Neue"/>
-                <a:cs typeface="Helvetica Neue"/>
-                <a:sym typeface="Helvetica Neue"/>
-              </a:defRPr>
-            </a:lvl4pPr>
-            <a:lvl5pPr lvl="4" marR="0" rtl="0" algn="l">
-              <a:lnSpc>
-                <a:spcPct val="100000"/>
-              </a:lnSpc>
-              <a:spcBef>
-                <a:spcPts val="4200"/>
-              </a:spcBef>
-              <a:spcAft>
-                <a:spcPts val="0"/>
-              </a:spcAft>
-              <a:buClr>
-                <a:srgbClr val="FFFFFF"/>
-              </a:buClr>
-              <a:buSzPts val="4640"/>
-              <a:buFont typeface="Helvetica Neue"/>
-              <a:buChar char="•"/>
-              <a:defRPr b="0" i="0" sz="3200" u="none" cap="none" strike="noStrike">
-                <a:solidFill>
-                  <a:srgbClr val="FFFFFF"/>
-                </a:solidFill>
-                <a:latin typeface="Helvetica Neue"/>
-                <a:ea typeface="Helvetica Neue"/>
-                <a:cs typeface="Helvetica Neue"/>
-                <a:sym typeface="Helvetica Neue"/>
-              </a:defRPr>
-            </a:lvl5pPr>
-            <a:lvl6pPr lvl="5" marR="0" rtl="0" algn="l">
-              <a:lnSpc>
-                <a:spcPct val="100000"/>
-              </a:lnSpc>
-              <a:spcBef>
-                <a:spcPts val="4200"/>
-              </a:spcBef>
-              <a:spcAft>
-                <a:spcPts val="0"/>
-              </a:spcAft>
-              <a:buClr>
-                <a:srgbClr val="FFFFFF"/>
-              </a:buClr>
-              <a:buSzPts val="4640"/>
-              <a:buFont typeface="Helvetica Neue"/>
-              <a:buChar char="•"/>
-              <a:defRPr b="0" i="0" sz="3200" u="none" cap="none" strike="noStrike">
-                <a:solidFill>
-                  <a:srgbClr val="FFFFFF"/>
-                </a:solidFill>
-                <a:latin typeface="Helvetica Neue"/>
-                <a:ea typeface="Helvetica Neue"/>
-                <a:cs typeface="Helvetica Neue"/>
-                <a:sym typeface="Helvetica Neue"/>
-              </a:defRPr>
-            </a:lvl6pPr>
-            <a:lvl7pPr lvl="6" marR="0" rtl="0" algn="l">
-              <a:lnSpc>
-                <a:spcPct val="100000"/>
-              </a:lnSpc>
-              <a:spcBef>
-                <a:spcPts val="4200"/>
-              </a:spcBef>
-              <a:spcAft>
-                <a:spcPts val="0"/>
-              </a:spcAft>
-              <a:buClr>
-                <a:srgbClr val="FFFFFF"/>
-              </a:buClr>
-              <a:buSzPts val="4640"/>
-              <a:buFont typeface="Helvetica Neue"/>
-              <a:buChar char="•"/>
-              <a:defRPr b="0" i="0" sz="3200" u="none" cap="none" strike="noStrike">
-                <a:solidFill>
-                  <a:srgbClr val="FFFFFF"/>
-                </a:solidFill>
-                <a:latin typeface="Helvetica Neue"/>
-                <a:ea typeface="Helvetica Neue"/>
-                <a:cs typeface="Helvetica Neue"/>
-                <a:sym typeface="Helvetica Neue"/>
-              </a:defRPr>
-            </a:lvl7pPr>
-            <a:lvl8pPr lvl="7" marR="0" rtl="0" algn="l">
-              <a:lnSpc>
-                <a:spcPct val="100000"/>
-              </a:lnSpc>
-              <a:spcBef>
-                <a:spcPts val="4200"/>
-              </a:spcBef>
-              <a:spcAft>
-                <a:spcPts val="0"/>
-              </a:spcAft>
-              <a:buClr>
-                <a:srgbClr val="FFFFFF"/>
-              </a:buClr>
-              <a:buSzPts val="4640"/>
-              <a:buFont typeface="Helvetica Neue"/>
-              <a:buChar char="•"/>
-              <a:defRPr b="0" i="0" sz="3200" u="none" cap="none" strike="noStrike">
-                <a:solidFill>
-                  <a:srgbClr val="FFFFFF"/>
-                </a:solidFill>
-                <a:latin typeface="Helvetica Neue"/>
-                <a:ea typeface="Helvetica Neue"/>
-                <a:cs typeface="Helvetica Neue"/>
-                <a:sym typeface="Helvetica Neue"/>
-              </a:defRPr>
-            </a:lvl8pPr>
-            <a:lvl9pPr lvl="8" marR="0" rtl="0" algn="l">
-              <a:lnSpc>
-                <a:spcPct val="100000"/>
-              </a:lnSpc>
-              <a:spcBef>
-                <a:spcPts val="4200"/>
-              </a:spcBef>
-              <a:spcAft>
-                <a:spcPts val="0"/>
-              </a:spcAft>
-              <a:buClr>
-                <a:srgbClr val="FFFFFF"/>
-              </a:buClr>
-              <a:buSzPts val="4640"/>
-              <a:buFont typeface="Helvetica Neue"/>
-              <a:buChar char="•"/>
-              <a:defRPr b="0" i="0" sz="3200" u="none" cap="none" strike="noStrike">
-                <a:solidFill>
-                  <a:srgbClr val="FFFFFF"/>
-                </a:solidFill>
-                <a:latin typeface="Helvetica Neue"/>
-                <a:ea typeface="Helvetica Neue"/>
-                <a:cs typeface="Helvetica Neue"/>
-                <a:sym typeface="Helvetica Neue"/>
-              </a:defRPr>
-            </a:lvl9pPr>
-          </a:lstStyle>
-          <a:p/>
-        </p:txBody>
       </p:sp>
       <p:sp>
         <p:nvSpPr>
@@ -4939,207 +4450,234 @@
             <a:spAutoFit/>
           </a:bodyPr>
           <a:lstStyle>
-            <a:lvl1pPr indent="0" lvl="0" marL="0" algn="ctr">
-              <a:lnSpc>
-                <a:spcPct val="100000"/>
-              </a:lnSpc>
-              <a:spcBef>
-                <a:spcPts val="0"/>
-              </a:spcBef>
-              <a:spcAft>
-                <a:spcPts val="0"/>
-              </a:spcAft>
-              <a:buClr>
-                <a:srgbClr val="FFFFFF"/>
-              </a:buClr>
-              <a:buSzPts val="1600"/>
-              <a:buFont typeface="Helvetica Neue Light"/>
-              <a:buNone/>
-              <a:defRPr b="0" sz="1600">
+            <a:lvl1pPr indent="0" lvl="0" marL="0" marR="0" algn="ctr">
+              <a:lnSpc>
+                <a:spcPct val="100000"/>
+              </a:lnSpc>
+              <a:spcBef>
+                <a:spcPts val="0"/>
+              </a:spcBef>
+              <a:spcAft>
+                <a:spcPts val="0"/>
+              </a:spcAft>
+              <a:buClr>
+                <a:srgbClr val="FFFFFF"/>
+              </a:buClr>
+              <a:buSzPts val="1600"/>
+              <a:buFont typeface="Helvetica Neue Light"/>
+              <a:buNone/>
+              <a:defRPr b="0" i="0" sz="1600" u="none" cap="none" strike="noStrike">
+                <a:solidFill>
+                  <a:srgbClr val="FFFFFF"/>
+                </a:solidFill>
                 <a:latin typeface="Helvetica Neue Light"/>
                 <a:ea typeface="Helvetica Neue Light"/>
                 <a:cs typeface="Helvetica Neue Light"/>
                 <a:sym typeface="Helvetica Neue Light"/>
               </a:defRPr>
             </a:lvl1pPr>
-            <a:lvl2pPr indent="0" lvl="1" marL="0" algn="ctr">
-              <a:lnSpc>
-                <a:spcPct val="100000"/>
-              </a:lnSpc>
-              <a:spcBef>
-                <a:spcPts val="0"/>
-              </a:spcBef>
-              <a:spcAft>
-                <a:spcPts val="0"/>
-              </a:spcAft>
-              <a:buClr>
-                <a:srgbClr val="FFFFFF"/>
-              </a:buClr>
-              <a:buSzPts val="1600"/>
-              <a:buFont typeface="Helvetica Neue Light"/>
-              <a:buNone/>
-              <a:defRPr b="0" sz="1600">
+            <a:lvl2pPr indent="0" lvl="1" marL="0" marR="0" algn="ctr">
+              <a:lnSpc>
+                <a:spcPct val="100000"/>
+              </a:lnSpc>
+              <a:spcBef>
+                <a:spcPts val="0"/>
+              </a:spcBef>
+              <a:spcAft>
+                <a:spcPts val="0"/>
+              </a:spcAft>
+              <a:buClr>
+                <a:srgbClr val="FFFFFF"/>
+              </a:buClr>
+              <a:buSzPts val="1600"/>
+              <a:buFont typeface="Helvetica Neue Light"/>
+              <a:buNone/>
+              <a:defRPr b="0" i="0" sz="1600" u="none" cap="none" strike="noStrike">
+                <a:solidFill>
+                  <a:srgbClr val="FFFFFF"/>
+                </a:solidFill>
                 <a:latin typeface="Helvetica Neue Light"/>
                 <a:ea typeface="Helvetica Neue Light"/>
                 <a:cs typeface="Helvetica Neue Light"/>
                 <a:sym typeface="Helvetica Neue Light"/>
               </a:defRPr>
             </a:lvl2pPr>
-            <a:lvl3pPr indent="0" lvl="2" marL="0" algn="ctr">
-              <a:lnSpc>
-                <a:spcPct val="100000"/>
-              </a:lnSpc>
-              <a:spcBef>
-                <a:spcPts val="0"/>
-              </a:spcBef>
-              <a:spcAft>
-                <a:spcPts val="0"/>
-              </a:spcAft>
-              <a:buClr>
-                <a:srgbClr val="FFFFFF"/>
-              </a:buClr>
-              <a:buSzPts val="1600"/>
-              <a:buFont typeface="Helvetica Neue Light"/>
-              <a:buNone/>
-              <a:defRPr b="0" sz="1600">
+            <a:lvl3pPr indent="0" lvl="2" marL="0" marR="0" algn="ctr">
+              <a:lnSpc>
+                <a:spcPct val="100000"/>
+              </a:lnSpc>
+              <a:spcBef>
+                <a:spcPts val="0"/>
+              </a:spcBef>
+              <a:spcAft>
+                <a:spcPts val="0"/>
+              </a:spcAft>
+              <a:buClr>
+                <a:srgbClr val="FFFFFF"/>
+              </a:buClr>
+              <a:buSzPts val="1600"/>
+              <a:buFont typeface="Helvetica Neue Light"/>
+              <a:buNone/>
+              <a:defRPr b="0" i="0" sz="1600" u="none" cap="none" strike="noStrike">
+                <a:solidFill>
+                  <a:srgbClr val="FFFFFF"/>
+                </a:solidFill>
                 <a:latin typeface="Helvetica Neue Light"/>
                 <a:ea typeface="Helvetica Neue Light"/>
                 <a:cs typeface="Helvetica Neue Light"/>
                 <a:sym typeface="Helvetica Neue Light"/>
               </a:defRPr>
             </a:lvl3pPr>
-            <a:lvl4pPr indent="0" lvl="3" marL="0" algn="ctr">
-              <a:lnSpc>
-                <a:spcPct val="100000"/>
-              </a:lnSpc>
-              <a:spcBef>
-                <a:spcPts val="0"/>
-              </a:spcBef>
-              <a:spcAft>
-                <a:spcPts val="0"/>
-              </a:spcAft>
-              <a:buClr>
-                <a:srgbClr val="FFFFFF"/>
-              </a:buClr>
-              <a:buSzPts val="1600"/>
-              <a:buFont typeface="Helvetica Neue Light"/>
-              <a:buNone/>
-              <a:defRPr b="0" sz="1600">
+            <a:lvl4pPr indent="0" lvl="3" marL="0" marR="0" algn="ctr">
+              <a:lnSpc>
+                <a:spcPct val="100000"/>
+              </a:lnSpc>
+              <a:spcBef>
+                <a:spcPts val="0"/>
+              </a:spcBef>
+              <a:spcAft>
+                <a:spcPts val="0"/>
+              </a:spcAft>
+              <a:buClr>
+                <a:srgbClr val="FFFFFF"/>
+              </a:buClr>
+              <a:buSzPts val="1600"/>
+              <a:buFont typeface="Helvetica Neue Light"/>
+              <a:buNone/>
+              <a:defRPr b="0" i="0" sz="1600" u="none" cap="none" strike="noStrike">
+                <a:solidFill>
+                  <a:srgbClr val="FFFFFF"/>
+                </a:solidFill>
                 <a:latin typeface="Helvetica Neue Light"/>
                 <a:ea typeface="Helvetica Neue Light"/>
                 <a:cs typeface="Helvetica Neue Light"/>
                 <a:sym typeface="Helvetica Neue Light"/>
               </a:defRPr>
             </a:lvl4pPr>
-            <a:lvl5pPr indent="0" lvl="4" marL="0" algn="ctr">
-              <a:lnSpc>
-                <a:spcPct val="100000"/>
-              </a:lnSpc>
-              <a:spcBef>
-                <a:spcPts val="0"/>
-              </a:spcBef>
-              <a:spcAft>
-                <a:spcPts val="0"/>
-              </a:spcAft>
-              <a:buClr>
-                <a:srgbClr val="FFFFFF"/>
-              </a:buClr>
-              <a:buSzPts val="1600"/>
-              <a:buFont typeface="Helvetica Neue Light"/>
-              <a:buNone/>
-              <a:defRPr b="0" sz="1600">
+            <a:lvl5pPr indent="0" lvl="4" marL="0" marR="0" algn="ctr">
+              <a:lnSpc>
+                <a:spcPct val="100000"/>
+              </a:lnSpc>
+              <a:spcBef>
+                <a:spcPts val="0"/>
+              </a:spcBef>
+              <a:spcAft>
+                <a:spcPts val="0"/>
+              </a:spcAft>
+              <a:buClr>
+                <a:srgbClr val="FFFFFF"/>
+              </a:buClr>
+              <a:buSzPts val="1600"/>
+              <a:buFont typeface="Helvetica Neue Light"/>
+              <a:buNone/>
+              <a:defRPr b="0" i="0" sz="1600" u="none" cap="none" strike="noStrike">
+                <a:solidFill>
+                  <a:srgbClr val="FFFFFF"/>
+                </a:solidFill>
                 <a:latin typeface="Helvetica Neue Light"/>
                 <a:ea typeface="Helvetica Neue Light"/>
                 <a:cs typeface="Helvetica Neue Light"/>
                 <a:sym typeface="Helvetica Neue Light"/>
               </a:defRPr>
             </a:lvl5pPr>
-            <a:lvl6pPr indent="0" lvl="5" marL="0" algn="ctr">
-              <a:lnSpc>
-                <a:spcPct val="100000"/>
-              </a:lnSpc>
-              <a:spcBef>
-                <a:spcPts val="0"/>
-              </a:spcBef>
-              <a:spcAft>
-                <a:spcPts val="0"/>
-              </a:spcAft>
-              <a:buClr>
-                <a:srgbClr val="FFFFFF"/>
-              </a:buClr>
-              <a:buSzPts val="1600"/>
-              <a:buFont typeface="Helvetica Neue Light"/>
-              <a:buNone/>
-              <a:defRPr b="0" sz="1600">
+            <a:lvl6pPr indent="0" lvl="5" marL="0" marR="0" algn="ctr">
+              <a:lnSpc>
+                <a:spcPct val="100000"/>
+              </a:lnSpc>
+              <a:spcBef>
+                <a:spcPts val="0"/>
+              </a:spcBef>
+              <a:spcAft>
+                <a:spcPts val="0"/>
+              </a:spcAft>
+              <a:buClr>
+                <a:srgbClr val="FFFFFF"/>
+              </a:buClr>
+              <a:buSzPts val="1600"/>
+              <a:buFont typeface="Helvetica Neue Light"/>
+              <a:buNone/>
+              <a:defRPr b="0" i="0" sz="1600" u="none" cap="none" strike="noStrike">
+                <a:solidFill>
+                  <a:srgbClr val="FFFFFF"/>
+                </a:solidFill>
                 <a:latin typeface="Helvetica Neue Light"/>
                 <a:ea typeface="Helvetica Neue Light"/>
                 <a:cs typeface="Helvetica Neue Light"/>
                 <a:sym typeface="Helvetica Neue Light"/>
               </a:defRPr>
             </a:lvl6pPr>
-            <a:lvl7pPr indent="0" lvl="6" marL="0" algn="ctr">
-              <a:lnSpc>
-                <a:spcPct val="100000"/>
-              </a:lnSpc>
-              <a:spcBef>
-                <a:spcPts val="0"/>
-              </a:spcBef>
-              <a:spcAft>
-                <a:spcPts val="0"/>
-              </a:spcAft>
-              <a:buClr>
-                <a:srgbClr val="FFFFFF"/>
-              </a:buClr>
-              <a:buSzPts val="1600"/>
-              <a:buFont typeface="Helvetica Neue Light"/>
-              <a:buNone/>
-              <a:defRPr b="0" sz="1600">
+            <a:lvl7pPr indent="0" lvl="6" marL="0" marR="0" algn="ctr">
+              <a:lnSpc>
+                <a:spcPct val="100000"/>
+              </a:lnSpc>
+              <a:spcBef>
+                <a:spcPts val="0"/>
+              </a:spcBef>
+              <a:spcAft>
+                <a:spcPts val="0"/>
+              </a:spcAft>
+              <a:buClr>
+                <a:srgbClr val="FFFFFF"/>
+              </a:buClr>
+              <a:buSzPts val="1600"/>
+              <a:buFont typeface="Helvetica Neue Light"/>
+              <a:buNone/>
+              <a:defRPr b="0" i="0" sz="1600" u="none" cap="none" strike="noStrike">
+                <a:solidFill>
+                  <a:srgbClr val="FFFFFF"/>
+                </a:solidFill>
                 <a:latin typeface="Helvetica Neue Light"/>
                 <a:ea typeface="Helvetica Neue Light"/>
                 <a:cs typeface="Helvetica Neue Light"/>
                 <a:sym typeface="Helvetica Neue Light"/>
               </a:defRPr>
             </a:lvl7pPr>
-            <a:lvl8pPr indent="0" lvl="7" marL="0" algn="ctr">
-              <a:lnSpc>
-                <a:spcPct val="100000"/>
-              </a:lnSpc>
-              <a:spcBef>
-                <a:spcPts val="0"/>
-              </a:spcBef>
-              <a:spcAft>
-                <a:spcPts val="0"/>
-              </a:spcAft>
-              <a:buClr>
-                <a:srgbClr val="FFFFFF"/>
-              </a:buClr>
-              <a:buSzPts val="1600"/>
-              <a:buFont typeface="Helvetica Neue Light"/>
-              <a:buNone/>
-              <a:defRPr b="0" sz="1600">
+            <a:lvl8pPr indent="0" lvl="7" marL="0" marR="0" algn="ctr">
+              <a:lnSpc>
+                <a:spcPct val="100000"/>
+              </a:lnSpc>
+              <a:spcBef>
+                <a:spcPts val="0"/>
+              </a:spcBef>
+              <a:spcAft>
+                <a:spcPts val="0"/>
+              </a:spcAft>
+              <a:buClr>
+                <a:srgbClr val="FFFFFF"/>
+              </a:buClr>
+              <a:buSzPts val="1600"/>
+              <a:buFont typeface="Helvetica Neue Light"/>
+              <a:buNone/>
+              <a:defRPr b="0" i="0" sz="1600" u="none" cap="none" strike="noStrike">
+                <a:solidFill>
+                  <a:srgbClr val="FFFFFF"/>
+                </a:solidFill>
                 <a:latin typeface="Helvetica Neue Light"/>
                 <a:ea typeface="Helvetica Neue Light"/>
                 <a:cs typeface="Helvetica Neue Light"/>
                 <a:sym typeface="Helvetica Neue Light"/>
               </a:defRPr>
             </a:lvl8pPr>
-            <a:lvl9pPr indent="0" lvl="8" marL="0" algn="ctr">
-              <a:lnSpc>
-                <a:spcPct val="100000"/>
-              </a:lnSpc>
-              <a:spcBef>
-                <a:spcPts val="0"/>
-              </a:spcBef>
-              <a:spcAft>
-                <a:spcPts val="0"/>
-              </a:spcAft>
-              <a:buClr>
-                <a:srgbClr val="FFFFFF"/>
-              </a:buClr>
-              <a:buSzPts val="1600"/>
-              <a:buFont typeface="Helvetica Neue Light"/>
-              <a:buNone/>
-              <a:defRPr b="0" sz="1600">
+            <a:lvl9pPr indent="0" lvl="8" marL="0" marR="0" algn="ctr">
+              <a:lnSpc>
+                <a:spcPct val="100000"/>
+              </a:lnSpc>
+              <a:spcBef>
+                <a:spcPts val="0"/>
+              </a:spcBef>
+              <a:spcAft>
+                <a:spcPts val="0"/>
+              </a:spcAft>
+              <a:buClr>
+                <a:srgbClr val="FFFFFF"/>
+              </a:buClr>
+              <a:buSzPts val="1600"/>
+              <a:buFont typeface="Helvetica Neue Light"/>
+              <a:buNone/>
+              <a:defRPr b="0" i="0" sz="1600" u="none" cap="none" strike="noStrike">
+                <a:solidFill>
+                  <a:srgbClr val="FFFFFF"/>
+                </a:solidFill>
                 <a:latin typeface="Helvetica Neue Light"/>
                 <a:ea typeface="Helvetica Neue Light"/>
                 <a:cs typeface="Helvetica Neue Light"/>
@@ -5399,207 +4937,234 @@
             <a:spAutoFit/>
           </a:bodyPr>
           <a:lstStyle>
-            <a:lvl1pPr indent="0" lvl="0" marL="0" algn="ctr">
-              <a:lnSpc>
-                <a:spcPct val="100000"/>
-              </a:lnSpc>
-              <a:spcBef>
-                <a:spcPts val="0"/>
-              </a:spcBef>
-              <a:spcAft>
-                <a:spcPts val="0"/>
-              </a:spcAft>
-              <a:buClr>
-                <a:srgbClr val="FFFFFF"/>
-              </a:buClr>
-              <a:buSzPts val="1600"/>
-              <a:buFont typeface="Helvetica Neue Light"/>
-              <a:buNone/>
-              <a:defRPr b="0" sz="1600">
+            <a:lvl1pPr indent="0" lvl="0" marL="0" marR="0" algn="ctr">
+              <a:lnSpc>
+                <a:spcPct val="100000"/>
+              </a:lnSpc>
+              <a:spcBef>
+                <a:spcPts val="0"/>
+              </a:spcBef>
+              <a:spcAft>
+                <a:spcPts val="0"/>
+              </a:spcAft>
+              <a:buClr>
+                <a:srgbClr val="FFFFFF"/>
+              </a:buClr>
+              <a:buSzPts val="1600"/>
+              <a:buFont typeface="Helvetica Neue Light"/>
+              <a:buNone/>
+              <a:defRPr b="0" i="0" sz="1600" u="none" cap="none" strike="noStrike">
+                <a:solidFill>
+                  <a:srgbClr val="FFFFFF"/>
+                </a:solidFill>
                 <a:latin typeface="Helvetica Neue Light"/>
                 <a:ea typeface="Helvetica Neue Light"/>
                 <a:cs typeface="Helvetica Neue Light"/>
                 <a:sym typeface="Helvetica Neue Light"/>
               </a:defRPr>
             </a:lvl1pPr>
-            <a:lvl2pPr indent="0" lvl="1" marL="0" algn="ctr">
-              <a:lnSpc>
-                <a:spcPct val="100000"/>
-              </a:lnSpc>
-              <a:spcBef>
-                <a:spcPts val="0"/>
-              </a:spcBef>
-              <a:spcAft>
-                <a:spcPts val="0"/>
-              </a:spcAft>
-              <a:buClr>
-                <a:srgbClr val="FFFFFF"/>
-              </a:buClr>
-              <a:buSzPts val="1600"/>
-              <a:buFont typeface="Helvetica Neue Light"/>
-              <a:buNone/>
-              <a:defRPr b="0" sz="1600">
+            <a:lvl2pPr indent="0" lvl="1" marL="0" marR="0" algn="ctr">
+              <a:lnSpc>
+                <a:spcPct val="100000"/>
+              </a:lnSpc>
+              <a:spcBef>
+                <a:spcPts val="0"/>
+              </a:spcBef>
+              <a:spcAft>
+                <a:spcPts val="0"/>
+              </a:spcAft>
+              <a:buClr>
+                <a:srgbClr val="FFFFFF"/>
+              </a:buClr>
+              <a:buSzPts val="1600"/>
+              <a:buFont typeface="Helvetica Neue Light"/>
+              <a:buNone/>
+              <a:defRPr b="0" i="0" sz="1600" u="none" cap="none" strike="noStrike">
+                <a:solidFill>
+                  <a:srgbClr val="FFFFFF"/>
+                </a:solidFill>
                 <a:latin typeface="Helvetica Neue Light"/>
                 <a:ea typeface="Helvetica Neue Light"/>
                 <a:cs typeface="Helvetica Neue Light"/>
                 <a:sym typeface="Helvetica Neue Light"/>
               </a:defRPr>
             </a:lvl2pPr>
-            <a:lvl3pPr indent="0" lvl="2" marL="0" algn="ctr">
-              <a:lnSpc>
-                <a:spcPct val="100000"/>
-              </a:lnSpc>
-              <a:spcBef>
-                <a:spcPts val="0"/>
-              </a:spcBef>
-              <a:spcAft>
-                <a:spcPts val="0"/>
-              </a:spcAft>
-              <a:buClr>
-                <a:srgbClr val="FFFFFF"/>
-              </a:buClr>
-              <a:buSzPts val="1600"/>
-              <a:buFont typeface="Helvetica Neue Light"/>
-              <a:buNone/>
-              <a:defRPr b="0" sz="1600">
+            <a:lvl3pPr indent="0" lvl="2" marL="0" marR="0" algn="ctr">
+              <a:lnSpc>
+                <a:spcPct val="100000"/>
+              </a:lnSpc>
+              <a:spcBef>
+                <a:spcPts val="0"/>
+              </a:spcBef>
+              <a:spcAft>
+                <a:spcPts val="0"/>
+              </a:spcAft>
+              <a:buClr>
+                <a:srgbClr val="FFFFFF"/>
+              </a:buClr>
+              <a:buSzPts val="1600"/>
+              <a:buFont typeface="Helvetica Neue Light"/>
+              <a:buNone/>
+              <a:defRPr b="0" i="0" sz="1600" u="none" cap="none" strike="noStrike">
+                <a:solidFill>
+                  <a:srgbClr val="FFFFFF"/>
+                </a:solidFill>
                 <a:latin typeface="Helvetica Neue Light"/>
                 <a:ea typeface="Helvetica Neue Light"/>
                 <a:cs typeface="Helvetica Neue Light"/>
                 <a:sym typeface="Helvetica Neue Light"/>
               </a:defRPr>
             </a:lvl3pPr>
-            <a:lvl4pPr indent="0" lvl="3" marL="0" algn="ctr">
-              <a:lnSpc>
-                <a:spcPct val="100000"/>
-              </a:lnSpc>
-              <a:spcBef>
-                <a:spcPts val="0"/>
-              </a:spcBef>
-              <a:spcAft>
-                <a:spcPts val="0"/>
-              </a:spcAft>
-              <a:buClr>
-                <a:srgbClr val="FFFFFF"/>
-              </a:buClr>
-              <a:buSzPts val="1600"/>
-              <a:buFont typeface="Helvetica Neue Light"/>
-              <a:buNone/>
-              <a:defRPr b="0" sz="1600">
+            <a:lvl4pPr indent="0" lvl="3" marL="0" marR="0" algn="ctr">
+              <a:lnSpc>
+                <a:spcPct val="100000"/>
+              </a:lnSpc>
+              <a:spcBef>
+                <a:spcPts val="0"/>
+              </a:spcBef>
+              <a:spcAft>
+                <a:spcPts val="0"/>
+              </a:spcAft>
+              <a:buClr>
+                <a:srgbClr val="FFFFFF"/>
+              </a:buClr>
+              <a:buSzPts val="1600"/>
+              <a:buFont typeface="Helvetica Neue Light"/>
+              <a:buNone/>
+              <a:defRPr b="0" i="0" sz="1600" u="none" cap="none" strike="noStrike">
+                <a:solidFill>
+                  <a:srgbClr val="FFFFFF"/>
+                </a:solidFill>
                 <a:latin typeface="Helvetica Neue Light"/>
                 <a:ea typeface="Helvetica Neue Light"/>
                 <a:cs typeface="Helvetica Neue Light"/>
                 <a:sym typeface="Helvetica Neue Light"/>
               </a:defRPr>
             </a:lvl4pPr>
-            <a:lvl5pPr indent="0" lvl="4" marL="0" algn="ctr">
-              <a:lnSpc>
-                <a:spcPct val="100000"/>
-              </a:lnSpc>
-              <a:spcBef>
-                <a:spcPts val="0"/>
-              </a:spcBef>
-              <a:spcAft>
-                <a:spcPts val="0"/>
-              </a:spcAft>
-              <a:buClr>
-                <a:srgbClr val="FFFFFF"/>
-              </a:buClr>
-              <a:buSzPts val="1600"/>
-              <a:buFont typeface="Helvetica Neue Light"/>
-              <a:buNone/>
-              <a:defRPr b="0" sz="1600">
+            <a:lvl5pPr indent="0" lvl="4" marL="0" marR="0" algn="ctr">
+              <a:lnSpc>
+                <a:spcPct val="100000"/>
+              </a:lnSpc>
+              <a:spcBef>
+                <a:spcPts val="0"/>
+              </a:spcBef>
+              <a:spcAft>
+                <a:spcPts val="0"/>
+              </a:spcAft>
+              <a:buClr>
+                <a:srgbClr val="FFFFFF"/>
+              </a:buClr>
+              <a:buSzPts val="1600"/>
+              <a:buFont typeface="Helvetica Neue Light"/>
+              <a:buNone/>
+              <a:defRPr b="0" i="0" sz="1600" u="none" cap="none" strike="noStrike">
+                <a:solidFill>
+                  <a:srgbClr val="FFFFFF"/>
+                </a:solidFill>
                 <a:latin typeface="Helvetica Neue Light"/>
                 <a:ea typeface="Helvetica Neue Light"/>
                 <a:cs typeface="Helvetica Neue Light"/>
                 <a:sym typeface="Helvetica Neue Light"/>
               </a:defRPr>
             </a:lvl5pPr>
-            <a:lvl6pPr indent="0" lvl="5" marL="0" algn="ctr">
-              <a:lnSpc>
-                <a:spcPct val="100000"/>
-              </a:lnSpc>
-              <a:spcBef>
-                <a:spcPts val="0"/>
-              </a:spcBef>
-              <a:spcAft>
-                <a:spcPts val="0"/>
-              </a:spcAft>
-              <a:buClr>
-                <a:srgbClr val="FFFFFF"/>
-              </a:buClr>
-              <a:buSzPts val="1600"/>
-              <a:buFont typeface="Helvetica Neue Light"/>
-              <a:buNone/>
-              <a:defRPr b="0" sz="1600">
+            <a:lvl6pPr indent="0" lvl="5" marL="0" marR="0" algn="ctr">
+              <a:lnSpc>
+                <a:spcPct val="100000"/>
+              </a:lnSpc>
+              <a:spcBef>
+                <a:spcPts val="0"/>
+              </a:spcBef>
+              <a:spcAft>
+                <a:spcPts val="0"/>
+              </a:spcAft>
+              <a:buClr>
+                <a:srgbClr val="FFFFFF"/>
+              </a:buClr>
+              <a:buSzPts val="1600"/>
+              <a:buFont typeface="Helvetica Neue Light"/>
+              <a:buNone/>
+              <a:defRPr b="0" i="0" sz="1600" u="none" cap="none" strike="noStrike">
+                <a:solidFill>
+                  <a:srgbClr val="FFFFFF"/>
+                </a:solidFill>
                 <a:latin typeface="Helvetica Neue Light"/>
                 <a:ea typeface="Helvetica Neue Light"/>
                 <a:cs typeface="Helvetica Neue Light"/>
                 <a:sym typeface="Helvetica Neue Light"/>
               </a:defRPr>
             </a:lvl6pPr>
-            <a:lvl7pPr indent="0" lvl="6" marL="0" algn="ctr">
-              <a:lnSpc>
-                <a:spcPct val="100000"/>
-              </a:lnSpc>
-              <a:spcBef>
-                <a:spcPts val="0"/>
-              </a:spcBef>
-              <a:spcAft>
-                <a:spcPts val="0"/>
-              </a:spcAft>
-              <a:buClr>
-                <a:srgbClr val="FFFFFF"/>
-              </a:buClr>
-              <a:buSzPts val="1600"/>
-              <a:buFont typeface="Helvetica Neue Light"/>
-              <a:buNone/>
-              <a:defRPr b="0" sz="1600">
+            <a:lvl7pPr indent="0" lvl="6" marL="0" marR="0" algn="ctr">
+              <a:lnSpc>
+                <a:spcPct val="100000"/>
+              </a:lnSpc>
+              <a:spcBef>
+                <a:spcPts val="0"/>
+              </a:spcBef>
+              <a:spcAft>
+                <a:spcPts val="0"/>
+              </a:spcAft>
+              <a:buClr>
+                <a:srgbClr val="FFFFFF"/>
+              </a:buClr>
+              <a:buSzPts val="1600"/>
+              <a:buFont typeface="Helvetica Neue Light"/>
+              <a:buNone/>
+              <a:defRPr b="0" i="0" sz="1600" u="none" cap="none" strike="noStrike">
+                <a:solidFill>
+                  <a:srgbClr val="FFFFFF"/>
+                </a:solidFill>
                 <a:latin typeface="Helvetica Neue Light"/>
                 <a:ea typeface="Helvetica Neue Light"/>
                 <a:cs typeface="Helvetica Neue Light"/>
                 <a:sym typeface="Helvetica Neue Light"/>
               </a:defRPr>
             </a:lvl7pPr>
-            <a:lvl8pPr indent="0" lvl="7" marL="0" algn="ctr">
-              <a:lnSpc>
-                <a:spcPct val="100000"/>
-              </a:lnSpc>
-              <a:spcBef>
-                <a:spcPts val="0"/>
-              </a:spcBef>
-              <a:spcAft>
-                <a:spcPts val="0"/>
-              </a:spcAft>
-              <a:buClr>
-                <a:srgbClr val="FFFFFF"/>
-              </a:buClr>
-              <a:buSzPts val="1600"/>
-              <a:buFont typeface="Helvetica Neue Light"/>
-              <a:buNone/>
-              <a:defRPr b="0" sz="1600">
+            <a:lvl8pPr indent="0" lvl="7" marL="0" marR="0" algn="ctr">
+              <a:lnSpc>
+                <a:spcPct val="100000"/>
+              </a:lnSpc>
+              <a:spcBef>
+                <a:spcPts val="0"/>
+              </a:spcBef>
+              <a:spcAft>
+                <a:spcPts val="0"/>
+              </a:spcAft>
+              <a:buClr>
+                <a:srgbClr val="FFFFFF"/>
+              </a:buClr>
+              <a:buSzPts val="1600"/>
+              <a:buFont typeface="Helvetica Neue Light"/>
+              <a:buNone/>
+              <a:defRPr b="0" i="0" sz="1600" u="none" cap="none" strike="noStrike">
+                <a:solidFill>
+                  <a:srgbClr val="FFFFFF"/>
+                </a:solidFill>
                 <a:latin typeface="Helvetica Neue Light"/>
                 <a:ea typeface="Helvetica Neue Light"/>
                 <a:cs typeface="Helvetica Neue Light"/>
                 <a:sym typeface="Helvetica Neue Light"/>
               </a:defRPr>
             </a:lvl8pPr>
-            <a:lvl9pPr indent="0" lvl="8" marL="0" algn="ctr">
-              <a:lnSpc>
-                <a:spcPct val="100000"/>
-              </a:lnSpc>
-              <a:spcBef>
-                <a:spcPts val="0"/>
-              </a:spcBef>
-              <a:spcAft>
-                <a:spcPts val="0"/>
-              </a:spcAft>
-              <a:buClr>
-                <a:srgbClr val="FFFFFF"/>
-              </a:buClr>
-              <a:buSzPts val="1600"/>
-              <a:buFont typeface="Helvetica Neue Light"/>
-              <a:buNone/>
-              <a:defRPr b="0" sz="1600">
+            <a:lvl9pPr indent="0" lvl="8" marL="0" marR="0" algn="ctr">
+              <a:lnSpc>
+                <a:spcPct val="100000"/>
+              </a:lnSpc>
+              <a:spcBef>
+                <a:spcPts val="0"/>
+              </a:spcBef>
+              <a:spcAft>
+                <a:spcPts val="0"/>
+              </a:spcAft>
+              <a:buClr>
+                <a:srgbClr val="FFFFFF"/>
+              </a:buClr>
+              <a:buSzPts val="1600"/>
+              <a:buFont typeface="Helvetica Neue Light"/>
+              <a:buNone/>
+              <a:defRPr b="0" i="0" sz="1600" u="none" cap="none" strike="noStrike">
+                <a:solidFill>
+                  <a:srgbClr val="FFFFFF"/>
+                </a:solidFill>
                 <a:latin typeface="Helvetica Neue Light"/>
                 <a:ea typeface="Helvetica Neue Light"/>
                 <a:cs typeface="Helvetica Neue Light"/>
@@ -6030,207 +5595,234 @@
             <a:spAutoFit/>
           </a:bodyPr>
           <a:lstStyle>
-            <a:lvl1pPr indent="0" lvl="0" marL="0" algn="ctr">
-              <a:lnSpc>
-                <a:spcPct val="100000"/>
-              </a:lnSpc>
-              <a:spcBef>
-                <a:spcPts val="0"/>
-              </a:spcBef>
-              <a:spcAft>
-                <a:spcPts val="0"/>
-              </a:spcAft>
-              <a:buClr>
-                <a:srgbClr val="FFFFFF"/>
-              </a:buClr>
-              <a:buSzPts val="1600"/>
-              <a:buFont typeface="Helvetica Neue Light"/>
-              <a:buNone/>
-              <a:defRPr b="0" sz="1600">
+            <a:lvl1pPr indent="0" lvl="0" marL="0" marR="0" algn="ctr">
+              <a:lnSpc>
+                <a:spcPct val="100000"/>
+              </a:lnSpc>
+              <a:spcBef>
+                <a:spcPts val="0"/>
+              </a:spcBef>
+              <a:spcAft>
+                <a:spcPts val="0"/>
+              </a:spcAft>
+              <a:buClr>
+                <a:srgbClr val="FFFFFF"/>
+              </a:buClr>
+              <a:buSzPts val="1600"/>
+              <a:buFont typeface="Helvetica Neue Light"/>
+              <a:buNone/>
+              <a:defRPr b="0" i="0" sz="1600" u="none" cap="none" strike="noStrike">
+                <a:solidFill>
+                  <a:srgbClr val="FFFFFF"/>
+                </a:solidFill>
                 <a:latin typeface="Helvetica Neue Light"/>
                 <a:ea typeface="Helvetica Neue Light"/>
                 <a:cs typeface="Helvetica Neue Light"/>
                 <a:sym typeface="Helvetica Neue Light"/>
               </a:defRPr>
             </a:lvl1pPr>
-            <a:lvl2pPr indent="0" lvl="1" marL="0" algn="ctr">
-              <a:lnSpc>
-                <a:spcPct val="100000"/>
-              </a:lnSpc>
-              <a:spcBef>
-                <a:spcPts val="0"/>
-              </a:spcBef>
-              <a:spcAft>
-                <a:spcPts val="0"/>
-              </a:spcAft>
-              <a:buClr>
-                <a:srgbClr val="FFFFFF"/>
-              </a:buClr>
-              <a:buSzPts val="1600"/>
-              <a:buFont typeface="Helvetica Neue Light"/>
-              <a:buNone/>
-              <a:defRPr b="0" sz="1600">
+            <a:lvl2pPr indent="0" lvl="1" marL="0" marR="0" algn="ctr">
+              <a:lnSpc>
+                <a:spcPct val="100000"/>
+              </a:lnSpc>
+              <a:spcBef>
+                <a:spcPts val="0"/>
+              </a:spcBef>
+              <a:spcAft>
+                <a:spcPts val="0"/>
+              </a:spcAft>
+              <a:buClr>
+                <a:srgbClr val="FFFFFF"/>
+              </a:buClr>
+              <a:buSzPts val="1600"/>
+              <a:buFont typeface="Helvetica Neue Light"/>
+              <a:buNone/>
+              <a:defRPr b="0" i="0" sz="1600" u="none" cap="none" strike="noStrike">
+                <a:solidFill>
+                  <a:srgbClr val="FFFFFF"/>
+                </a:solidFill>
                 <a:latin typeface="Helvetica Neue Light"/>
                 <a:ea typeface="Helvetica Neue Light"/>
                 <a:cs typeface="Helvetica Neue Light"/>
                 <a:sym typeface="Helvetica Neue Light"/>
               </a:defRPr>
             </a:lvl2pPr>
-            <a:lvl3pPr indent="0" lvl="2" marL="0" algn="ctr">
-              <a:lnSpc>
-                <a:spcPct val="100000"/>
-              </a:lnSpc>
-              <a:spcBef>
-                <a:spcPts val="0"/>
-              </a:spcBef>
-              <a:spcAft>
-                <a:spcPts val="0"/>
-              </a:spcAft>
-              <a:buClr>
-                <a:srgbClr val="FFFFFF"/>
-              </a:buClr>
-              <a:buSzPts val="1600"/>
-              <a:buFont typeface="Helvetica Neue Light"/>
-              <a:buNone/>
-              <a:defRPr b="0" sz="1600">
+            <a:lvl3pPr indent="0" lvl="2" marL="0" marR="0" algn="ctr">
+              <a:lnSpc>
+                <a:spcPct val="100000"/>
+              </a:lnSpc>
+              <a:spcBef>
+                <a:spcPts val="0"/>
+              </a:spcBef>
+              <a:spcAft>
+                <a:spcPts val="0"/>
+              </a:spcAft>
+              <a:buClr>
+                <a:srgbClr val="FFFFFF"/>
+              </a:buClr>
+              <a:buSzPts val="1600"/>
+              <a:buFont typeface="Helvetica Neue Light"/>
+              <a:buNone/>
+              <a:defRPr b="0" i="0" sz="1600" u="none" cap="none" strike="noStrike">
+                <a:solidFill>
+                  <a:srgbClr val="FFFFFF"/>
+                </a:solidFill>
                 <a:latin typeface="Helvetica Neue Light"/>
                 <a:ea typeface="Helvetica Neue Light"/>
                 <a:cs typeface="Helvetica Neue Light"/>
                 <a:sym typeface="Helvetica Neue Light"/>
               </a:defRPr>
             </a:lvl3pPr>
-            <a:lvl4pPr indent="0" lvl="3" marL="0" algn="ctr">
-              <a:lnSpc>
-                <a:spcPct val="100000"/>
-              </a:lnSpc>
-              <a:spcBef>
-                <a:spcPts val="0"/>
-              </a:spcBef>
-              <a:spcAft>
-                <a:spcPts val="0"/>
-              </a:spcAft>
-              <a:buClr>
-                <a:srgbClr val="FFFFFF"/>
-              </a:buClr>
-              <a:buSzPts val="1600"/>
-              <a:buFont typeface="Helvetica Neue Light"/>
-              <a:buNone/>
-              <a:defRPr b="0" sz="1600">
+            <a:lvl4pPr indent="0" lvl="3" marL="0" marR="0" algn="ctr">
+              <a:lnSpc>
+                <a:spcPct val="100000"/>
+              </a:lnSpc>
+              <a:spcBef>
+                <a:spcPts val="0"/>
+              </a:spcBef>
+              <a:spcAft>
+                <a:spcPts val="0"/>
+              </a:spcAft>
+              <a:buClr>
+                <a:srgbClr val="FFFFFF"/>
+              </a:buClr>
+              <a:buSzPts val="1600"/>
+              <a:buFont typeface="Helvetica Neue Light"/>
+              <a:buNone/>
+              <a:defRPr b="0" i="0" sz="1600" u="none" cap="none" strike="noStrike">
+                <a:solidFill>
+                  <a:srgbClr val="FFFFFF"/>
+                </a:solidFill>
                 <a:latin typeface="Helvetica Neue Light"/>
                 <a:ea typeface="Helvetica Neue Light"/>
                 <a:cs typeface="Helvetica Neue Light"/>
                 <a:sym typeface="Helvetica Neue Light"/>
               </a:defRPr>
             </a:lvl4pPr>
-            <a:lvl5pPr indent="0" lvl="4" marL="0" algn="ctr">
-              <a:lnSpc>
-                <a:spcPct val="100000"/>
-              </a:lnSpc>
-              <a:spcBef>
-                <a:spcPts val="0"/>
-              </a:spcBef>
-              <a:spcAft>
-                <a:spcPts val="0"/>
-              </a:spcAft>
-              <a:buClr>
-                <a:srgbClr val="FFFFFF"/>
-              </a:buClr>
-              <a:buSzPts val="1600"/>
-              <a:buFont typeface="Helvetica Neue Light"/>
-              <a:buNone/>
-              <a:defRPr b="0" sz="1600">
+            <a:lvl5pPr indent="0" lvl="4" marL="0" marR="0" algn="ctr">
+              <a:lnSpc>
+                <a:spcPct val="100000"/>
+              </a:lnSpc>
+              <a:spcBef>
+                <a:spcPts val="0"/>
+              </a:spcBef>
+              <a:spcAft>
+                <a:spcPts val="0"/>
+              </a:spcAft>
+              <a:buClr>
+                <a:srgbClr val="FFFFFF"/>
+              </a:buClr>
+              <a:buSzPts val="1600"/>
+              <a:buFont typeface="Helvetica Neue Light"/>
+              <a:buNone/>
+              <a:defRPr b="0" i="0" sz="1600" u="none" cap="none" strike="noStrike">
+                <a:solidFill>
+                  <a:srgbClr val="FFFFFF"/>
+                </a:solidFill>
                 <a:latin typeface="Helvetica Neue Light"/>
                 <a:ea typeface="Helvetica Neue Light"/>
                 <a:cs typeface="Helvetica Neue Light"/>
                 <a:sym typeface="Helvetica Neue Light"/>
               </a:defRPr>
             </a:lvl5pPr>
-            <a:lvl6pPr indent="0" lvl="5" marL="0" algn="ctr">
-              <a:lnSpc>
-                <a:spcPct val="100000"/>
-              </a:lnSpc>
-              <a:spcBef>
-                <a:spcPts val="0"/>
-              </a:spcBef>
-              <a:spcAft>
-                <a:spcPts val="0"/>
-              </a:spcAft>
-              <a:buClr>
-                <a:srgbClr val="FFFFFF"/>
-              </a:buClr>
-              <a:buSzPts val="1600"/>
-              <a:buFont typeface="Helvetica Neue Light"/>
-              <a:buNone/>
-              <a:defRPr b="0" sz="1600">
+            <a:lvl6pPr indent="0" lvl="5" marL="0" marR="0" algn="ctr">
+              <a:lnSpc>
+                <a:spcPct val="100000"/>
+              </a:lnSpc>
+              <a:spcBef>
+                <a:spcPts val="0"/>
+              </a:spcBef>
+              <a:spcAft>
+                <a:spcPts val="0"/>
+              </a:spcAft>
+              <a:buClr>
+                <a:srgbClr val="FFFFFF"/>
+              </a:buClr>
+              <a:buSzPts val="1600"/>
+              <a:buFont typeface="Helvetica Neue Light"/>
+              <a:buNone/>
+              <a:defRPr b="0" i="0" sz="1600" u="none" cap="none" strike="noStrike">
+                <a:solidFill>
+                  <a:srgbClr val="FFFFFF"/>
+                </a:solidFill>
                 <a:latin typeface="Helvetica Neue Light"/>
                 <a:ea typeface="Helvetica Neue Light"/>
                 <a:cs typeface="Helvetica Neue Light"/>
                 <a:sym typeface="Helvetica Neue Light"/>
               </a:defRPr>
             </a:lvl6pPr>
-            <a:lvl7pPr indent="0" lvl="6" marL="0" algn="ctr">
-              <a:lnSpc>
-                <a:spcPct val="100000"/>
-              </a:lnSpc>
-              <a:spcBef>
-                <a:spcPts val="0"/>
-              </a:spcBef>
-              <a:spcAft>
-                <a:spcPts val="0"/>
-              </a:spcAft>
-              <a:buClr>
-                <a:srgbClr val="FFFFFF"/>
-              </a:buClr>
-              <a:buSzPts val="1600"/>
-              <a:buFont typeface="Helvetica Neue Light"/>
-              <a:buNone/>
-              <a:defRPr b="0" sz="1600">
+            <a:lvl7pPr indent="0" lvl="6" marL="0" marR="0" algn="ctr">
+              <a:lnSpc>
+                <a:spcPct val="100000"/>
+              </a:lnSpc>
+              <a:spcBef>
+                <a:spcPts val="0"/>
+              </a:spcBef>
+              <a:spcAft>
+                <a:spcPts val="0"/>
+              </a:spcAft>
+              <a:buClr>
+                <a:srgbClr val="FFFFFF"/>
+              </a:buClr>
+              <a:buSzPts val="1600"/>
+              <a:buFont typeface="Helvetica Neue Light"/>
+              <a:buNone/>
+              <a:defRPr b="0" i="0" sz="1600" u="none" cap="none" strike="noStrike">
+                <a:solidFill>
+                  <a:srgbClr val="FFFFFF"/>
+                </a:solidFill>
                 <a:latin typeface="Helvetica Neue Light"/>
                 <a:ea typeface="Helvetica Neue Light"/>
                 <a:cs typeface="Helvetica Neue Light"/>
                 <a:sym typeface="Helvetica Neue Light"/>
               </a:defRPr>
             </a:lvl7pPr>
-            <a:lvl8pPr indent="0" lvl="7" marL="0" algn="ctr">
-              <a:lnSpc>
-                <a:spcPct val="100000"/>
-              </a:lnSpc>
-              <a:spcBef>
-                <a:spcPts val="0"/>
-              </a:spcBef>
-              <a:spcAft>
-                <a:spcPts val="0"/>
-              </a:spcAft>
-              <a:buClr>
-                <a:srgbClr val="FFFFFF"/>
-              </a:buClr>
-              <a:buSzPts val="1600"/>
-              <a:buFont typeface="Helvetica Neue Light"/>
-              <a:buNone/>
-              <a:defRPr b="0" sz="1600">
+            <a:lvl8pPr indent="0" lvl="7" marL="0" marR="0" algn="ctr">
+              <a:lnSpc>
+                <a:spcPct val="100000"/>
+              </a:lnSpc>
+              <a:spcBef>
+                <a:spcPts val="0"/>
+              </a:spcBef>
+              <a:spcAft>
+                <a:spcPts val="0"/>
+              </a:spcAft>
+              <a:buClr>
+                <a:srgbClr val="FFFFFF"/>
+              </a:buClr>
+              <a:buSzPts val="1600"/>
+              <a:buFont typeface="Helvetica Neue Light"/>
+              <a:buNone/>
+              <a:defRPr b="0" i="0" sz="1600" u="none" cap="none" strike="noStrike">
+                <a:solidFill>
+                  <a:srgbClr val="FFFFFF"/>
+                </a:solidFill>
                 <a:latin typeface="Helvetica Neue Light"/>
                 <a:ea typeface="Helvetica Neue Light"/>
                 <a:cs typeface="Helvetica Neue Light"/>
                 <a:sym typeface="Helvetica Neue Light"/>
               </a:defRPr>
             </a:lvl8pPr>
-            <a:lvl9pPr indent="0" lvl="8" marL="0" algn="ctr">
-              <a:lnSpc>
-                <a:spcPct val="100000"/>
-              </a:lnSpc>
-              <a:spcBef>
-                <a:spcPts val="0"/>
-              </a:spcBef>
-              <a:spcAft>
-                <a:spcPts val="0"/>
-              </a:spcAft>
-              <a:buClr>
-                <a:srgbClr val="FFFFFF"/>
-              </a:buClr>
-              <a:buSzPts val="1600"/>
-              <a:buFont typeface="Helvetica Neue Light"/>
-              <a:buNone/>
-              <a:defRPr b="0" sz="1600">
+            <a:lvl9pPr indent="0" lvl="8" marL="0" marR="0" algn="ctr">
+              <a:lnSpc>
+                <a:spcPct val="100000"/>
+              </a:lnSpc>
+              <a:spcBef>
+                <a:spcPts val="0"/>
+              </a:spcBef>
+              <a:spcAft>
+                <a:spcPts val="0"/>
+              </a:spcAft>
+              <a:buClr>
+                <a:srgbClr val="FFFFFF"/>
+              </a:buClr>
+              <a:buSzPts val="1600"/>
+              <a:buFont typeface="Helvetica Neue Light"/>
+              <a:buNone/>
+              <a:defRPr b="0" i="0" sz="1600" u="none" cap="none" strike="noStrike">
+                <a:solidFill>
+                  <a:srgbClr val="FFFFFF"/>
+                </a:solidFill>
                 <a:latin typeface="Helvetica Neue Light"/>
                 <a:ea typeface="Helvetica Neue Light"/>
                 <a:cs typeface="Helvetica Neue Light"/>
@@ -6302,248 +5894,6 @@
             <a:noFill/>
           </a:ln>
         </p:spPr>
-        <p:txBody>
-          <a:bodyPr anchorCtr="0" anchor="t" bIns="45700" lIns="91425" spcFirstLastPara="1" rIns="91425" wrap="square" tIns="45700">
-            <a:noAutofit/>
-          </a:bodyPr>
-          <a:lstStyle>
-            <a:lvl1pPr lvl="0" marR="0" rtl="0" algn="l">
-              <a:lnSpc>
-                <a:spcPct val="100000"/>
-              </a:lnSpc>
-              <a:spcBef>
-                <a:spcPts val="4200"/>
-              </a:spcBef>
-              <a:spcAft>
-                <a:spcPts val="0"/>
-              </a:spcAft>
-              <a:buClr>
-                <a:srgbClr val="FFFFFF"/>
-              </a:buClr>
-              <a:buSzPts val="4640"/>
-              <a:buFont typeface="Helvetica Neue"/>
-              <a:buChar char="•"/>
-              <a:defRPr b="0" i="0" sz="3200" u="none" cap="none" strike="noStrike">
-                <a:solidFill>
-                  <a:srgbClr val="FFFFFF"/>
-                </a:solidFill>
-                <a:latin typeface="Helvetica Neue"/>
-                <a:ea typeface="Helvetica Neue"/>
-                <a:cs typeface="Helvetica Neue"/>
-                <a:sym typeface="Helvetica Neue"/>
-              </a:defRPr>
-            </a:lvl1pPr>
-            <a:lvl2pPr lvl="1" marR="0" rtl="0" algn="l">
-              <a:lnSpc>
-                <a:spcPct val="100000"/>
-              </a:lnSpc>
-              <a:spcBef>
-                <a:spcPts val="4200"/>
-              </a:spcBef>
-              <a:spcAft>
-                <a:spcPts val="0"/>
-              </a:spcAft>
-              <a:buClr>
-                <a:srgbClr val="FFFFFF"/>
-              </a:buClr>
-              <a:buSzPts val="4640"/>
-              <a:buFont typeface="Helvetica Neue"/>
-              <a:buChar char="•"/>
-              <a:defRPr b="0" i="0" sz="3200" u="none" cap="none" strike="noStrike">
-                <a:solidFill>
-                  <a:srgbClr val="FFFFFF"/>
-                </a:solidFill>
-                <a:latin typeface="Helvetica Neue"/>
-                <a:ea typeface="Helvetica Neue"/>
-                <a:cs typeface="Helvetica Neue"/>
-                <a:sym typeface="Helvetica Neue"/>
-              </a:defRPr>
-            </a:lvl2pPr>
-            <a:lvl3pPr lvl="2" marR="0" rtl="0" algn="l">
-              <a:lnSpc>
-                <a:spcPct val="100000"/>
-              </a:lnSpc>
-              <a:spcBef>
-                <a:spcPts val="4200"/>
-              </a:spcBef>
-              <a:spcAft>
-                <a:spcPts val="0"/>
-              </a:spcAft>
-              <a:buClr>
-                <a:srgbClr val="FFFFFF"/>
-              </a:buClr>
-              <a:buSzPts val="4640"/>
-              <a:buFont typeface="Helvetica Neue"/>
-              <a:buChar char="•"/>
-              <a:defRPr b="0" i="0" sz="3200" u="none" cap="none" strike="noStrike">
-                <a:solidFill>
-                  <a:srgbClr val="FFFFFF"/>
-                </a:solidFill>
-                <a:latin typeface="Helvetica Neue"/>
-                <a:ea typeface="Helvetica Neue"/>
-                <a:cs typeface="Helvetica Neue"/>
-                <a:sym typeface="Helvetica Neue"/>
-              </a:defRPr>
-            </a:lvl3pPr>
-            <a:lvl4pPr lvl="3" marR="0" rtl="0" algn="l">
-              <a:lnSpc>
-                <a:spcPct val="100000"/>
-              </a:lnSpc>
-              <a:spcBef>
-                <a:spcPts val="4200"/>
-              </a:spcBef>
-              <a:spcAft>
-                <a:spcPts val="0"/>
-              </a:spcAft>
-              <a:buClr>
-                <a:srgbClr val="FFFFFF"/>
-              </a:buClr>
-              <a:buSzPts val="4640"/>
-              <a:buFont typeface="Helvetica Neue"/>
-              <a:buChar char="•"/>
-              <a:defRPr b="0" i="0" sz="3200" u="none" cap="none" strike="noStrike">
-                <a:solidFill>
-                  <a:srgbClr val="FFFFFF"/>
-                </a:solidFill>
-                <a:latin typeface="Helvetica Neue"/>
-                <a:ea typeface="Helvetica Neue"/>
-                <a:cs typeface="Helvetica Neue"/>
-                <a:sym typeface="Helvetica Neue"/>
-              </a:defRPr>
-            </a:lvl4pPr>
-            <a:lvl5pPr lvl="4" marR="0" rtl="0" algn="l">
-              <a:lnSpc>
-                <a:spcPct val="100000"/>
-              </a:lnSpc>
-              <a:spcBef>
-                <a:spcPts val="4200"/>
-              </a:spcBef>
-              <a:spcAft>
-                <a:spcPts val="0"/>
-              </a:spcAft>
-              <a:buClr>
-                <a:srgbClr val="FFFFFF"/>
-              </a:buClr>
-              <a:buSzPts val="4640"/>
-              <a:buFont typeface="Helvetica Neue"/>
-              <a:buChar char="•"/>
-              <a:defRPr b="0" i="0" sz="3200" u="none" cap="none" strike="noStrike">
-                <a:solidFill>
-                  <a:srgbClr val="FFFFFF"/>
-                </a:solidFill>
-                <a:latin typeface="Helvetica Neue"/>
-                <a:ea typeface="Helvetica Neue"/>
-                <a:cs typeface="Helvetica Neue"/>
-                <a:sym typeface="Helvetica Neue"/>
-              </a:defRPr>
-            </a:lvl5pPr>
-            <a:lvl6pPr lvl="5" marR="0" rtl="0" algn="l">
-              <a:lnSpc>
-                <a:spcPct val="100000"/>
-              </a:lnSpc>
-              <a:spcBef>
-                <a:spcPts val="4200"/>
-              </a:spcBef>
-              <a:spcAft>
-                <a:spcPts val="0"/>
-              </a:spcAft>
-              <a:buClr>
-                <a:srgbClr val="FFFFFF"/>
-              </a:buClr>
-              <a:buSzPts val="4640"/>
-              <a:buFont typeface="Helvetica Neue"/>
-              <a:buChar char="•"/>
-              <a:defRPr b="0" i="0" sz="3200" u="none" cap="none" strike="noStrike">
-                <a:solidFill>
-                  <a:srgbClr val="FFFFFF"/>
-                </a:solidFill>
-                <a:latin typeface="Helvetica Neue"/>
-                <a:ea typeface="Helvetica Neue"/>
-                <a:cs typeface="Helvetica Neue"/>
-                <a:sym typeface="Helvetica Neue"/>
-              </a:defRPr>
-            </a:lvl6pPr>
-            <a:lvl7pPr lvl="6" marR="0" rtl="0" algn="l">
-              <a:lnSpc>
-                <a:spcPct val="100000"/>
-              </a:lnSpc>
-              <a:spcBef>
-                <a:spcPts val="4200"/>
-              </a:spcBef>
-              <a:spcAft>
-                <a:spcPts val="0"/>
-              </a:spcAft>
-              <a:buClr>
-                <a:srgbClr val="FFFFFF"/>
-              </a:buClr>
-              <a:buSzPts val="4640"/>
-              <a:buFont typeface="Helvetica Neue"/>
-              <a:buChar char="•"/>
-              <a:defRPr b="0" i="0" sz="3200" u="none" cap="none" strike="noStrike">
-                <a:solidFill>
-                  <a:srgbClr val="FFFFFF"/>
-                </a:solidFill>
-                <a:latin typeface="Helvetica Neue"/>
-                <a:ea typeface="Helvetica Neue"/>
-                <a:cs typeface="Helvetica Neue"/>
-                <a:sym typeface="Helvetica Neue"/>
-              </a:defRPr>
-            </a:lvl7pPr>
-            <a:lvl8pPr lvl="7" marR="0" rtl="0" algn="l">
-              <a:lnSpc>
-                <a:spcPct val="100000"/>
-              </a:lnSpc>
-              <a:spcBef>
-                <a:spcPts val="4200"/>
-              </a:spcBef>
-              <a:spcAft>
-                <a:spcPts val="0"/>
-              </a:spcAft>
-              <a:buClr>
-                <a:srgbClr val="FFFFFF"/>
-              </a:buClr>
-              <a:buSzPts val="4640"/>
-              <a:buFont typeface="Helvetica Neue"/>
-              <a:buChar char="•"/>
-              <a:defRPr b="0" i="0" sz="3200" u="none" cap="none" strike="noStrike">
-                <a:solidFill>
-                  <a:srgbClr val="FFFFFF"/>
-                </a:solidFill>
-                <a:latin typeface="Helvetica Neue"/>
-                <a:ea typeface="Helvetica Neue"/>
-                <a:cs typeface="Helvetica Neue"/>
-                <a:sym typeface="Helvetica Neue"/>
-              </a:defRPr>
-            </a:lvl8pPr>
-            <a:lvl9pPr lvl="8" marR="0" rtl="0" algn="l">
-              <a:lnSpc>
-                <a:spcPct val="100000"/>
-              </a:lnSpc>
-              <a:spcBef>
-                <a:spcPts val="4200"/>
-              </a:spcBef>
-              <a:spcAft>
-                <a:spcPts val="0"/>
-              </a:spcAft>
-              <a:buClr>
-                <a:srgbClr val="FFFFFF"/>
-              </a:buClr>
-              <a:buSzPts val="4640"/>
-              <a:buFont typeface="Helvetica Neue"/>
-              <a:buChar char="•"/>
-              <a:defRPr b="0" i="0" sz="3200" u="none" cap="none" strike="noStrike">
-                <a:solidFill>
-                  <a:srgbClr val="FFFFFF"/>
-                </a:solidFill>
-                <a:latin typeface="Helvetica Neue"/>
-                <a:ea typeface="Helvetica Neue"/>
-                <a:cs typeface="Helvetica Neue"/>
-                <a:sym typeface="Helvetica Neue"/>
-              </a:defRPr>
-            </a:lvl9pPr>
-          </a:lstStyle>
-          <a:p/>
-        </p:txBody>
       </p:sp>
       <p:sp>
         <p:nvSpPr>
@@ -6930,207 +6280,234 @@
             <a:spAutoFit/>
           </a:bodyPr>
           <a:lstStyle>
-            <a:lvl1pPr indent="0" lvl="0" marL="0" algn="ctr">
-              <a:lnSpc>
-                <a:spcPct val="100000"/>
-              </a:lnSpc>
-              <a:spcBef>
-                <a:spcPts val="0"/>
-              </a:spcBef>
-              <a:spcAft>
-                <a:spcPts val="0"/>
-              </a:spcAft>
-              <a:buClr>
-                <a:srgbClr val="FFFFFF"/>
-              </a:buClr>
-              <a:buSzPts val="1600"/>
-              <a:buFont typeface="Helvetica Neue Light"/>
-              <a:buNone/>
-              <a:defRPr b="0" sz="1600">
+            <a:lvl1pPr indent="0" lvl="0" marL="0" marR="0" algn="ctr">
+              <a:lnSpc>
+                <a:spcPct val="100000"/>
+              </a:lnSpc>
+              <a:spcBef>
+                <a:spcPts val="0"/>
+              </a:spcBef>
+              <a:spcAft>
+                <a:spcPts val="0"/>
+              </a:spcAft>
+              <a:buClr>
+                <a:srgbClr val="FFFFFF"/>
+              </a:buClr>
+              <a:buSzPts val="1600"/>
+              <a:buFont typeface="Helvetica Neue Light"/>
+              <a:buNone/>
+              <a:defRPr b="0" i="0" sz="1600" u="none" cap="none" strike="noStrike">
+                <a:solidFill>
+                  <a:srgbClr val="FFFFFF"/>
+                </a:solidFill>
                 <a:latin typeface="Helvetica Neue Light"/>
                 <a:ea typeface="Helvetica Neue Light"/>
                 <a:cs typeface="Helvetica Neue Light"/>
                 <a:sym typeface="Helvetica Neue Light"/>
               </a:defRPr>
             </a:lvl1pPr>
-            <a:lvl2pPr indent="0" lvl="1" marL="0" algn="ctr">
-              <a:lnSpc>
-                <a:spcPct val="100000"/>
-              </a:lnSpc>
-              <a:spcBef>
-                <a:spcPts val="0"/>
-              </a:spcBef>
-              <a:spcAft>
-                <a:spcPts val="0"/>
-              </a:spcAft>
-              <a:buClr>
-                <a:srgbClr val="FFFFFF"/>
-              </a:buClr>
-              <a:buSzPts val="1600"/>
-              <a:buFont typeface="Helvetica Neue Light"/>
-              <a:buNone/>
-              <a:defRPr b="0" sz="1600">
+            <a:lvl2pPr indent="0" lvl="1" marL="0" marR="0" algn="ctr">
+              <a:lnSpc>
+                <a:spcPct val="100000"/>
+              </a:lnSpc>
+              <a:spcBef>
+                <a:spcPts val="0"/>
+              </a:spcBef>
+              <a:spcAft>
+                <a:spcPts val="0"/>
+              </a:spcAft>
+              <a:buClr>
+                <a:srgbClr val="FFFFFF"/>
+              </a:buClr>
+              <a:buSzPts val="1600"/>
+              <a:buFont typeface="Helvetica Neue Light"/>
+              <a:buNone/>
+              <a:defRPr b="0" i="0" sz="1600" u="none" cap="none" strike="noStrike">
+                <a:solidFill>
+                  <a:srgbClr val="FFFFFF"/>
+                </a:solidFill>
                 <a:latin typeface="Helvetica Neue Light"/>
                 <a:ea typeface="Helvetica Neue Light"/>
                 <a:cs typeface="Helvetica Neue Light"/>
                 <a:sym typeface="Helvetica Neue Light"/>
               </a:defRPr>
             </a:lvl2pPr>
-            <a:lvl3pPr indent="0" lvl="2" marL="0" algn="ctr">
-              <a:lnSpc>
-                <a:spcPct val="100000"/>
-              </a:lnSpc>
-              <a:spcBef>
-                <a:spcPts val="0"/>
-              </a:spcBef>
-              <a:spcAft>
-                <a:spcPts val="0"/>
-              </a:spcAft>
-              <a:buClr>
-                <a:srgbClr val="FFFFFF"/>
-              </a:buClr>
-              <a:buSzPts val="1600"/>
-              <a:buFont typeface="Helvetica Neue Light"/>
-              <a:buNone/>
-              <a:defRPr b="0" sz="1600">
+            <a:lvl3pPr indent="0" lvl="2" marL="0" marR="0" algn="ctr">
+              <a:lnSpc>
+                <a:spcPct val="100000"/>
+              </a:lnSpc>
+              <a:spcBef>
+                <a:spcPts val="0"/>
+              </a:spcBef>
+              <a:spcAft>
+                <a:spcPts val="0"/>
+              </a:spcAft>
+              <a:buClr>
+                <a:srgbClr val="FFFFFF"/>
+              </a:buClr>
+              <a:buSzPts val="1600"/>
+              <a:buFont typeface="Helvetica Neue Light"/>
+              <a:buNone/>
+              <a:defRPr b="0" i="0" sz="1600" u="none" cap="none" strike="noStrike">
+                <a:solidFill>
+                  <a:srgbClr val="FFFFFF"/>
+                </a:solidFill>
                 <a:latin typeface="Helvetica Neue Light"/>
                 <a:ea typeface="Helvetica Neue Light"/>
                 <a:cs typeface="Helvetica Neue Light"/>
                 <a:sym typeface="Helvetica Neue Light"/>
               </a:defRPr>
             </a:lvl3pPr>
-            <a:lvl4pPr indent="0" lvl="3" marL="0" algn="ctr">
-              <a:lnSpc>
-                <a:spcPct val="100000"/>
-              </a:lnSpc>
-              <a:spcBef>
-                <a:spcPts val="0"/>
-              </a:spcBef>
-              <a:spcAft>
-                <a:spcPts val="0"/>
-              </a:spcAft>
-              <a:buClr>
-                <a:srgbClr val="FFFFFF"/>
-              </a:buClr>
-              <a:buSzPts val="1600"/>
-              <a:buFont typeface="Helvetica Neue Light"/>
-              <a:buNone/>
-              <a:defRPr b="0" sz="1600">
+            <a:lvl4pPr indent="0" lvl="3" marL="0" marR="0" algn="ctr">
+              <a:lnSpc>
+                <a:spcPct val="100000"/>
+              </a:lnSpc>
+              <a:spcBef>
+                <a:spcPts val="0"/>
+              </a:spcBef>
+              <a:spcAft>
+                <a:spcPts val="0"/>
+              </a:spcAft>
+              <a:buClr>
+                <a:srgbClr val="FFFFFF"/>
+              </a:buClr>
+              <a:buSzPts val="1600"/>
+              <a:buFont typeface="Helvetica Neue Light"/>
+              <a:buNone/>
+              <a:defRPr b="0" i="0" sz="1600" u="none" cap="none" strike="noStrike">
+                <a:solidFill>
+                  <a:srgbClr val="FFFFFF"/>
+                </a:solidFill>
                 <a:latin typeface="Helvetica Neue Light"/>
                 <a:ea typeface="Helvetica Neue Light"/>
                 <a:cs typeface="Helvetica Neue Light"/>
                 <a:sym typeface="Helvetica Neue Light"/>
               </a:defRPr>
             </a:lvl4pPr>
-            <a:lvl5pPr indent="0" lvl="4" marL="0" algn="ctr">
-              <a:lnSpc>
-                <a:spcPct val="100000"/>
-              </a:lnSpc>
-              <a:spcBef>
-                <a:spcPts val="0"/>
-              </a:spcBef>
-              <a:spcAft>
-                <a:spcPts val="0"/>
-              </a:spcAft>
-              <a:buClr>
-                <a:srgbClr val="FFFFFF"/>
-              </a:buClr>
-              <a:buSzPts val="1600"/>
-              <a:buFont typeface="Helvetica Neue Light"/>
-              <a:buNone/>
-              <a:defRPr b="0" sz="1600">
+            <a:lvl5pPr indent="0" lvl="4" marL="0" marR="0" algn="ctr">
+              <a:lnSpc>
+                <a:spcPct val="100000"/>
+              </a:lnSpc>
+              <a:spcBef>
+                <a:spcPts val="0"/>
+              </a:spcBef>
+              <a:spcAft>
+                <a:spcPts val="0"/>
+              </a:spcAft>
+              <a:buClr>
+                <a:srgbClr val="FFFFFF"/>
+              </a:buClr>
+              <a:buSzPts val="1600"/>
+              <a:buFont typeface="Helvetica Neue Light"/>
+              <a:buNone/>
+              <a:defRPr b="0" i="0" sz="1600" u="none" cap="none" strike="noStrike">
+                <a:solidFill>
+                  <a:srgbClr val="FFFFFF"/>
+                </a:solidFill>
                 <a:latin typeface="Helvetica Neue Light"/>
                 <a:ea typeface="Helvetica Neue Light"/>
                 <a:cs typeface="Helvetica Neue Light"/>
                 <a:sym typeface="Helvetica Neue Light"/>
               </a:defRPr>
             </a:lvl5pPr>
-            <a:lvl6pPr indent="0" lvl="5" marL="0" algn="ctr">
-              <a:lnSpc>
-                <a:spcPct val="100000"/>
-              </a:lnSpc>
-              <a:spcBef>
-                <a:spcPts val="0"/>
-              </a:spcBef>
-              <a:spcAft>
-                <a:spcPts val="0"/>
-              </a:spcAft>
-              <a:buClr>
-                <a:srgbClr val="FFFFFF"/>
-              </a:buClr>
-              <a:buSzPts val="1600"/>
-              <a:buFont typeface="Helvetica Neue Light"/>
-              <a:buNone/>
-              <a:defRPr b="0" sz="1600">
+            <a:lvl6pPr indent="0" lvl="5" marL="0" marR="0" algn="ctr">
+              <a:lnSpc>
+                <a:spcPct val="100000"/>
+              </a:lnSpc>
+              <a:spcBef>
+                <a:spcPts val="0"/>
+              </a:spcBef>
+              <a:spcAft>
+                <a:spcPts val="0"/>
+              </a:spcAft>
+              <a:buClr>
+                <a:srgbClr val="FFFFFF"/>
+              </a:buClr>
+              <a:buSzPts val="1600"/>
+              <a:buFont typeface="Helvetica Neue Light"/>
+              <a:buNone/>
+              <a:defRPr b="0" i="0" sz="1600" u="none" cap="none" strike="noStrike">
+                <a:solidFill>
+                  <a:srgbClr val="FFFFFF"/>
+                </a:solidFill>
                 <a:latin typeface="Helvetica Neue Light"/>
                 <a:ea typeface="Helvetica Neue Light"/>
                 <a:cs typeface="Helvetica Neue Light"/>
                 <a:sym typeface="Helvetica Neue Light"/>
               </a:defRPr>
             </a:lvl6pPr>
-            <a:lvl7pPr indent="0" lvl="6" marL="0" algn="ctr">
-              <a:lnSpc>
-                <a:spcPct val="100000"/>
-              </a:lnSpc>
-              <a:spcBef>
-                <a:spcPts val="0"/>
-              </a:spcBef>
-              <a:spcAft>
-                <a:spcPts val="0"/>
-              </a:spcAft>
-              <a:buClr>
-                <a:srgbClr val="FFFFFF"/>
-              </a:buClr>
-              <a:buSzPts val="1600"/>
-              <a:buFont typeface="Helvetica Neue Light"/>
-              <a:buNone/>
-              <a:defRPr b="0" sz="1600">
+            <a:lvl7pPr indent="0" lvl="6" marL="0" marR="0" algn="ctr">
+              <a:lnSpc>
+                <a:spcPct val="100000"/>
+              </a:lnSpc>
+              <a:spcBef>
+                <a:spcPts val="0"/>
+              </a:spcBef>
+              <a:spcAft>
+                <a:spcPts val="0"/>
+              </a:spcAft>
+              <a:buClr>
+                <a:srgbClr val="FFFFFF"/>
+              </a:buClr>
+              <a:buSzPts val="1600"/>
+              <a:buFont typeface="Helvetica Neue Light"/>
+              <a:buNone/>
+              <a:defRPr b="0" i="0" sz="1600" u="none" cap="none" strike="noStrike">
+                <a:solidFill>
+                  <a:srgbClr val="FFFFFF"/>
+                </a:solidFill>
                 <a:latin typeface="Helvetica Neue Light"/>
                 <a:ea typeface="Helvetica Neue Light"/>
                 <a:cs typeface="Helvetica Neue Light"/>
                 <a:sym typeface="Helvetica Neue Light"/>
               </a:defRPr>
             </a:lvl7pPr>
-            <a:lvl8pPr indent="0" lvl="7" marL="0" algn="ctr">
-              <a:lnSpc>
-                <a:spcPct val="100000"/>
-              </a:lnSpc>
-              <a:spcBef>
-                <a:spcPts val="0"/>
-              </a:spcBef>
-              <a:spcAft>
-                <a:spcPts val="0"/>
-              </a:spcAft>
-              <a:buClr>
-                <a:srgbClr val="FFFFFF"/>
-              </a:buClr>
-              <a:buSzPts val="1600"/>
-              <a:buFont typeface="Helvetica Neue Light"/>
-              <a:buNone/>
-              <a:defRPr b="0" sz="1600">
+            <a:lvl8pPr indent="0" lvl="7" marL="0" marR="0" algn="ctr">
+              <a:lnSpc>
+                <a:spcPct val="100000"/>
+              </a:lnSpc>
+              <a:spcBef>
+                <a:spcPts val="0"/>
+              </a:spcBef>
+              <a:spcAft>
+                <a:spcPts val="0"/>
+              </a:spcAft>
+              <a:buClr>
+                <a:srgbClr val="FFFFFF"/>
+              </a:buClr>
+              <a:buSzPts val="1600"/>
+              <a:buFont typeface="Helvetica Neue Light"/>
+              <a:buNone/>
+              <a:defRPr b="0" i="0" sz="1600" u="none" cap="none" strike="noStrike">
+                <a:solidFill>
+                  <a:srgbClr val="FFFFFF"/>
+                </a:solidFill>
                 <a:latin typeface="Helvetica Neue Light"/>
                 <a:ea typeface="Helvetica Neue Light"/>
                 <a:cs typeface="Helvetica Neue Light"/>
                 <a:sym typeface="Helvetica Neue Light"/>
               </a:defRPr>
             </a:lvl8pPr>
-            <a:lvl9pPr indent="0" lvl="8" marL="0" algn="ctr">
-              <a:lnSpc>
-                <a:spcPct val="100000"/>
-              </a:lnSpc>
-              <a:spcBef>
-                <a:spcPts val="0"/>
-              </a:spcBef>
-              <a:spcAft>
-                <a:spcPts val="0"/>
-              </a:spcAft>
-              <a:buClr>
-                <a:srgbClr val="FFFFFF"/>
-              </a:buClr>
-              <a:buSzPts val="1600"/>
-              <a:buFont typeface="Helvetica Neue Light"/>
-              <a:buNone/>
-              <a:defRPr b="0" sz="1600">
+            <a:lvl9pPr indent="0" lvl="8" marL="0" marR="0" algn="ctr">
+              <a:lnSpc>
+                <a:spcPct val="100000"/>
+              </a:lnSpc>
+              <a:spcBef>
+                <a:spcPts val="0"/>
+              </a:spcBef>
+              <a:spcAft>
+                <a:spcPts val="0"/>
+              </a:spcAft>
+              <a:buClr>
+                <a:srgbClr val="FFFFFF"/>
+              </a:buClr>
+              <a:buSzPts val="1600"/>
+              <a:buFont typeface="Helvetica Neue Light"/>
+              <a:buNone/>
+              <a:defRPr b="0" i="0" sz="1600" u="none" cap="none" strike="noStrike">
+                <a:solidFill>
+                  <a:srgbClr val="FFFFFF"/>
+                </a:solidFill>
                 <a:latin typeface="Helvetica Neue Light"/>
                 <a:ea typeface="Helvetica Neue Light"/>
                 <a:cs typeface="Helvetica Neue Light"/>
@@ -7378,207 +6755,234 @@
             <a:spAutoFit/>
           </a:bodyPr>
           <a:lstStyle>
-            <a:lvl1pPr indent="0" lvl="0" marL="0" algn="ctr">
-              <a:lnSpc>
-                <a:spcPct val="100000"/>
-              </a:lnSpc>
-              <a:spcBef>
-                <a:spcPts val="0"/>
-              </a:spcBef>
-              <a:spcAft>
-                <a:spcPts val="0"/>
-              </a:spcAft>
-              <a:buClr>
-                <a:srgbClr val="FFFFFF"/>
-              </a:buClr>
-              <a:buSzPts val="1600"/>
-              <a:buFont typeface="Helvetica Neue Light"/>
-              <a:buNone/>
-              <a:defRPr b="0" sz="1600">
+            <a:lvl1pPr indent="0" lvl="0" marL="0" marR="0" algn="ctr">
+              <a:lnSpc>
+                <a:spcPct val="100000"/>
+              </a:lnSpc>
+              <a:spcBef>
+                <a:spcPts val="0"/>
+              </a:spcBef>
+              <a:spcAft>
+                <a:spcPts val="0"/>
+              </a:spcAft>
+              <a:buClr>
+                <a:srgbClr val="FFFFFF"/>
+              </a:buClr>
+              <a:buSzPts val="1600"/>
+              <a:buFont typeface="Helvetica Neue Light"/>
+              <a:buNone/>
+              <a:defRPr b="0" i="0" sz="1600" u="none" cap="none" strike="noStrike">
+                <a:solidFill>
+                  <a:srgbClr val="FFFFFF"/>
+                </a:solidFill>
                 <a:latin typeface="Helvetica Neue Light"/>
                 <a:ea typeface="Helvetica Neue Light"/>
                 <a:cs typeface="Helvetica Neue Light"/>
                 <a:sym typeface="Helvetica Neue Light"/>
               </a:defRPr>
             </a:lvl1pPr>
-            <a:lvl2pPr indent="0" lvl="1" marL="0" algn="ctr">
-              <a:lnSpc>
-                <a:spcPct val="100000"/>
-              </a:lnSpc>
-              <a:spcBef>
-                <a:spcPts val="0"/>
-              </a:spcBef>
-              <a:spcAft>
-                <a:spcPts val="0"/>
-              </a:spcAft>
-              <a:buClr>
-                <a:srgbClr val="FFFFFF"/>
-              </a:buClr>
-              <a:buSzPts val="1600"/>
-              <a:buFont typeface="Helvetica Neue Light"/>
-              <a:buNone/>
-              <a:defRPr b="0" sz="1600">
+            <a:lvl2pPr indent="0" lvl="1" marL="0" marR="0" algn="ctr">
+              <a:lnSpc>
+                <a:spcPct val="100000"/>
+              </a:lnSpc>
+              <a:spcBef>
+                <a:spcPts val="0"/>
+              </a:spcBef>
+              <a:spcAft>
+                <a:spcPts val="0"/>
+              </a:spcAft>
+              <a:buClr>
+                <a:srgbClr val="FFFFFF"/>
+              </a:buClr>
+              <a:buSzPts val="1600"/>
+              <a:buFont typeface="Helvetica Neue Light"/>
+              <a:buNone/>
+              <a:defRPr b="0" i="0" sz="1600" u="none" cap="none" strike="noStrike">
+                <a:solidFill>
+                  <a:srgbClr val="FFFFFF"/>
+                </a:solidFill>
                 <a:latin typeface="Helvetica Neue Light"/>
                 <a:ea typeface="Helvetica Neue Light"/>
                 <a:cs typeface="Helvetica Neue Light"/>
                 <a:sym typeface="Helvetica Neue Light"/>
               </a:defRPr>
             </a:lvl2pPr>
-            <a:lvl3pPr indent="0" lvl="2" marL="0" algn="ctr">
-              <a:lnSpc>
-                <a:spcPct val="100000"/>
-              </a:lnSpc>
-              <a:spcBef>
-                <a:spcPts val="0"/>
-              </a:spcBef>
-              <a:spcAft>
-                <a:spcPts val="0"/>
-              </a:spcAft>
-              <a:buClr>
-                <a:srgbClr val="FFFFFF"/>
-              </a:buClr>
-              <a:buSzPts val="1600"/>
-              <a:buFont typeface="Helvetica Neue Light"/>
-              <a:buNone/>
-              <a:defRPr b="0" sz="1600">
+            <a:lvl3pPr indent="0" lvl="2" marL="0" marR="0" algn="ctr">
+              <a:lnSpc>
+                <a:spcPct val="100000"/>
+              </a:lnSpc>
+              <a:spcBef>
+                <a:spcPts val="0"/>
+              </a:spcBef>
+              <a:spcAft>
+                <a:spcPts val="0"/>
+              </a:spcAft>
+              <a:buClr>
+                <a:srgbClr val="FFFFFF"/>
+              </a:buClr>
+              <a:buSzPts val="1600"/>
+              <a:buFont typeface="Helvetica Neue Light"/>
+              <a:buNone/>
+              <a:defRPr b="0" i="0" sz="1600" u="none" cap="none" strike="noStrike">
+                <a:solidFill>
+                  <a:srgbClr val="FFFFFF"/>
+                </a:solidFill>
                 <a:latin typeface="Helvetica Neue Light"/>
                 <a:ea typeface="Helvetica Neue Light"/>
                 <a:cs typeface="Helvetica Neue Light"/>
                 <a:sym typeface="Helvetica Neue Light"/>
               </a:defRPr>
             </a:lvl3pPr>
-            <a:lvl4pPr indent="0" lvl="3" marL="0" algn="ctr">
-              <a:lnSpc>
-                <a:spcPct val="100000"/>
-              </a:lnSpc>
-              <a:spcBef>
-                <a:spcPts val="0"/>
-              </a:spcBef>
-              <a:spcAft>
-                <a:spcPts val="0"/>
-              </a:spcAft>
-              <a:buClr>
-                <a:srgbClr val="FFFFFF"/>
-              </a:buClr>
-              <a:buSzPts val="1600"/>
-              <a:buFont typeface="Helvetica Neue Light"/>
-              <a:buNone/>
-              <a:defRPr b="0" sz="1600">
+            <a:lvl4pPr indent="0" lvl="3" marL="0" marR="0" algn="ctr">
+              <a:lnSpc>
+                <a:spcPct val="100000"/>
+              </a:lnSpc>
+              <a:spcBef>
+                <a:spcPts val="0"/>
+              </a:spcBef>
+              <a:spcAft>
+                <a:spcPts val="0"/>
+              </a:spcAft>
+              <a:buClr>
+                <a:srgbClr val="FFFFFF"/>
+              </a:buClr>
+              <a:buSzPts val="1600"/>
+              <a:buFont typeface="Helvetica Neue Light"/>
+              <a:buNone/>
+              <a:defRPr b="0" i="0" sz="1600" u="none" cap="none" strike="noStrike">
+                <a:solidFill>
+                  <a:srgbClr val="FFFFFF"/>
+                </a:solidFill>
                 <a:latin typeface="Helvetica Neue Light"/>
                 <a:ea typeface="Helvetica Neue Light"/>
                 <a:cs typeface="Helvetica Neue Light"/>
                 <a:sym typeface="Helvetica Neue Light"/>
               </a:defRPr>
             </a:lvl4pPr>
-            <a:lvl5pPr indent="0" lvl="4" marL="0" algn="ctr">
-              <a:lnSpc>
-                <a:spcPct val="100000"/>
-              </a:lnSpc>
-              <a:spcBef>
-                <a:spcPts val="0"/>
-              </a:spcBef>
-              <a:spcAft>
-                <a:spcPts val="0"/>
-              </a:spcAft>
-              <a:buClr>
-                <a:srgbClr val="FFFFFF"/>
-              </a:buClr>
-              <a:buSzPts val="1600"/>
-              <a:buFont typeface="Helvetica Neue Light"/>
-              <a:buNone/>
-              <a:defRPr b="0" sz="1600">
+            <a:lvl5pPr indent="0" lvl="4" marL="0" marR="0" algn="ctr">
+              <a:lnSpc>
+                <a:spcPct val="100000"/>
+              </a:lnSpc>
+              <a:spcBef>
+                <a:spcPts val="0"/>
+              </a:spcBef>
+              <a:spcAft>
+                <a:spcPts val="0"/>
+              </a:spcAft>
+              <a:buClr>
+                <a:srgbClr val="FFFFFF"/>
+              </a:buClr>
+              <a:buSzPts val="1600"/>
+              <a:buFont typeface="Helvetica Neue Light"/>
+              <a:buNone/>
+              <a:defRPr b="0" i="0" sz="1600" u="none" cap="none" strike="noStrike">
+                <a:solidFill>
+                  <a:srgbClr val="FFFFFF"/>
+                </a:solidFill>
                 <a:latin typeface="Helvetica Neue Light"/>
                 <a:ea typeface="Helvetica Neue Light"/>
                 <a:cs typeface="Helvetica Neue Light"/>
                 <a:sym typeface="Helvetica Neue Light"/>
               </a:defRPr>
             </a:lvl5pPr>
-            <a:lvl6pPr indent="0" lvl="5" marL="0" algn="ctr">
-              <a:lnSpc>
-                <a:spcPct val="100000"/>
-              </a:lnSpc>
-              <a:spcBef>
-                <a:spcPts val="0"/>
-              </a:spcBef>
-              <a:spcAft>
-                <a:spcPts val="0"/>
-              </a:spcAft>
-              <a:buClr>
-                <a:srgbClr val="FFFFFF"/>
-              </a:buClr>
-              <a:buSzPts val="1600"/>
-              <a:buFont typeface="Helvetica Neue Light"/>
-              <a:buNone/>
-              <a:defRPr b="0" sz="1600">
+            <a:lvl6pPr indent="0" lvl="5" marL="0" marR="0" algn="ctr">
+              <a:lnSpc>
+                <a:spcPct val="100000"/>
+              </a:lnSpc>
+              <a:spcBef>
+                <a:spcPts val="0"/>
+              </a:spcBef>
+              <a:spcAft>
+                <a:spcPts val="0"/>
+              </a:spcAft>
+              <a:buClr>
+                <a:srgbClr val="FFFFFF"/>
+              </a:buClr>
+              <a:buSzPts val="1600"/>
+              <a:buFont typeface="Helvetica Neue Light"/>
+              <a:buNone/>
+              <a:defRPr b="0" i="0" sz="1600" u="none" cap="none" strike="noStrike">
+                <a:solidFill>
+                  <a:srgbClr val="FFFFFF"/>
+                </a:solidFill>
                 <a:latin typeface="Helvetica Neue Light"/>
                 <a:ea typeface="Helvetica Neue Light"/>
                 <a:cs typeface="Helvetica Neue Light"/>
                 <a:sym typeface="Helvetica Neue Light"/>
               </a:defRPr>
             </a:lvl6pPr>
-            <a:lvl7pPr indent="0" lvl="6" marL="0" algn="ctr">
-              <a:lnSpc>
-                <a:spcPct val="100000"/>
-              </a:lnSpc>
-              <a:spcBef>
-                <a:spcPts val="0"/>
-              </a:spcBef>
-              <a:spcAft>
-                <a:spcPts val="0"/>
-              </a:spcAft>
-              <a:buClr>
-                <a:srgbClr val="FFFFFF"/>
-              </a:buClr>
-              <a:buSzPts val="1600"/>
-              <a:buFont typeface="Helvetica Neue Light"/>
-              <a:buNone/>
-              <a:defRPr b="0" sz="1600">
+            <a:lvl7pPr indent="0" lvl="6" marL="0" marR="0" algn="ctr">
+              <a:lnSpc>
+                <a:spcPct val="100000"/>
+              </a:lnSpc>
+              <a:spcBef>
+                <a:spcPts val="0"/>
+              </a:spcBef>
+              <a:spcAft>
+                <a:spcPts val="0"/>
+              </a:spcAft>
+              <a:buClr>
+                <a:srgbClr val="FFFFFF"/>
+              </a:buClr>
+              <a:buSzPts val="1600"/>
+              <a:buFont typeface="Helvetica Neue Light"/>
+              <a:buNone/>
+              <a:defRPr b="0" i="0" sz="1600" u="none" cap="none" strike="noStrike">
+                <a:solidFill>
+                  <a:srgbClr val="FFFFFF"/>
+                </a:solidFill>
                 <a:latin typeface="Helvetica Neue Light"/>
                 <a:ea typeface="Helvetica Neue Light"/>
                 <a:cs typeface="Helvetica Neue Light"/>
                 <a:sym typeface="Helvetica Neue Light"/>
               </a:defRPr>
             </a:lvl7pPr>
-            <a:lvl8pPr indent="0" lvl="7" marL="0" algn="ctr">
-              <a:lnSpc>
-                <a:spcPct val="100000"/>
-              </a:lnSpc>
-              <a:spcBef>
-                <a:spcPts val="0"/>
-              </a:spcBef>
-              <a:spcAft>
-                <a:spcPts val="0"/>
-              </a:spcAft>
-              <a:buClr>
-                <a:srgbClr val="FFFFFF"/>
-              </a:buClr>
-              <a:buSzPts val="1600"/>
-              <a:buFont typeface="Helvetica Neue Light"/>
-              <a:buNone/>
-              <a:defRPr b="0" sz="1600">
+            <a:lvl8pPr indent="0" lvl="7" marL="0" marR="0" algn="ctr">
+              <a:lnSpc>
+                <a:spcPct val="100000"/>
+              </a:lnSpc>
+              <a:spcBef>
+                <a:spcPts val="0"/>
+              </a:spcBef>
+              <a:spcAft>
+                <a:spcPts val="0"/>
+              </a:spcAft>
+              <a:buClr>
+                <a:srgbClr val="FFFFFF"/>
+              </a:buClr>
+              <a:buSzPts val="1600"/>
+              <a:buFont typeface="Helvetica Neue Light"/>
+              <a:buNone/>
+              <a:defRPr b="0" i="0" sz="1600" u="none" cap="none" strike="noStrike">
+                <a:solidFill>
+                  <a:srgbClr val="FFFFFF"/>
+                </a:solidFill>
                 <a:latin typeface="Helvetica Neue Light"/>
                 <a:ea typeface="Helvetica Neue Light"/>
                 <a:cs typeface="Helvetica Neue Light"/>
                 <a:sym typeface="Helvetica Neue Light"/>
               </a:defRPr>
             </a:lvl8pPr>
-            <a:lvl9pPr indent="0" lvl="8" marL="0" algn="ctr">
-              <a:lnSpc>
-                <a:spcPct val="100000"/>
-              </a:lnSpc>
-              <a:spcBef>
-                <a:spcPts val="0"/>
-              </a:spcBef>
-              <a:spcAft>
-                <a:spcPts val="0"/>
-              </a:spcAft>
-              <a:buClr>
-                <a:srgbClr val="FFFFFF"/>
-              </a:buClr>
-              <a:buSzPts val="1600"/>
-              <a:buFont typeface="Helvetica Neue Light"/>
-              <a:buNone/>
-              <a:defRPr b="0" sz="1600">
+            <a:lvl9pPr indent="0" lvl="8" marL="0" marR="0" algn="ctr">
+              <a:lnSpc>
+                <a:spcPct val="100000"/>
+              </a:lnSpc>
+              <a:spcBef>
+                <a:spcPts val="0"/>
+              </a:spcBef>
+              <a:spcAft>
+                <a:spcPts val="0"/>
+              </a:spcAft>
+              <a:buClr>
+                <a:srgbClr val="FFFFFF"/>
+              </a:buClr>
+              <a:buSzPts val="1600"/>
+              <a:buFont typeface="Helvetica Neue Light"/>
+              <a:buNone/>
+              <a:defRPr b="0" i="0" sz="1600" u="none" cap="none" strike="noStrike">
+                <a:solidFill>
+                  <a:srgbClr val="FFFFFF"/>
+                </a:solidFill>
                 <a:latin typeface="Helvetica Neue Light"/>
                 <a:ea typeface="Helvetica Neue Light"/>
                 <a:cs typeface="Helvetica Neue Light"/>
@@ -7650,248 +7054,6 @@
             <a:noFill/>
           </a:ln>
         </p:spPr>
-        <p:txBody>
-          <a:bodyPr anchorCtr="0" anchor="t" bIns="45700" lIns="91425" spcFirstLastPara="1" rIns="91425" wrap="square" tIns="45700">
-            <a:noAutofit/>
-          </a:bodyPr>
-          <a:lstStyle>
-            <a:lvl1pPr lvl="0" marR="0" rtl="0" algn="l">
-              <a:lnSpc>
-                <a:spcPct val="100000"/>
-              </a:lnSpc>
-              <a:spcBef>
-                <a:spcPts val="4200"/>
-              </a:spcBef>
-              <a:spcAft>
-                <a:spcPts val="0"/>
-              </a:spcAft>
-              <a:buClr>
-                <a:srgbClr val="FFFFFF"/>
-              </a:buClr>
-              <a:buSzPts val="4640"/>
-              <a:buFont typeface="Helvetica Neue"/>
-              <a:buChar char="•"/>
-              <a:defRPr b="0" i="0" sz="3200" u="none" cap="none" strike="noStrike">
-                <a:solidFill>
-                  <a:srgbClr val="FFFFFF"/>
-                </a:solidFill>
-                <a:latin typeface="Helvetica Neue"/>
-                <a:ea typeface="Helvetica Neue"/>
-                <a:cs typeface="Helvetica Neue"/>
-                <a:sym typeface="Helvetica Neue"/>
-              </a:defRPr>
-            </a:lvl1pPr>
-            <a:lvl2pPr lvl="1" marR="0" rtl="0" algn="l">
-              <a:lnSpc>
-                <a:spcPct val="100000"/>
-              </a:lnSpc>
-              <a:spcBef>
-                <a:spcPts val="4200"/>
-              </a:spcBef>
-              <a:spcAft>
-                <a:spcPts val="0"/>
-              </a:spcAft>
-              <a:buClr>
-                <a:srgbClr val="FFFFFF"/>
-              </a:buClr>
-              <a:buSzPts val="4640"/>
-              <a:buFont typeface="Helvetica Neue"/>
-              <a:buChar char="•"/>
-              <a:defRPr b="0" i="0" sz="3200" u="none" cap="none" strike="noStrike">
-                <a:solidFill>
-                  <a:srgbClr val="FFFFFF"/>
-                </a:solidFill>
-                <a:latin typeface="Helvetica Neue"/>
-                <a:ea typeface="Helvetica Neue"/>
-                <a:cs typeface="Helvetica Neue"/>
-                <a:sym typeface="Helvetica Neue"/>
-              </a:defRPr>
-            </a:lvl2pPr>
-            <a:lvl3pPr lvl="2" marR="0" rtl="0" algn="l">
-              <a:lnSpc>
-                <a:spcPct val="100000"/>
-              </a:lnSpc>
-              <a:spcBef>
-                <a:spcPts val="4200"/>
-              </a:spcBef>
-              <a:spcAft>
-                <a:spcPts val="0"/>
-              </a:spcAft>
-              <a:buClr>
-                <a:srgbClr val="FFFFFF"/>
-              </a:buClr>
-              <a:buSzPts val="4640"/>
-              <a:buFont typeface="Helvetica Neue"/>
-              <a:buChar char="•"/>
-              <a:defRPr b="0" i="0" sz="3200" u="none" cap="none" strike="noStrike">
-                <a:solidFill>
-                  <a:srgbClr val="FFFFFF"/>
-                </a:solidFill>
-                <a:latin typeface="Helvetica Neue"/>
-                <a:ea typeface="Helvetica Neue"/>
-                <a:cs typeface="Helvetica Neue"/>
-                <a:sym typeface="Helvetica Neue"/>
-              </a:defRPr>
-            </a:lvl3pPr>
-            <a:lvl4pPr lvl="3" marR="0" rtl="0" algn="l">
-              <a:lnSpc>
-                <a:spcPct val="100000"/>
-              </a:lnSpc>
-              <a:spcBef>
-                <a:spcPts val="4200"/>
-              </a:spcBef>
-              <a:spcAft>
-                <a:spcPts val="0"/>
-              </a:spcAft>
-              <a:buClr>
-                <a:srgbClr val="FFFFFF"/>
-              </a:buClr>
-              <a:buSzPts val="4640"/>
-              <a:buFont typeface="Helvetica Neue"/>
-              <a:buChar char="•"/>
-              <a:defRPr b="0" i="0" sz="3200" u="none" cap="none" strike="noStrike">
-                <a:solidFill>
-                  <a:srgbClr val="FFFFFF"/>
-                </a:solidFill>
-                <a:latin typeface="Helvetica Neue"/>
-                <a:ea typeface="Helvetica Neue"/>
-                <a:cs typeface="Helvetica Neue"/>
-                <a:sym typeface="Helvetica Neue"/>
-              </a:defRPr>
-            </a:lvl4pPr>
-            <a:lvl5pPr lvl="4" marR="0" rtl="0" algn="l">
-              <a:lnSpc>
-                <a:spcPct val="100000"/>
-              </a:lnSpc>
-              <a:spcBef>
-                <a:spcPts val="4200"/>
-              </a:spcBef>
-              <a:spcAft>
-                <a:spcPts val="0"/>
-              </a:spcAft>
-              <a:buClr>
-                <a:srgbClr val="FFFFFF"/>
-              </a:buClr>
-              <a:buSzPts val="4640"/>
-              <a:buFont typeface="Helvetica Neue"/>
-              <a:buChar char="•"/>
-              <a:defRPr b="0" i="0" sz="3200" u="none" cap="none" strike="noStrike">
-                <a:solidFill>
-                  <a:srgbClr val="FFFFFF"/>
-                </a:solidFill>
-                <a:latin typeface="Helvetica Neue"/>
-                <a:ea typeface="Helvetica Neue"/>
-                <a:cs typeface="Helvetica Neue"/>
-                <a:sym typeface="Helvetica Neue"/>
-              </a:defRPr>
-            </a:lvl5pPr>
-            <a:lvl6pPr lvl="5" marR="0" rtl="0" algn="l">
-              <a:lnSpc>
-                <a:spcPct val="100000"/>
-              </a:lnSpc>
-              <a:spcBef>
-                <a:spcPts val="4200"/>
-              </a:spcBef>
-              <a:spcAft>
-                <a:spcPts val="0"/>
-              </a:spcAft>
-              <a:buClr>
-                <a:srgbClr val="FFFFFF"/>
-              </a:buClr>
-              <a:buSzPts val="4640"/>
-              <a:buFont typeface="Helvetica Neue"/>
-              <a:buChar char="•"/>
-              <a:defRPr b="0" i="0" sz="3200" u="none" cap="none" strike="noStrike">
-                <a:solidFill>
-                  <a:srgbClr val="FFFFFF"/>
-                </a:solidFill>
-                <a:latin typeface="Helvetica Neue"/>
-                <a:ea typeface="Helvetica Neue"/>
-                <a:cs typeface="Helvetica Neue"/>
-                <a:sym typeface="Helvetica Neue"/>
-              </a:defRPr>
-            </a:lvl6pPr>
-            <a:lvl7pPr lvl="6" marR="0" rtl="0" algn="l">
-              <a:lnSpc>
-                <a:spcPct val="100000"/>
-              </a:lnSpc>
-              <a:spcBef>
-                <a:spcPts val="4200"/>
-              </a:spcBef>
-              <a:spcAft>
-                <a:spcPts val="0"/>
-              </a:spcAft>
-              <a:buClr>
-                <a:srgbClr val="FFFFFF"/>
-              </a:buClr>
-              <a:buSzPts val="4640"/>
-              <a:buFont typeface="Helvetica Neue"/>
-              <a:buChar char="•"/>
-              <a:defRPr b="0" i="0" sz="3200" u="none" cap="none" strike="noStrike">
-                <a:solidFill>
-                  <a:srgbClr val="FFFFFF"/>
-                </a:solidFill>
-                <a:latin typeface="Helvetica Neue"/>
-                <a:ea typeface="Helvetica Neue"/>
-                <a:cs typeface="Helvetica Neue"/>
-                <a:sym typeface="Helvetica Neue"/>
-              </a:defRPr>
-            </a:lvl7pPr>
-            <a:lvl8pPr lvl="7" marR="0" rtl="0" algn="l">
-              <a:lnSpc>
-                <a:spcPct val="100000"/>
-              </a:lnSpc>
-              <a:spcBef>
-                <a:spcPts val="4200"/>
-              </a:spcBef>
-              <a:spcAft>
-                <a:spcPts val="0"/>
-              </a:spcAft>
-              <a:buClr>
-                <a:srgbClr val="FFFFFF"/>
-              </a:buClr>
-              <a:buSzPts val="4640"/>
-              <a:buFont typeface="Helvetica Neue"/>
-              <a:buChar char="•"/>
-              <a:defRPr b="0" i="0" sz="3200" u="none" cap="none" strike="noStrike">
-                <a:solidFill>
-                  <a:srgbClr val="FFFFFF"/>
-                </a:solidFill>
-                <a:latin typeface="Helvetica Neue"/>
-                <a:ea typeface="Helvetica Neue"/>
-                <a:cs typeface="Helvetica Neue"/>
-                <a:sym typeface="Helvetica Neue"/>
-              </a:defRPr>
-            </a:lvl8pPr>
-            <a:lvl9pPr lvl="8" marR="0" rtl="0" algn="l">
-              <a:lnSpc>
-                <a:spcPct val="100000"/>
-              </a:lnSpc>
-              <a:spcBef>
-                <a:spcPts val="4200"/>
-              </a:spcBef>
-              <a:spcAft>
-                <a:spcPts val="0"/>
-              </a:spcAft>
-              <a:buClr>
-                <a:srgbClr val="FFFFFF"/>
-              </a:buClr>
-              <a:buSzPts val="4640"/>
-              <a:buFont typeface="Helvetica Neue"/>
-              <a:buChar char="•"/>
-              <a:defRPr b="0" i="0" sz="3200" u="none" cap="none" strike="noStrike">
-                <a:solidFill>
-                  <a:srgbClr val="FFFFFF"/>
-                </a:solidFill>
-                <a:latin typeface="Helvetica Neue"/>
-                <a:ea typeface="Helvetica Neue"/>
-                <a:cs typeface="Helvetica Neue"/>
-                <a:sym typeface="Helvetica Neue"/>
-              </a:defRPr>
-            </a:lvl9pPr>
-          </a:lstStyle>
-          <a:p/>
-        </p:txBody>
       </p:sp>
       <p:sp>
         <p:nvSpPr>
@@ -7914,248 +7076,6 @@
             <a:noFill/>
           </a:ln>
         </p:spPr>
-        <p:txBody>
-          <a:bodyPr anchorCtr="0" anchor="t" bIns="45700" lIns="91425" spcFirstLastPara="1" rIns="91425" wrap="square" tIns="45700">
-            <a:noAutofit/>
-          </a:bodyPr>
-          <a:lstStyle>
-            <a:lvl1pPr lvl="0" marR="0" rtl="0" algn="l">
-              <a:lnSpc>
-                <a:spcPct val="100000"/>
-              </a:lnSpc>
-              <a:spcBef>
-                <a:spcPts val="4200"/>
-              </a:spcBef>
-              <a:spcAft>
-                <a:spcPts val="0"/>
-              </a:spcAft>
-              <a:buClr>
-                <a:srgbClr val="FFFFFF"/>
-              </a:buClr>
-              <a:buSzPts val="4640"/>
-              <a:buFont typeface="Helvetica Neue"/>
-              <a:buChar char="•"/>
-              <a:defRPr b="0" i="0" sz="3200" u="none" cap="none" strike="noStrike">
-                <a:solidFill>
-                  <a:srgbClr val="FFFFFF"/>
-                </a:solidFill>
-                <a:latin typeface="Helvetica Neue"/>
-                <a:ea typeface="Helvetica Neue"/>
-                <a:cs typeface="Helvetica Neue"/>
-                <a:sym typeface="Helvetica Neue"/>
-              </a:defRPr>
-            </a:lvl1pPr>
-            <a:lvl2pPr lvl="1" marR="0" rtl="0" algn="l">
-              <a:lnSpc>
-                <a:spcPct val="100000"/>
-              </a:lnSpc>
-              <a:spcBef>
-                <a:spcPts val="4200"/>
-              </a:spcBef>
-              <a:spcAft>
-                <a:spcPts val="0"/>
-              </a:spcAft>
-              <a:buClr>
-                <a:srgbClr val="FFFFFF"/>
-              </a:buClr>
-              <a:buSzPts val="4640"/>
-              <a:buFont typeface="Helvetica Neue"/>
-              <a:buChar char="•"/>
-              <a:defRPr b="0" i="0" sz="3200" u="none" cap="none" strike="noStrike">
-                <a:solidFill>
-                  <a:srgbClr val="FFFFFF"/>
-                </a:solidFill>
-                <a:latin typeface="Helvetica Neue"/>
-                <a:ea typeface="Helvetica Neue"/>
-                <a:cs typeface="Helvetica Neue"/>
-                <a:sym typeface="Helvetica Neue"/>
-              </a:defRPr>
-            </a:lvl2pPr>
-            <a:lvl3pPr lvl="2" marR="0" rtl="0" algn="l">
-              <a:lnSpc>
-                <a:spcPct val="100000"/>
-              </a:lnSpc>
-              <a:spcBef>
-                <a:spcPts val="4200"/>
-              </a:spcBef>
-              <a:spcAft>
-                <a:spcPts val="0"/>
-              </a:spcAft>
-              <a:buClr>
-                <a:srgbClr val="FFFFFF"/>
-              </a:buClr>
-              <a:buSzPts val="4640"/>
-              <a:buFont typeface="Helvetica Neue"/>
-              <a:buChar char="•"/>
-              <a:defRPr b="0" i="0" sz="3200" u="none" cap="none" strike="noStrike">
-                <a:solidFill>
-                  <a:srgbClr val="FFFFFF"/>
-                </a:solidFill>
-                <a:latin typeface="Helvetica Neue"/>
-                <a:ea typeface="Helvetica Neue"/>
-                <a:cs typeface="Helvetica Neue"/>
-                <a:sym typeface="Helvetica Neue"/>
-              </a:defRPr>
-            </a:lvl3pPr>
-            <a:lvl4pPr lvl="3" marR="0" rtl="0" algn="l">
-              <a:lnSpc>
-                <a:spcPct val="100000"/>
-              </a:lnSpc>
-              <a:spcBef>
-                <a:spcPts val="4200"/>
-              </a:spcBef>
-              <a:spcAft>
-                <a:spcPts val="0"/>
-              </a:spcAft>
-              <a:buClr>
-                <a:srgbClr val="FFFFFF"/>
-              </a:buClr>
-              <a:buSzPts val="4640"/>
-              <a:buFont typeface="Helvetica Neue"/>
-              <a:buChar char="•"/>
-              <a:defRPr b="0" i="0" sz="3200" u="none" cap="none" strike="noStrike">
-                <a:solidFill>
-                  <a:srgbClr val="FFFFFF"/>
-                </a:solidFill>
-                <a:latin typeface="Helvetica Neue"/>
-                <a:ea typeface="Helvetica Neue"/>
-                <a:cs typeface="Helvetica Neue"/>
-                <a:sym typeface="Helvetica Neue"/>
-              </a:defRPr>
-            </a:lvl4pPr>
-            <a:lvl5pPr lvl="4" marR="0" rtl="0" algn="l">
-              <a:lnSpc>
-                <a:spcPct val="100000"/>
-              </a:lnSpc>
-              <a:spcBef>
-                <a:spcPts val="4200"/>
-              </a:spcBef>
-              <a:spcAft>
-                <a:spcPts val="0"/>
-              </a:spcAft>
-              <a:buClr>
-                <a:srgbClr val="FFFFFF"/>
-              </a:buClr>
-              <a:buSzPts val="4640"/>
-              <a:buFont typeface="Helvetica Neue"/>
-              <a:buChar char="•"/>
-              <a:defRPr b="0" i="0" sz="3200" u="none" cap="none" strike="noStrike">
-                <a:solidFill>
-                  <a:srgbClr val="FFFFFF"/>
-                </a:solidFill>
-                <a:latin typeface="Helvetica Neue"/>
-                <a:ea typeface="Helvetica Neue"/>
-                <a:cs typeface="Helvetica Neue"/>
-                <a:sym typeface="Helvetica Neue"/>
-              </a:defRPr>
-            </a:lvl5pPr>
-            <a:lvl6pPr lvl="5" marR="0" rtl="0" algn="l">
-              <a:lnSpc>
-                <a:spcPct val="100000"/>
-              </a:lnSpc>
-              <a:spcBef>
-                <a:spcPts val="4200"/>
-              </a:spcBef>
-              <a:spcAft>
-                <a:spcPts val="0"/>
-              </a:spcAft>
-              <a:buClr>
-                <a:srgbClr val="FFFFFF"/>
-              </a:buClr>
-              <a:buSzPts val="4640"/>
-              <a:buFont typeface="Helvetica Neue"/>
-              <a:buChar char="•"/>
-              <a:defRPr b="0" i="0" sz="3200" u="none" cap="none" strike="noStrike">
-                <a:solidFill>
-                  <a:srgbClr val="FFFFFF"/>
-                </a:solidFill>
-                <a:latin typeface="Helvetica Neue"/>
-                <a:ea typeface="Helvetica Neue"/>
-                <a:cs typeface="Helvetica Neue"/>
-                <a:sym typeface="Helvetica Neue"/>
-              </a:defRPr>
-            </a:lvl6pPr>
-            <a:lvl7pPr lvl="6" marR="0" rtl="0" algn="l">
-              <a:lnSpc>
-                <a:spcPct val="100000"/>
-              </a:lnSpc>
-              <a:spcBef>
-                <a:spcPts val="4200"/>
-              </a:spcBef>
-              <a:spcAft>
-                <a:spcPts val="0"/>
-              </a:spcAft>
-              <a:buClr>
-                <a:srgbClr val="FFFFFF"/>
-              </a:buClr>
-              <a:buSzPts val="4640"/>
-              <a:buFont typeface="Helvetica Neue"/>
-              <a:buChar char="•"/>
-              <a:defRPr b="0" i="0" sz="3200" u="none" cap="none" strike="noStrike">
-                <a:solidFill>
-                  <a:srgbClr val="FFFFFF"/>
-                </a:solidFill>
-                <a:latin typeface="Helvetica Neue"/>
-                <a:ea typeface="Helvetica Neue"/>
-                <a:cs typeface="Helvetica Neue"/>
-                <a:sym typeface="Helvetica Neue"/>
-              </a:defRPr>
-            </a:lvl7pPr>
-            <a:lvl8pPr lvl="7" marR="0" rtl="0" algn="l">
-              <a:lnSpc>
-                <a:spcPct val="100000"/>
-              </a:lnSpc>
-              <a:spcBef>
-                <a:spcPts val="4200"/>
-              </a:spcBef>
-              <a:spcAft>
-                <a:spcPts val="0"/>
-              </a:spcAft>
-              <a:buClr>
-                <a:srgbClr val="FFFFFF"/>
-              </a:buClr>
-              <a:buSzPts val="4640"/>
-              <a:buFont typeface="Helvetica Neue"/>
-              <a:buChar char="•"/>
-              <a:defRPr b="0" i="0" sz="3200" u="none" cap="none" strike="noStrike">
-                <a:solidFill>
-                  <a:srgbClr val="FFFFFF"/>
-                </a:solidFill>
-                <a:latin typeface="Helvetica Neue"/>
-                <a:ea typeface="Helvetica Neue"/>
-                <a:cs typeface="Helvetica Neue"/>
-                <a:sym typeface="Helvetica Neue"/>
-              </a:defRPr>
-            </a:lvl8pPr>
-            <a:lvl9pPr lvl="8" marR="0" rtl="0" algn="l">
-              <a:lnSpc>
-                <a:spcPct val="100000"/>
-              </a:lnSpc>
-              <a:spcBef>
-                <a:spcPts val="4200"/>
-              </a:spcBef>
-              <a:spcAft>
-                <a:spcPts val="0"/>
-              </a:spcAft>
-              <a:buClr>
-                <a:srgbClr val="FFFFFF"/>
-              </a:buClr>
-              <a:buSzPts val="4640"/>
-              <a:buFont typeface="Helvetica Neue"/>
-              <a:buChar char="•"/>
-              <a:defRPr b="0" i="0" sz="3200" u="none" cap="none" strike="noStrike">
-                <a:solidFill>
-                  <a:srgbClr val="FFFFFF"/>
-                </a:solidFill>
-                <a:latin typeface="Helvetica Neue"/>
-                <a:ea typeface="Helvetica Neue"/>
-                <a:cs typeface="Helvetica Neue"/>
-                <a:sym typeface="Helvetica Neue"/>
-              </a:defRPr>
-            </a:lvl9pPr>
-          </a:lstStyle>
-          <a:p/>
-        </p:txBody>
       </p:sp>
       <p:sp>
         <p:nvSpPr>
@@ -8178,248 +7098,6 @@
             <a:noFill/>
           </a:ln>
         </p:spPr>
-        <p:txBody>
-          <a:bodyPr anchorCtr="0" anchor="t" bIns="45700" lIns="91425" spcFirstLastPara="1" rIns="91425" wrap="square" tIns="45700">
-            <a:noAutofit/>
-          </a:bodyPr>
-          <a:lstStyle>
-            <a:lvl1pPr lvl="0" marR="0" rtl="0" algn="l">
-              <a:lnSpc>
-                <a:spcPct val="100000"/>
-              </a:lnSpc>
-              <a:spcBef>
-                <a:spcPts val="4200"/>
-              </a:spcBef>
-              <a:spcAft>
-                <a:spcPts val="0"/>
-              </a:spcAft>
-              <a:buClr>
-                <a:srgbClr val="FFFFFF"/>
-              </a:buClr>
-              <a:buSzPts val="4640"/>
-              <a:buFont typeface="Helvetica Neue"/>
-              <a:buChar char="•"/>
-              <a:defRPr b="0" i="0" sz="3200" u="none" cap="none" strike="noStrike">
-                <a:solidFill>
-                  <a:srgbClr val="FFFFFF"/>
-                </a:solidFill>
-                <a:latin typeface="Helvetica Neue"/>
-                <a:ea typeface="Helvetica Neue"/>
-                <a:cs typeface="Helvetica Neue"/>
-                <a:sym typeface="Helvetica Neue"/>
-              </a:defRPr>
-            </a:lvl1pPr>
-            <a:lvl2pPr lvl="1" marR="0" rtl="0" algn="l">
-              <a:lnSpc>
-                <a:spcPct val="100000"/>
-              </a:lnSpc>
-              <a:spcBef>
-                <a:spcPts val="4200"/>
-              </a:spcBef>
-              <a:spcAft>
-                <a:spcPts val="0"/>
-              </a:spcAft>
-              <a:buClr>
-                <a:srgbClr val="FFFFFF"/>
-              </a:buClr>
-              <a:buSzPts val="4640"/>
-              <a:buFont typeface="Helvetica Neue"/>
-              <a:buChar char="•"/>
-              <a:defRPr b="0" i="0" sz="3200" u="none" cap="none" strike="noStrike">
-                <a:solidFill>
-                  <a:srgbClr val="FFFFFF"/>
-                </a:solidFill>
-                <a:latin typeface="Helvetica Neue"/>
-                <a:ea typeface="Helvetica Neue"/>
-                <a:cs typeface="Helvetica Neue"/>
-                <a:sym typeface="Helvetica Neue"/>
-              </a:defRPr>
-            </a:lvl2pPr>
-            <a:lvl3pPr lvl="2" marR="0" rtl="0" algn="l">
-              <a:lnSpc>
-                <a:spcPct val="100000"/>
-              </a:lnSpc>
-              <a:spcBef>
-                <a:spcPts val="4200"/>
-              </a:spcBef>
-              <a:spcAft>
-                <a:spcPts val="0"/>
-              </a:spcAft>
-              <a:buClr>
-                <a:srgbClr val="FFFFFF"/>
-              </a:buClr>
-              <a:buSzPts val="4640"/>
-              <a:buFont typeface="Helvetica Neue"/>
-              <a:buChar char="•"/>
-              <a:defRPr b="0" i="0" sz="3200" u="none" cap="none" strike="noStrike">
-                <a:solidFill>
-                  <a:srgbClr val="FFFFFF"/>
-                </a:solidFill>
-                <a:latin typeface="Helvetica Neue"/>
-                <a:ea typeface="Helvetica Neue"/>
-                <a:cs typeface="Helvetica Neue"/>
-                <a:sym typeface="Helvetica Neue"/>
-              </a:defRPr>
-            </a:lvl3pPr>
-            <a:lvl4pPr lvl="3" marR="0" rtl="0" algn="l">
-              <a:lnSpc>
-                <a:spcPct val="100000"/>
-              </a:lnSpc>
-              <a:spcBef>
-                <a:spcPts val="4200"/>
-              </a:spcBef>
-              <a:spcAft>
-                <a:spcPts val="0"/>
-              </a:spcAft>
-              <a:buClr>
-                <a:srgbClr val="FFFFFF"/>
-              </a:buClr>
-              <a:buSzPts val="4640"/>
-              <a:buFont typeface="Helvetica Neue"/>
-              <a:buChar char="•"/>
-              <a:defRPr b="0" i="0" sz="3200" u="none" cap="none" strike="noStrike">
-                <a:solidFill>
-                  <a:srgbClr val="FFFFFF"/>
-                </a:solidFill>
-                <a:latin typeface="Helvetica Neue"/>
-                <a:ea typeface="Helvetica Neue"/>
-                <a:cs typeface="Helvetica Neue"/>
-                <a:sym typeface="Helvetica Neue"/>
-              </a:defRPr>
-            </a:lvl4pPr>
-            <a:lvl5pPr lvl="4" marR="0" rtl="0" algn="l">
-              <a:lnSpc>
-                <a:spcPct val="100000"/>
-              </a:lnSpc>
-              <a:spcBef>
-                <a:spcPts val="4200"/>
-              </a:spcBef>
-              <a:spcAft>
-                <a:spcPts val="0"/>
-              </a:spcAft>
-              <a:buClr>
-                <a:srgbClr val="FFFFFF"/>
-              </a:buClr>
-              <a:buSzPts val="4640"/>
-              <a:buFont typeface="Helvetica Neue"/>
-              <a:buChar char="•"/>
-              <a:defRPr b="0" i="0" sz="3200" u="none" cap="none" strike="noStrike">
-                <a:solidFill>
-                  <a:srgbClr val="FFFFFF"/>
-                </a:solidFill>
-                <a:latin typeface="Helvetica Neue"/>
-                <a:ea typeface="Helvetica Neue"/>
-                <a:cs typeface="Helvetica Neue"/>
-                <a:sym typeface="Helvetica Neue"/>
-              </a:defRPr>
-            </a:lvl5pPr>
-            <a:lvl6pPr lvl="5" marR="0" rtl="0" algn="l">
-              <a:lnSpc>
-                <a:spcPct val="100000"/>
-              </a:lnSpc>
-              <a:spcBef>
-                <a:spcPts val="4200"/>
-              </a:spcBef>
-              <a:spcAft>
-                <a:spcPts val="0"/>
-              </a:spcAft>
-              <a:buClr>
-                <a:srgbClr val="FFFFFF"/>
-              </a:buClr>
-              <a:buSzPts val="4640"/>
-              <a:buFont typeface="Helvetica Neue"/>
-              <a:buChar char="•"/>
-              <a:defRPr b="0" i="0" sz="3200" u="none" cap="none" strike="noStrike">
-                <a:solidFill>
-                  <a:srgbClr val="FFFFFF"/>
-                </a:solidFill>
-                <a:latin typeface="Helvetica Neue"/>
-                <a:ea typeface="Helvetica Neue"/>
-                <a:cs typeface="Helvetica Neue"/>
-                <a:sym typeface="Helvetica Neue"/>
-              </a:defRPr>
-            </a:lvl6pPr>
-            <a:lvl7pPr lvl="6" marR="0" rtl="0" algn="l">
-              <a:lnSpc>
-                <a:spcPct val="100000"/>
-              </a:lnSpc>
-              <a:spcBef>
-                <a:spcPts val="4200"/>
-              </a:spcBef>
-              <a:spcAft>
-                <a:spcPts val="0"/>
-              </a:spcAft>
-              <a:buClr>
-                <a:srgbClr val="FFFFFF"/>
-              </a:buClr>
-              <a:buSzPts val="4640"/>
-              <a:buFont typeface="Helvetica Neue"/>
-              <a:buChar char="•"/>
-              <a:defRPr b="0" i="0" sz="3200" u="none" cap="none" strike="noStrike">
-                <a:solidFill>
-                  <a:srgbClr val="FFFFFF"/>
-                </a:solidFill>
-                <a:latin typeface="Helvetica Neue"/>
-                <a:ea typeface="Helvetica Neue"/>
-                <a:cs typeface="Helvetica Neue"/>
-                <a:sym typeface="Helvetica Neue"/>
-              </a:defRPr>
-            </a:lvl7pPr>
-            <a:lvl8pPr lvl="7" marR="0" rtl="0" algn="l">
-              <a:lnSpc>
-                <a:spcPct val="100000"/>
-              </a:lnSpc>
-              <a:spcBef>
-                <a:spcPts val="4200"/>
-              </a:spcBef>
-              <a:spcAft>
-                <a:spcPts val="0"/>
-              </a:spcAft>
-              <a:buClr>
-                <a:srgbClr val="FFFFFF"/>
-              </a:buClr>
-              <a:buSzPts val="4640"/>
-              <a:buFont typeface="Helvetica Neue"/>
-              <a:buChar char="•"/>
-              <a:defRPr b="0" i="0" sz="3200" u="none" cap="none" strike="noStrike">
-                <a:solidFill>
-                  <a:srgbClr val="FFFFFF"/>
-                </a:solidFill>
-                <a:latin typeface="Helvetica Neue"/>
-                <a:ea typeface="Helvetica Neue"/>
-                <a:cs typeface="Helvetica Neue"/>
-                <a:sym typeface="Helvetica Neue"/>
-              </a:defRPr>
-            </a:lvl8pPr>
-            <a:lvl9pPr lvl="8" marR="0" rtl="0" algn="l">
-              <a:lnSpc>
-                <a:spcPct val="100000"/>
-              </a:lnSpc>
-              <a:spcBef>
-                <a:spcPts val="4200"/>
-              </a:spcBef>
-              <a:spcAft>
-                <a:spcPts val="0"/>
-              </a:spcAft>
-              <a:buClr>
-                <a:srgbClr val="FFFFFF"/>
-              </a:buClr>
-              <a:buSzPts val="4640"/>
-              <a:buFont typeface="Helvetica Neue"/>
-              <a:buChar char="•"/>
-              <a:defRPr b="0" i="0" sz="3200" u="none" cap="none" strike="noStrike">
-                <a:solidFill>
-                  <a:srgbClr val="FFFFFF"/>
-                </a:solidFill>
-                <a:latin typeface="Helvetica Neue"/>
-                <a:ea typeface="Helvetica Neue"/>
-                <a:cs typeface="Helvetica Neue"/>
-                <a:sym typeface="Helvetica Neue"/>
-              </a:defRPr>
-            </a:lvl9pPr>
-          </a:lstStyle>
-          <a:p/>
-        </p:txBody>
       </p:sp>
       <p:sp>
         <p:nvSpPr>
@@ -8447,207 +7125,234 @@
             <a:spAutoFit/>
           </a:bodyPr>
           <a:lstStyle>
-            <a:lvl1pPr indent="0" lvl="0" marL="0" algn="ctr">
-              <a:lnSpc>
-                <a:spcPct val="100000"/>
-              </a:lnSpc>
-              <a:spcBef>
-                <a:spcPts val="0"/>
-              </a:spcBef>
-              <a:spcAft>
-                <a:spcPts val="0"/>
-              </a:spcAft>
-              <a:buClr>
-                <a:srgbClr val="FFFFFF"/>
-              </a:buClr>
-              <a:buSzPts val="1600"/>
-              <a:buFont typeface="Helvetica Neue Light"/>
-              <a:buNone/>
-              <a:defRPr b="0" sz="1600">
+            <a:lvl1pPr indent="0" lvl="0" marL="0" marR="0" algn="ctr">
+              <a:lnSpc>
+                <a:spcPct val="100000"/>
+              </a:lnSpc>
+              <a:spcBef>
+                <a:spcPts val="0"/>
+              </a:spcBef>
+              <a:spcAft>
+                <a:spcPts val="0"/>
+              </a:spcAft>
+              <a:buClr>
+                <a:srgbClr val="FFFFFF"/>
+              </a:buClr>
+              <a:buSzPts val="1600"/>
+              <a:buFont typeface="Helvetica Neue Light"/>
+              <a:buNone/>
+              <a:defRPr b="0" i="0" sz="1600" u="none" cap="none" strike="noStrike">
+                <a:solidFill>
+                  <a:srgbClr val="FFFFFF"/>
+                </a:solidFill>
                 <a:latin typeface="Helvetica Neue Light"/>
                 <a:ea typeface="Helvetica Neue Light"/>
                 <a:cs typeface="Helvetica Neue Light"/>
                 <a:sym typeface="Helvetica Neue Light"/>
               </a:defRPr>
             </a:lvl1pPr>
-            <a:lvl2pPr indent="0" lvl="1" marL="0" algn="ctr">
-              <a:lnSpc>
-                <a:spcPct val="100000"/>
-              </a:lnSpc>
-              <a:spcBef>
-                <a:spcPts val="0"/>
-              </a:spcBef>
-              <a:spcAft>
-                <a:spcPts val="0"/>
-              </a:spcAft>
-              <a:buClr>
-                <a:srgbClr val="FFFFFF"/>
-              </a:buClr>
-              <a:buSzPts val="1600"/>
-              <a:buFont typeface="Helvetica Neue Light"/>
-              <a:buNone/>
-              <a:defRPr b="0" sz="1600">
+            <a:lvl2pPr indent="0" lvl="1" marL="0" marR="0" algn="ctr">
+              <a:lnSpc>
+                <a:spcPct val="100000"/>
+              </a:lnSpc>
+              <a:spcBef>
+                <a:spcPts val="0"/>
+              </a:spcBef>
+              <a:spcAft>
+                <a:spcPts val="0"/>
+              </a:spcAft>
+              <a:buClr>
+                <a:srgbClr val="FFFFFF"/>
+              </a:buClr>
+              <a:buSzPts val="1600"/>
+              <a:buFont typeface="Helvetica Neue Light"/>
+              <a:buNone/>
+              <a:defRPr b="0" i="0" sz="1600" u="none" cap="none" strike="noStrike">
+                <a:solidFill>
+                  <a:srgbClr val="FFFFFF"/>
+                </a:solidFill>
                 <a:latin typeface="Helvetica Neue Light"/>
                 <a:ea typeface="Helvetica Neue Light"/>
                 <a:cs typeface="Helvetica Neue Light"/>
                 <a:sym typeface="Helvetica Neue Light"/>
               </a:defRPr>
             </a:lvl2pPr>
-            <a:lvl3pPr indent="0" lvl="2" marL="0" algn="ctr">
-              <a:lnSpc>
-                <a:spcPct val="100000"/>
-              </a:lnSpc>
-              <a:spcBef>
-                <a:spcPts val="0"/>
-              </a:spcBef>
-              <a:spcAft>
-                <a:spcPts val="0"/>
-              </a:spcAft>
-              <a:buClr>
-                <a:srgbClr val="FFFFFF"/>
-              </a:buClr>
-              <a:buSzPts val="1600"/>
-              <a:buFont typeface="Helvetica Neue Light"/>
-              <a:buNone/>
-              <a:defRPr b="0" sz="1600">
+            <a:lvl3pPr indent="0" lvl="2" marL="0" marR="0" algn="ctr">
+              <a:lnSpc>
+                <a:spcPct val="100000"/>
+              </a:lnSpc>
+              <a:spcBef>
+                <a:spcPts val="0"/>
+              </a:spcBef>
+              <a:spcAft>
+                <a:spcPts val="0"/>
+              </a:spcAft>
+              <a:buClr>
+                <a:srgbClr val="FFFFFF"/>
+              </a:buClr>
+              <a:buSzPts val="1600"/>
+              <a:buFont typeface="Helvetica Neue Light"/>
+              <a:buNone/>
+              <a:defRPr b="0" i="0" sz="1600" u="none" cap="none" strike="noStrike">
+                <a:solidFill>
+                  <a:srgbClr val="FFFFFF"/>
+                </a:solidFill>
                 <a:latin typeface="Helvetica Neue Light"/>
                 <a:ea typeface="Helvetica Neue Light"/>
                 <a:cs typeface="Helvetica Neue Light"/>
                 <a:sym typeface="Helvetica Neue Light"/>
               </a:defRPr>
             </a:lvl3pPr>
-            <a:lvl4pPr indent="0" lvl="3" marL="0" algn="ctr">
-              <a:lnSpc>
-                <a:spcPct val="100000"/>
-              </a:lnSpc>
-              <a:spcBef>
-                <a:spcPts val="0"/>
-              </a:spcBef>
-              <a:spcAft>
-                <a:spcPts val="0"/>
-              </a:spcAft>
-              <a:buClr>
-                <a:srgbClr val="FFFFFF"/>
-              </a:buClr>
-              <a:buSzPts val="1600"/>
-              <a:buFont typeface="Helvetica Neue Light"/>
-              <a:buNone/>
-              <a:defRPr b="0" sz="1600">
+            <a:lvl4pPr indent="0" lvl="3" marL="0" marR="0" algn="ctr">
+              <a:lnSpc>
+                <a:spcPct val="100000"/>
+              </a:lnSpc>
+              <a:spcBef>
+                <a:spcPts val="0"/>
+              </a:spcBef>
+              <a:spcAft>
+                <a:spcPts val="0"/>
+              </a:spcAft>
+              <a:buClr>
+                <a:srgbClr val="FFFFFF"/>
+              </a:buClr>
+              <a:buSzPts val="1600"/>
+              <a:buFont typeface="Helvetica Neue Light"/>
+              <a:buNone/>
+              <a:defRPr b="0" i="0" sz="1600" u="none" cap="none" strike="noStrike">
+                <a:solidFill>
+                  <a:srgbClr val="FFFFFF"/>
+                </a:solidFill>
                 <a:latin typeface="Helvetica Neue Light"/>
                 <a:ea typeface="Helvetica Neue Light"/>
                 <a:cs typeface="Helvetica Neue Light"/>
                 <a:sym typeface="Helvetica Neue Light"/>
               </a:defRPr>
             </a:lvl4pPr>
-            <a:lvl5pPr indent="0" lvl="4" marL="0" algn="ctr">
-              <a:lnSpc>
-                <a:spcPct val="100000"/>
-              </a:lnSpc>
-              <a:spcBef>
-                <a:spcPts val="0"/>
-              </a:spcBef>
-              <a:spcAft>
-                <a:spcPts val="0"/>
-              </a:spcAft>
-              <a:buClr>
-                <a:srgbClr val="FFFFFF"/>
-              </a:buClr>
-              <a:buSzPts val="1600"/>
-              <a:buFont typeface="Helvetica Neue Light"/>
-              <a:buNone/>
-              <a:defRPr b="0" sz="1600">
+            <a:lvl5pPr indent="0" lvl="4" marL="0" marR="0" algn="ctr">
+              <a:lnSpc>
+                <a:spcPct val="100000"/>
+              </a:lnSpc>
+              <a:spcBef>
+                <a:spcPts val="0"/>
+              </a:spcBef>
+              <a:spcAft>
+                <a:spcPts val="0"/>
+              </a:spcAft>
+              <a:buClr>
+                <a:srgbClr val="FFFFFF"/>
+              </a:buClr>
+              <a:buSzPts val="1600"/>
+              <a:buFont typeface="Helvetica Neue Light"/>
+              <a:buNone/>
+              <a:defRPr b="0" i="0" sz="1600" u="none" cap="none" strike="noStrike">
+                <a:solidFill>
+                  <a:srgbClr val="FFFFFF"/>
+                </a:solidFill>
                 <a:latin typeface="Helvetica Neue Light"/>
                 <a:ea typeface="Helvetica Neue Light"/>
                 <a:cs typeface="Helvetica Neue Light"/>
                 <a:sym typeface="Helvetica Neue Light"/>
               </a:defRPr>
             </a:lvl5pPr>
-            <a:lvl6pPr indent="0" lvl="5" marL="0" algn="ctr">
-              <a:lnSpc>
-                <a:spcPct val="100000"/>
-              </a:lnSpc>
-              <a:spcBef>
-                <a:spcPts val="0"/>
-              </a:spcBef>
-              <a:spcAft>
-                <a:spcPts val="0"/>
-              </a:spcAft>
-              <a:buClr>
-                <a:srgbClr val="FFFFFF"/>
-              </a:buClr>
-              <a:buSzPts val="1600"/>
-              <a:buFont typeface="Helvetica Neue Light"/>
-              <a:buNone/>
-              <a:defRPr b="0" sz="1600">
+            <a:lvl6pPr indent="0" lvl="5" marL="0" marR="0" algn="ctr">
+              <a:lnSpc>
+                <a:spcPct val="100000"/>
+              </a:lnSpc>
+              <a:spcBef>
+                <a:spcPts val="0"/>
+              </a:spcBef>
+              <a:spcAft>
+                <a:spcPts val="0"/>
+              </a:spcAft>
+              <a:buClr>
+                <a:srgbClr val="FFFFFF"/>
+              </a:buClr>
+              <a:buSzPts val="1600"/>
+              <a:buFont typeface="Helvetica Neue Light"/>
+              <a:buNone/>
+              <a:defRPr b="0" i="0" sz="1600" u="none" cap="none" strike="noStrike">
+                <a:solidFill>
+                  <a:srgbClr val="FFFFFF"/>
+                </a:solidFill>
                 <a:latin typeface="Helvetica Neue Light"/>
                 <a:ea typeface="Helvetica Neue Light"/>
                 <a:cs typeface="Helvetica Neue Light"/>
                 <a:sym typeface="Helvetica Neue Light"/>
               </a:defRPr>
             </a:lvl6pPr>
-            <a:lvl7pPr indent="0" lvl="6" marL="0" algn="ctr">
-              <a:lnSpc>
-                <a:spcPct val="100000"/>
-              </a:lnSpc>
-              <a:spcBef>
-                <a:spcPts val="0"/>
-              </a:spcBef>
-              <a:spcAft>
-                <a:spcPts val="0"/>
-              </a:spcAft>
-              <a:buClr>
-                <a:srgbClr val="FFFFFF"/>
-              </a:buClr>
-              <a:buSzPts val="1600"/>
-              <a:buFont typeface="Helvetica Neue Light"/>
-              <a:buNone/>
-              <a:defRPr b="0" sz="1600">
+            <a:lvl7pPr indent="0" lvl="6" marL="0" marR="0" algn="ctr">
+              <a:lnSpc>
+                <a:spcPct val="100000"/>
+              </a:lnSpc>
+              <a:spcBef>
+                <a:spcPts val="0"/>
+              </a:spcBef>
+              <a:spcAft>
+                <a:spcPts val="0"/>
+              </a:spcAft>
+              <a:buClr>
+                <a:srgbClr val="FFFFFF"/>
+              </a:buClr>
+              <a:buSzPts val="1600"/>
+              <a:buFont typeface="Helvetica Neue Light"/>
+              <a:buNone/>
+              <a:defRPr b="0" i="0" sz="1600" u="none" cap="none" strike="noStrike">
+                <a:solidFill>
+                  <a:srgbClr val="FFFFFF"/>
+                </a:solidFill>
                 <a:latin typeface="Helvetica Neue Light"/>
                 <a:ea typeface="Helvetica Neue Light"/>
                 <a:cs typeface="Helvetica Neue Light"/>
                 <a:sym typeface="Helvetica Neue Light"/>
               </a:defRPr>
             </a:lvl7pPr>
-            <a:lvl8pPr indent="0" lvl="7" marL="0" algn="ctr">
-              <a:lnSpc>
-                <a:spcPct val="100000"/>
-              </a:lnSpc>
-              <a:spcBef>
-                <a:spcPts val="0"/>
-              </a:spcBef>
-              <a:spcAft>
-                <a:spcPts val="0"/>
-              </a:spcAft>
-              <a:buClr>
-                <a:srgbClr val="FFFFFF"/>
-              </a:buClr>
-              <a:buSzPts val="1600"/>
-              <a:buFont typeface="Helvetica Neue Light"/>
-              <a:buNone/>
-              <a:defRPr b="0" sz="1600">
+            <a:lvl8pPr indent="0" lvl="7" marL="0" marR="0" algn="ctr">
+              <a:lnSpc>
+                <a:spcPct val="100000"/>
+              </a:lnSpc>
+              <a:spcBef>
+                <a:spcPts val="0"/>
+              </a:spcBef>
+              <a:spcAft>
+                <a:spcPts val="0"/>
+              </a:spcAft>
+              <a:buClr>
+                <a:srgbClr val="FFFFFF"/>
+              </a:buClr>
+              <a:buSzPts val="1600"/>
+              <a:buFont typeface="Helvetica Neue Light"/>
+              <a:buNone/>
+              <a:defRPr b="0" i="0" sz="1600" u="none" cap="none" strike="noStrike">
+                <a:solidFill>
+                  <a:srgbClr val="FFFFFF"/>
+                </a:solidFill>
                 <a:latin typeface="Helvetica Neue Light"/>
                 <a:ea typeface="Helvetica Neue Light"/>
                 <a:cs typeface="Helvetica Neue Light"/>
                 <a:sym typeface="Helvetica Neue Light"/>
               </a:defRPr>
             </a:lvl8pPr>
-            <a:lvl9pPr indent="0" lvl="8" marL="0" algn="ctr">
-              <a:lnSpc>
-                <a:spcPct val="100000"/>
-              </a:lnSpc>
-              <a:spcBef>
-                <a:spcPts val="0"/>
-              </a:spcBef>
-              <a:spcAft>
-                <a:spcPts val="0"/>
-              </a:spcAft>
-              <a:buClr>
-                <a:srgbClr val="FFFFFF"/>
-              </a:buClr>
-              <a:buSzPts val="1600"/>
-              <a:buFont typeface="Helvetica Neue Light"/>
-              <a:buNone/>
-              <a:defRPr b="0" sz="1600">
+            <a:lvl9pPr indent="0" lvl="8" marL="0" marR="0" algn="ctr">
+              <a:lnSpc>
+                <a:spcPct val="100000"/>
+              </a:lnSpc>
+              <a:spcBef>
+                <a:spcPts val="0"/>
+              </a:spcBef>
+              <a:spcAft>
+                <a:spcPts val="0"/>
+              </a:spcAft>
+              <a:buClr>
+                <a:srgbClr val="FFFFFF"/>
+              </a:buClr>
+              <a:buSzPts val="1600"/>
+              <a:buFont typeface="Helvetica Neue Light"/>
+              <a:buNone/>
+              <a:defRPr b="0" i="0" sz="1600" u="none" cap="none" strike="noStrike">
+                <a:solidFill>
+                  <a:srgbClr val="FFFFFF"/>
+                </a:solidFill>
                 <a:latin typeface="Helvetica Neue Light"/>
                 <a:ea typeface="Helvetica Neue Light"/>
                 <a:cs typeface="Helvetica Neue Light"/>
@@ -10262,14 +8967,14 @@
         </p:nvSpPr>
         <p:spPr>
           <a:xfrm>
-            <a:off x="3395588" y="3216944"/>
-            <a:ext cx="1908324" cy="1672234"/>
+            <a:off x="3216523" y="3536973"/>
+            <a:ext cx="1542600" cy="977700"/>
           </a:xfrm>
           <a:prstGeom prst="rect">
             <a:avLst/>
           </a:prstGeom>
           <a:solidFill>
-            <a:srgbClr val="C2E5EB"/>
+            <a:srgbClr val="CFE2F3"/>
           </a:solidFill>
           <a:ln>
             <a:noFill/>
@@ -10299,21 +9004,25 @@
               <a:buNone/>
             </a:pPr>
             <a:r>
-              <a:rPr b="0" i="0" lang="en-US" sz="2000" u="none" cap="none" strike="noStrike">
-                <a:solidFill>
-                  <a:srgbClr val="434343"/>
+              <a:rPr b="0" i="0" lang="en-US" sz="1500" u="none" cap="none" strike="noStrike">
+                <a:solidFill>
+                  <a:srgbClr val="3C4247"/>
                 </a:solidFill>
                 <a:latin typeface="Arial"/>
                 <a:ea typeface="Arial"/>
                 <a:cs typeface="Arial"/>
                 <a:sym typeface="Arial"/>
               </a:rPr>
-              <a:t>Spark SQL</a:t>
+              <a:t>Spark SQL and</a:t>
             </a:r>
-            <a:endParaRPr>
+            <a:endParaRPr b="0" i="0" sz="1500" u="none" cap="none" strike="noStrike">
               <a:solidFill>
-                <a:srgbClr val="434343"/>
+                <a:srgbClr val="3C4247"/>
               </a:solidFill>
+              <a:latin typeface="Arial"/>
+              <a:ea typeface="Arial"/>
+              <a:cs typeface="Arial"/>
+              <a:sym typeface="Arial"/>
             </a:endParaRPr>
           </a:p>
           <a:p>
@@ -10335,9 +9044,9 @@
               <a:buNone/>
             </a:pPr>
             <a:r>
-              <a:rPr b="0" i="0" lang="en-US" sz="2000" u="none" cap="none" strike="noStrike">
-                <a:solidFill>
-                  <a:srgbClr val="434343"/>
+              <a:rPr b="0" i="0" lang="en-US" sz="1500" u="none" cap="none" strike="noStrike">
+                <a:solidFill>
+                  <a:srgbClr val="3C4247"/>
                 </a:solidFill>
                 <a:latin typeface="Arial"/>
                 <a:ea typeface="Arial"/>
@@ -10346,10 +9055,14 @@
               </a:rPr>
               <a:t>DataFrame</a:t>
             </a:r>
-            <a:endParaRPr>
+            <a:endParaRPr b="0" i="0" sz="1500" u="none" cap="none" strike="noStrike">
               <a:solidFill>
-                <a:srgbClr val="434343"/>
+                <a:srgbClr val="3C4247"/>
               </a:solidFill>
+              <a:latin typeface="Arial"/>
+              <a:ea typeface="Arial"/>
+              <a:cs typeface="Arial"/>
+              <a:sym typeface="Arial"/>
             </a:endParaRPr>
           </a:p>
         </p:txBody>
@@ -10362,14 +9075,14 @@
         </p:nvSpPr>
         <p:spPr>
           <a:xfrm>
-            <a:off x="5547617" y="3216944"/>
-            <a:ext cx="1908325" cy="1672234"/>
+            <a:off x="3216534" y="4826000"/>
+            <a:ext cx="6669300" cy="639300"/>
           </a:xfrm>
           <a:prstGeom prst="rect">
             <a:avLst/>
           </a:prstGeom>
           <a:solidFill>
-            <a:srgbClr val="C2E5EB"/>
+            <a:srgbClr val="CFE2F3"/>
           </a:solidFill>
           <a:ln>
             <a:noFill/>
@@ -10394,23 +9107,31 @@
               <a:buClr>
                 <a:srgbClr val="434343"/>
               </a:buClr>
-              <a:buSzPts val="2000"/>
+              <a:buSzPts val="2200"/>
               <a:buFont typeface="Arial"/>
               <a:buNone/>
             </a:pPr>
             <a:r>
-              <a:rPr b="0" i="0" lang="en-US" sz="2000" u="none" cap="none" strike="noStrike">
-                <a:solidFill>
-                  <a:srgbClr val="434343"/>
+              <a:rPr b="0" i="0" lang="en-US" sz="1500" u="none" cap="none" strike="noStrike">
+                <a:solidFill>
+                  <a:srgbClr val="3C4247"/>
                 </a:solidFill>
                 <a:latin typeface="Arial"/>
                 <a:ea typeface="Arial"/>
                 <a:cs typeface="Arial"/>
                 <a:sym typeface="Arial"/>
               </a:rPr>
-              <a:t>Streaming</a:t>
+              <a:t>Spark Core and RDDs</a:t>
             </a:r>
-            <a:endParaRPr/>
+            <a:endParaRPr b="0" i="0" sz="1500" u="none" cap="none" strike="noStrike">
+              <a:solidFill>
+                <a:srgbClr val="3C4247"/>
+              </a:solidFill>
+              <a:latin typeface="Arial"/>
+              <a:ea typeface="Arial"/>
+              <a:cs typeface="Arial"/>
+              <a:sym typeface="Arial"/>
+            </a:endParaRPr>
           </a:p>
         </p:txBody>
       </p:sp>
@@ -10422,14 +9143,14 @@
         </p:nvSpPr>
         <p:spPr>
           <a:xfrm>
-            <a:off x="7700888" y="3216944"/>
-            <a:ext cx="1908324" cy="1672234"/>
+            <a:off x="8343223" y="3536973"/>
+            <a:ext cx="1542600" cy="977700"/>
           </a:xfrm>
           <a:prstGeom prst="rect">
             <a:avLst/>
           </a:prstGeom>
           <a:solidFill>
-            <a:srgbClr val="C2E5EB"/>
+            <a:srgbClr val="CFE2F3"/>
           </a:solidFill>
           <a:ln>
             <a:noFill/>
@@ -10459,16 +9180,16 @@
               <a:buNone/>
             </a:pPr>
             <a:r>
-              <a:rPr lang="en-US" sz="2000">
-                <a:solidFill>
-                  <a:srgbClr val="434343"/>
+              <a:rPr lang="en-US" sz="1500">
+                <a:solidFill>
+                  <a:srgbClr val="3C4247"/>
                 </a:solidFill>
               </a:rPr>
-              <a:t>MLlib</a:t>
+              <a:t>Machine Learning</a:t>
             </a:r>
-            <a:endParaRPr sz="2000">
+            <a:endParaRPr sz="1500">
               <a:solidFill>
-                <a:srgbClr val="434343"/>
+                <a:srgbClr val="3C4247"/>
               </a:solidFill>
             </a:endParaRPr>
           </a:p>
@@ -10491,26 +9212,18 @@
               <a:buNone/>
             </a:pPr>
             <a:r>
-              <a:rPr b="0" i="1" lang="en-US" u="none" cap="none" strike="noStrike">
-                <a:solidFill>
-                  <a:srgbClr val="434343"/>
-                </a:solidFill>
-                <a:latin typeface="Arial"/>
-                <a:ea typeface="Arial"/>
-                <a:cs typeface="Arial"/>
-                <a:sym typeface="Arial"/>
+              <a:rPr i="1" lang="en-US" sz="900">
+                <a:solidFill>
+                  <a:srgbClr val="3C4247"/>
+                </a:solidFill>
               </a:rPr>
-              <a:t>Machine </a:t>
+              <a:t>MLlib</a:t>
             </a:r>
-            <a:r>
-              <a:rPr i="1" lang="en-US">
-                <a:solidFill>
-                  <a:srgbClr val="434343"/>
-                </a:solidFill>
-              </a:rPr>
-              <a:t>Learning</a:t>
-            </a:r>
-            <a:endParaRPr i="1" sz="800"/>
+            <a:endParaRPr i="1" sz="900">
+              <a:solidFill>
+                <a:srgbClr val="3C4247"/>
+              </a:solidFill>
+            </a:endParaRPr>
           </a:p>
         </p:txBody>
       </p:sp>
@@ -10522,14 +9235,14 @@
         </p:nvSpPr>
         <p:spPr>
           <a:xfrm>
-            <a:off x="3396208" y="5143078"/>
-            <a:ext cx="6212384" cy="1393578"/>
+            <a:off x="4941548" y="3536973"/>
+            <a:ext cx="1542600" cy="977700"/>
           </a:xfrm>
           <a:prstGeom prst="rect">
             <a:avLst/>
           </a:prstGeom>
           <a:solidFill>
-            <a:srgbClr val="C2E5EB"/>
+            <a:srgbClr val="CFE2F3"/>
           </a:solidFill>
           <a:ln>
             <a:noFill/>
@@ -10554,23 +9267,155 @@
               <a:buClr>
                 <a:srgbClr val="434343"/>
               </a:buClr>
+              <a:buSzPts val="2000"/>
+              <a:buFont typeface="Arial"/>
+              <a:buNone/>
+            </a:pPr>
+            <a:r>
+              <a:rPr lang="en-US" sz="1500">
+                <a:solidFill>
+                  <a:srgbClr val="3C4247"/>
+                </a:solidFill>
+              </a:rPr>
+              <a:t>Pandas API on Spark</a:t>
+            </a:r>
+            <a:endParaRPr b="0" i="0" sz="1500" u="none" cap="none" strike="noStrike">
+              <a:solidFill>
+                <a:srgbClr val="3C4247"/>
+              </a:solidFill>
+              <a:latin typeface="Arial"/>
+              <a:ea typeface="Arial"/>
+              <a:cs typeface="Arial"/>
+              <a:sym typeface="Arial"/>
+            </a:endParaRPr>
+          </a:p>
+        </p:txBody>
+      </p:sp>
+      <p:sp>
+        <p:nvSpPr>
+          <p:cNvPr id="63" name="Google Shape;63;p1"/>
+          <p:cNvSpPr/>
+          <p:nvPr/>
+        </p:nvSpPr>
+        <p:spPr>
+          <a:xfrm>
+            <a:off x="6642385" y="3536973"/>
+            <a:ext cx="1542600" cy="977700"/>
+          </a:xfrm>
+          <a:prstGeom prst="rect">
+            <a:avLst/>
+          </a:prstGeom>
+          <a:solidFill>
+            <a:srgbClr val="CFE2F3"/>
+          </a:solidFill>
+          <a:ln>
+            <a:noFill/>
+          </a:ln>
+        </p:spPr>
+        <p:txBody>
+          <a:bodyPr anchorCtr="0" anchor="ctr" bIns="50800" lIns="50800" spcFirstLastPara="1" rIns="50800" wrap="square" tIns="50800">
+            <a:noAutofit/>
+          </a:bodyPr>
+          <a:lstStyle/>
+          <a:p>
+            <a:pPr indent="0" lvl="0" marL="0" marR="0" rtl="0" algn="ctr">
+              <a:lnSpc>
+                <a:spcPct val="100000"/>
+              </a:lnSpc>
+              <a:spcBef>
+                <a:spcPts val="0"/>
+              </a:spcBef>
+              <a:spcAft>
+                <a:spcPts val="0"/>
+              </a:spcAft>
+              <a:buClr>
+                <a:srgbClr val="434343"/>
+              </a:buClr>
+              <a:buSzPts val="2000"/>
+              <a:buFont typeface="Arial"/>
+              <a:buNone/>
+            </a:pPr>
+            <a:r>
+              <a:rPr lang="en-US" sz="1500">
+                <a:solidFill>
+                  <a:srgbClr val="3C4247"/>
+                </a:solidFill>
+              </a:rPr>
+              <a:t>Structured Streaming</a:t>
+            </a:r>
+            <a:endParaRPr b="0" i="0" sz="1500" u="none" cap="none" strike="noStrike">
+              <a:solidFill>
+                <a:srgbClr val="3C4247"/>
+              </a:solidFill>
+              <a:latin typeface="Arial"/>
+              <a:ea typeface="Arial"/>
+              <a:cs typeface="Arial"/>
+              <a:sym typeface="Arial"/>
+            </a:endParaRPr>
+          </a:p>
+        </p:txBody>
+      </p:sp>
+      <p:sp>
+        <p:nvSpPr>
+          <p:cNvPr id="64" name="Google Shape;64;p1"/>
+          <p:cNvSpPr/>
+          <p:nvPr/>
+        </p:nvSpPr>
+        <p:spPr>
+          <a:xfrm>
+            <a:off x="3216525" y="2905550"/>
+            <a:ext cx="6669300" cy="320100"/>
+          </a:xfrm>
+          <a:prstGeom prst="rect">
+            <a:avLst/>
+          </a:prstGeom>
+          <a:solidFill>
+            <a:srgbClr val="CFE2F3"/>
+          </a:solidFill>
+          <a:ln>
+            <a:noFill/>
+          </a:ln>
+        </p:spPr>
+        <p:txBody>
+          <a:bodyPr anchorCtr="0" anchor="ctr" bIns="50800" lIns="50800" spcFirstLastPara="1" rIns="50800" wrap="square" tIns="50800">
+            <a:noAutofit/>
+          </a:bodyPr>
+          <a:lstStyle/>
+          <a:p>
+            <a:pPr indent="0" lvl="0" marL="0" marR="0" rtl="0" algn="ctr">
+              <a:lnSpc>
+                <a:spcPct val="100000"/>
+              </a:lnSpc>
+              <a:spcBef>
+                <a:spcPts val="0"/>
+              </a:spcBef>
+              <a:spcAft>
+                <a:spcPts val="0"/>
+              </a:spcAft>
+              <a:buClr>
+                <a:srgbClr val="434343"/>
+              </a:buClr>
               <a:buSzPts val="2200"/>
               <a:buFont typeface="Arial"/>
               <a:buNone/>
             </a:pPr>
             <a:r>
-              <a:rPr b="0" i="0" lang="en-US" sz="2200" u="none" cap="none" strike="noStrike">
-                <a:solidFill>
-                  <a:srgbClr val="434343"/>
-                </a:solidFill>
-                <a:latin typeface="Arial"/>
-                <a:ea typeface="Arial"/>
-                <a:cs typeface="Arial"/>
-                <a:sym typeface="Arial"/>
+              <a:rPr lang="en-US" sz="1500">
+                <a:solidFill>
+                  <a:srgbClr val="3C4247"/>
+                </a:solidFill>
               </a:rPr>
-              <a:t>Spark Core</a:t>
+              <a:t>Python Spark Connect Client</a:t>
             </a:r>
-            <a:endParaRPr/>
+            <a:endParaRPr b="0" i="0" sz="1500" u="none" cap="none" strike="noStrike">
+              <a:solidFill>
+                <a:srgbClr val="3C4247"/>
+              </a:solidFill>
+              <a:latin typeface="Arial"/>
+              <a:ea typeface="Arial"/>
+              <a:cs typeface="Arial"/>
+              <a:sym typeface="Arial"/>
+            </a:endParaRPr>
           </a:p>
         </p:txBody>
       </p:sp>
